--- a/ppt/251112_최대한.pptx
+++ b/ppt/251112_최대한.pptx
@@ -5,7 +5,7 @@
     <p:sldMasterId id="2147483648" r:id="rId1"/>
   </p:sldMasterIdLst>
   <p:notesMasterIdLst>
-    <p:notesMasterId r:id="rId19"/>
+    <p:notesMasterId r:id="rId18"/>
   </p:notesMasterIdLst>
   <p:sldIdLst>
     <p:sldId id="299" r:id="rId2"/>
@@ -13,23 +13,22 @@
     <p:sldId id="301" r:id="rId4"/>
     <p:sldId id="302" r:id="rId5"/>
     <p:sldId id="303" r:id="rId6"/>
-    <p:sldId id="304" r:id="rId7"/>
-    <p:sldId id="305" r:id="rId8"/>
-    <p:sldId id="306" r:id="rId9"/>
-    <p:sldId id="307" r:id="rId10"/>
-    <p:sldId id="308" r:id="rId11"/>
-    <p:sldId id="309" r:id="rId12"/>
-    <p:sldId id="313" r:id="rId13"/>
-    <p:sldId id="314" r:id="rId14"/>
-    <p:sldId id="315" r:id="rId15"/>
-    <p:sldId id="316" r:id="rId16"/>
-    <p:sldId id="311" r:id="rId17"/>
-    <p:sldId id="318" r:id="rId18"/>
+    <p:sldId id="305" r:id="rId7"/>
+    <p:sldId id="306" r:id="rId8"/>
+    <p:sldId id="307" r:id="rId9"/>
+    <p:sldId id="308" r:id="rId10"/>
+    <p:sldId id="309" r:id="rId11"/>
+    <p:sldId id="313" r:id="rId12"/>
+    <p:sldId id="314" r:id="rId13"/>
+    <p:sldId id="315" r:id="rId14"/>
+    <p:sldId id="316" r:id="rId15"/>
+    <p:sldId id="311" r:id="rId16"/>
+    <p:sldId id="318" r:id="rId17"/>
   </p:sldIdLst>
   <p:sldSz cx="12192000" cy="6858000"/>
   <p:notesSz cx="6858000" cy="9144000"/>
   <p:custDataLst>
-    <p:tags r:id="rId20"/>
+    <p:tags r:id="rId19"/>
   </p:custDataLst>
   <p:defaultTextStyle>
     <a:defPPr>
@@ -6265,7 +6264,7 @@
                 </a:solidFill>
                 <a:cs typeface="Arial" panose="020B0604020202020204" pitchFamily="34" charset="0"/>
               </a:rPr>
-              <a:t>3. N_SPLITS </a:t>
+              <a:t>4. </a:t>
             </a:r>
             <a:r>
               <a:rPr lang="ko-KR" altLang="en-US" sz="2000" b="1" dirty="0">
@@ -6274,7 +6273,7 @@
                 </a:solidFill>
                 <a:cs typeface="Arial" panose="020B0604020202020204" pitchFamily="34" charset="0"/>
               </a:rPr>
-              <a:t>값에 따른 모델 예측력 비교 </a:t>
+              <a:t>배터리 종류에 따른 모델 예측력 비교</a:t>
             </a:r>
           </a:p>
         </p:txBody>
@@ -6856,72 +6855,72 @@
               <a:defRPr/>
             </a:pPr>
             <a:r>
-              <a:rPr lang="ko-KR" altLang="en-US" b="1" dirty="0">
+              <a:rPr lang="ko-KR" altLang="en-US" dirty="0">
                 <a:cs typeface="Arial" panose="020B0604020202020204" pitchFamily="34" charset="0"/>
               </a:rPr>
-              <a:t>이상한 점 </a:t>
-            </a:r>
-            <a:r>
-              <a:rPr lang="en-US" altLang="ko-KR" b="1" dirty="0">
+              <a:t>먼저 </a:t>
+            </a:r>
+            <a:r>
+              <a:rPr lang="en-US" altLang="ko-KR" dirty="0">
                 <a:cs typeface="Arial" panose="020B0604020202020204" pitchFamily="34" charset="0"/>
               </a:rPr>
-              <a:t>: N_SPLITS = 1 </a:t>
-            </a:r>
-            <a:r>
-              <a:rPr lang="ko-KR" altLang="en-US" b="1" dirty="0">
+              <a:t>6</a:t>
+            </a:r>
+            <a:r>
+              <a:rPr lang="ko-KR" altLang="en-US" dirty="0">
                 <a:cs typeface="Arial" panose="020B0604020202020204" pitchFamily="34" charset="0"/>
               </a:rPr>
-              <a:t>이라면</a:t>
-            </a:r>
-            <a:r>
-              <a:rPr lang="en-US" altLang="ko-KR" b="1" dirty="0">
+              <a:t>번 배터리와 같은 그룹인</a:t>
+            </a:r>
+            <a:r>
+              <a:rPr lang="en-US" altLang="ko-KR" dirty="0">
                 <a:cs typeface="Arial" panose="020B0604020202020204" pitchFamily="34" charset="0"/>
               </a:rPr>
-              <a:t>, </a:t>
-            </a:r>
-            <a:r>
-              <a:rPr lang="ko-KR" altLang="en-US" b="1" dirty="0">
+              <a:t> 5</a:t>
+            </a:r>
+            <a:r>
+              <a:rPr lang="ko-KR" altLang="en-US" dirty="0">
                 <a:cs typeface="Arial" panose="020B0604020202020204" pitchFamily="34" charset="0"/>
               </a:rPr>
-              <a:t>기존 </a:t>
-            </a:r>
-            <a:r>
-              <a:rPr lang="ko-KR" altLang="en-US" b="1" dirty="0" err="1">
+              <a:t>번</a:t>
+            </a:r>
+            <a:r>
+              <a:rPr lang="en-US" altLang="ko-KR" dirty="0">
                 <a:cs typeface="Arial" panose="020B0604020202020204" pitchFamily="34" charset="0"/>
               </a:rPr>
-              <a:t>시간순</a:t>
-            </a:r>
-            <a:r>
-              <a:rPr lang="ko-KR" altLang="en-US" b="1" dirty="0">
+              <a:t>, 7</a:t>
+            </a:r>
+            <a:r>
+              <a:rPr lang="ko-KR" altLang="en-US" dirty="0">
                 <a:cs typeface="Arial" panose="020B0604020202020204" pitchFamily="34" charset="0"/>
               </a:rPr>
-              <a:t> </a:t>
-            </a:r>
-            <a:r>
-              <a:rPr lang="en-US" altLang="ko-KR" b="1" dirty="0">
+              <a:t>번 </a:t>
+            </a:r>
+            <a:r>
+              <a:rPr lang="en-US" altLang="ko-KR" dirty="0">
                 <a:cs typeface="Arial" panose="020B0604020202020204" pitchFamily="34" charset="0"/>
               </a:rPr>
-              <a:t>8:2 </a:t>
-            </a:r>
-            <a:r>
-              <a:rPr lang="ko-KR" altLang="en-US" b="1" dirty="0">
+              <a:t>18</a:t>
+            </a:r>
+            <a:r>
+              <a:rPr lang="ko-KR" altLang="en-US" dirty="0">
                 <a:cs typeface="Arial" panose="020B0604020202020204" pitchFamily="34" charset="0"/>
               </a:rPr>
-              <a:t>학습</a:t>
-            </a:r>
-            <a:r>
-              <a:rPr lang="en-US" altLang="ko-KR" b="1" dirty="0">
+              <a:t>번 배터리의 </a:t>
+            </a:r>
+            <a:r>
+              <a:rPr lang="en-US" altLang="ko-KR" dirty="0">
                 <a:cs typeface="Arial" panose="020B0604020202020204" pitchFamily="34" charset="0"/>
               </a:rPr>
-              <a:t>/</a:t>
-            </a:r>
-            <a:r>
-              <a:rPr lang="ko-KR" altLang="en-US" b="1" dirty="0">
+              <a:t>soh </a:t>
+            </a:r>
+            <a:r>
+              <a:rPr lang="ko-KR" altLang="en-US" dirty="0">
                 <a:cs typeface="Arial" panose="020B0604020202020204" pitchFamily="34" charset="0"/>
               </a:rPr>
-              <a:t>검증 분할과 다를 바가 없음</a:t>
-            </a:r>
-            <a:endParaRPr lang="en-US" altLang="ko-KR" b="1" dirty="0">
+              <a:t>변화 양상을 동시에 비교</a:t>
+            </a:r>
+            <a:endParaRPr lang="en-US" altLang="ko-KR" dirty="0">
               <a:cs typeface="Arial" panose="020B0604020202020204" pitchFamily="34" charset="0"/>
             </a:endParaRPr>
           </a:p>
@@ -6936,33 +6935,12 @@
               <a:buAutoNum type="arabicPeriod"/>
               <a:defRPr/>
             </a:pPr>
-            <a:r>
-              <a:rPr lang="ko-KR" altLang="en-US" dirty="0">
-                <a:cs typeface="Arial" panose="020B0604020202020204" pitchFamily="34" charset="0"/>
-              </a:rPr>
-              <a:t>그런데 </a:t>
-            </a:r>
-            <a:r>
-              <a:rPr lang="en-US" altLang="ko-KR" dirty="0">
-                <a:cs typeface="Arial" panose="020B0604020202020204" pitchFamily="34" charset="0"/>
-              </a:rPr>
-              <a:t>SOH </a:t>
-            </a:r>
-            <a:r>
-              <a:rPr lang="ko-KR" altLang="en-US" dirty="0">
-                <a:cs typeface="Arial" panose="020B0604020202020204" pitchFamily="34" charset="0"/>
-              </a:rPr>
-              <a:t>예측력이 우수함</a:t>
-            </a:r>
-            <a:r>
-              <a:rPr lang="en-US" altLang="ko-KR" dirty="0">
-                <a:cs typeface="Arial" panose="020B0604020202020204" pitchFamily="34" charset="0"/>
-              </a:rPr>
-              <a:t>. </a:t>
-            </a:r>
-          </a:p>
-          <a:p>
-            <a:pPr marL="1085850" lvl="1" indent="-342900" algn="just">
+            <a:endParaRPr lang="en-US" altLang="ko-KR" dirty="0">
+              <a:cs typeface="Arial" panose="020B0604020202020204" pitchFamily="34" charset="0"/>
+            </a:endParaRPr>
+          </a:p>
+          <a:p>
+            <a:pPr marL="342900" indent="-342900" algn="just">
               <a:lnSpc>
                 <a:spcPct val="110000"/>
               </a:lnSpc>
@@ -6972,42 +6950,12 @@
               <a:buAutoNum type="arabicPeriod"/>
               <a:defRPr/>
             </a:pPr>
-            <a:r>
-              <a:rPr lang="ko-KR" altLang="en-US" dirty="0">
-                <a:cs typeface="Arial" panose="020B0604020202020204" pitchFamily="34" charset="0"/>
-              </a:rPr>
-              <a:t>지난 주 </a:t>
-            </a:r>
-            <a:r>
-              <a:rPr lang="en-US" altLang="ko-KR" dirty="0">
-                <a:cs typeface="Arial" panose="020B0604020202020204" pitchFamily="34" charset="0"/>
-              </a:rPr>
-              <a:t>target</a:t>
-            </a:r>
-            <a:r>
-              <a:rPr lang="ko-KR" altLang="en-US" dirty="0">
-                <a:cs typeface="Arial" panose="020B0604020202020204" pitchFamily="34" charset="0"/>
-              </a:rPr>
-              <a:t>을 데이터셋의 측정이 끝난 시점을 기준으로 </a:t>
-            </a:r>
-            <a:r>
-              <a:rPr lang="en-US" altLang="ko-KR" dirty="0" err="1">
-                <a:cs typeface="Arial" panose="020B0604020202020204" pitchFamily="34" charset="0"/>
-              </a:rPr>
-              <a:t>rul_cycle</a:t>
-            </a:r>
-            <a:r>
-              <a:rPr lang="ko-KR" altLang="en-US" dirty="0">
-                <a:cs typeface="Arial" panose="020B0604020202020204" pitchFamily="34" charset="0"/>
-              </a:rPr>
-              <a:t>을 설정했음</a:t>
-            </a:r>
             <a:endParaRPr lang="en-US" altLang="ko-KR" dirty="0">
               <a:cs typeface="Arial" panose="020B0604020202020204" pitchFamily="34" charset="0"/>
             </a:endParaRPr>
           </a:p>
           <a:p>
-            <a:pPr marL="1085850" lvl="1" indent="-342900" algn="just">
+            <a:pPr marL="342900" indent="-342900" algn="just">
               <a:lnSpc>
                 <a:spcPct val="110000"/>
               </a:lnSpc>
@@ -7017,12 +6965,6 @@
               <a:buAutoNum type="arabicPeriod"/>
               <a:defRPr/>
             </a:pPr>
-            <a:r>
-              <a:rPr lang="ko-KR" altLang="en-US" dirty="0">
-                <a:cs typeface="Arial" panose="020B0604020202020204" pitchFamily="34" charset="0"/>
-              </a:rPr>
-              <a:t>이 접근 자체가 잘못되었다는 것을 의미함</a:t>
-            </a:r>
             <a:endParaRPr lang="en-US" altLang="ko-KR" dirty="0">
               <a:cs typeface="Arial" panose="020B0604020202020204" pitchFamily="34" charset="0"/>
             </a:endParaRPr>
@@ -7038,24 +6980,6 @@
               <a:buAutoNum type="arabicPeriod"/>
               <a:defRPr/>
             </a:pPr>
-            <a:r>
-              <a:rPr lang="ko-KR" altLang="en-US" dirty="0">
-                <a:cs typeface="Arial" panose="020B0604020202020204" pitchFamily="34" charset="0"/>
-              </a:rPr>
-              <a:t>그렇다면 시계열 데이터를 </a:t>
-            </a:r>
-            <a:r>
-              <a:rPr lang="en-US" altLang="ko-KR" dirty="0">
-                <a:cs typeface="Arial" panose="020B0604020202020204" pitchFamily="34" charset="0"/>
-              </a:rPr>
-              <a:t>N</a:t>
-            </a:r>
-            <a:r>
-              <a:rPr lang="ko-KR" altLang="en-US" dirty="0">
-                <a:cs typeface="Arial" panose="020B0604020202020204" pitchFamily="34" charset="0"/>
-              </a:rPr>
-              <a:t>개의 구간으로 나누는 것이 여전히 유의미한 지 확인해야 함</a:t>
-            </a:r>
             <a:endParaRPr lang="en-US" altLang="ko-KR" dirty="0">
               <a:cs typeface="Arial" panose="020B0604020202020204" pitchFamily="34" charset="0"/>
             </a:endParaRPr>
@@ -7071,18 +6995,6 @@
               <a:buAutoNum type="arabicPeriod"/>
               <a:defRPr/>
             </a:pPr>
-            <a:r>
-              <a:rPr lang="en-US" altLang="ko-KR" dirty="0">
-                <a:cs typeface="Arial" panose="020B0604020202020204" pitchFamily="34" charset="0"/>
-              </a:rPr>
-              <a:t>6</a:t>
-            </a:r>
-            <a:r>
-              <a:rPr lang="ko-KR" altLang="en-US" dirty="0">
-                <a:cs typeface="Arial" panose="020B0604020202020204" pitchFamily="34" charset="0"/>
-              </a:rPr>
-              <a:t>번 배터리 외의 배터리에 대해서 확인하였음</a:t>
-            </a:r>
             <a:endParaRPr lang="en-US" altLang="ko-KR" dirty="0">
               <a:cs typeface="Arial" panose="020B0604020202020204" pitchFamily="34" charset="0"/>
             </a:endParaRPr>
@@ -7133,6 +7045,96 @@
             </a:endParaRPr>
           </a:p>
           <a:p>
+            <a:pPr algn="just">
+              <a:lnSpc>
+                <a:spcPct val="110000"/>
+              </a:lnSpc>
+              <a:buClr>
+                <a:srgbClr val="595959"/>
+              </a:buClr>
+              <a:buNone/>
+              <a:defRPr/>
+            </a:pPr>
+            <a:endParaRPr lang="en-US" altLang="ko-KR" dirty="0">
+              <a:cs typeface="Arial" panose="020B0604020202020204" pitchFamily="34" charset="0"/>
+            </a:endParaRPr>
+          </a:p>
+          <a:p>
+            <a:pPr algn="just">
+              <a:lnSpc>
+                <a:spcPct val="110000"/>
+              </a:lnSpc>
+              <a:buClr>
+                <a:srgbClr val="595959"/>
+              </a:buClr>
+              <a:buNone/>
+              <a:defRPr/>
+            </a:pPr>
+            <a:r>
+              <a:rPr lang="en-US" altLang="ko-KR" dirty="0">
+                <a:cs typeface="Arial" panose="020B0604020202020204" pitchFamily="34" charset="0"/>
+              </a:rPr>
+              <a:t>2. 0</a:t>
+            </a:r>
+            <a:r>
+              <a:rPr lang="ko-KR" altLang="en-US" dirty="0">
+                <a:cs typeface="Arial" panose="020B0604020202020204" pitchFamily="34" charset="0"/>
+              </a:rPr>
+              <a:t> </a:t>
+            </a:r>
+            <a:r>
+              <a:rPr lang="en-US" altLang="ko-KR" dirty="0">
+                <a:cs typeface="Arial" panose="020B0604020202020204" pitchFamily="34" charset="0"/>
+              </a:rPr>
+              <a:t>~</a:t>
+            </a:r>
+            <a:r>
+              <a:rPr lang="ko-KR" altLang="en-US" dirty="0">
+                <a:cs typeface="Arial" panose="020B0604020202020204" pitchFamily="34" charset="0"/>
+              </a:rPr>
+              <a:t> </a:t>
+            </a:r>
+            <a:r>
+              <a:rPr lang="en-US" altLang="ko-KR" dirty="0">
+                <a:cs typeface="Arial" panose="020B0604020202020204" pitchFamily="34" charset="0"/>
+              </a:rPr>
+              <a:t>50</a:t>
+            </a:r>
+            <a:r>
+              <a:rPr lang="ko-KR" altLang="en-US" dirty="0">
+                <a:cs typeface="Arial" panose="020B0604020202020204" pitchFamily="34" charset="0"/>
+              </a:rPr>
+              <a:t> 사이클에서는 </a:t>
+            </a:r>
+            <a:r>
+              <a:rPr lang="en-US" altLang="ko-KR" dirty="0">
+                <a:cs typeface="Arial" panose="020B0604020202020204" pitchFamily="34" charset="0"/>
+              </a:rPr>
+              <a:t>SOH </a:t>
+            </a:r>
+            <a:r>
+              <a:rPr lang="ko-KR" altLang="en-US" dirty="0">
+                <a:cs typeface="Arial" panose="020B0604020202020204" pitchFamily="34" charset="0"/>
+              </a:rPr>
+              <a:t>변화 양상의 차이가 크지만</a:t>
+            </a:r>
+            <a:r>
+              <a:rPr lang="en-US" altLang="ko-KR" dirty="0">
+                <a:cs typeface="Arial" panose="020B0604020202020204" pitchFamily="34" charset="0"/>
+              </a:rPr>
+              <a:t>, </a:t>
+            </a:r>
+            <a:r>
+              <a:rPr lang="ko-KR" altLang="en-US" dirty="0">
+                <a:cs typeface="Arial" panose="020B0604020202020204" pitchFamily="34" charset="0"/>
+              </a:rPr>
+              <a:t>그 이후부터는 거의 동일함</a:t>
+            </a:r>
+            <a:endParaRPr lang="en-US" altLang="ko-KR" dirty="0">
+              <a:cs typeface="Arial" panose="020B0604020202020204" pitchFamily="34" charset="0"/>
+            </a:endParaRPr>
+          </a:p>
+          <a:p>
             <a:pPr marL="342900" indent="-342900" algn="just">
               <a:lnSpc>
                 <a:spcPct val="110000"/>
@@ -7253,6 +7255,21 @@
             </a:endParaRPr>
           </a:p>
           <a:p>
+            <a:pPr marL="342900" indent="-342900" algn="just">
+              <a:lnSpc>
+                <a:spcPct val="110000"/>
+              </a:lnSpc>
+              <a:buClr>
+                <a:srgbClr val="595959"/>
+              </a:buClr>
+              <a:buAutoNum type="arabicPeriod"/>
+              <a:defRPr/>
+            </a:pPr>
+            <a:endParaRPr lang="en-US" altLang="ko-KR" dirty="0">
+              <a:cs typeface="Arial" panose="020B0604020202020204" pitchFamily="34" charset="0"/>
+            </a:endParaRPr>
+          </a:p>
+          <a:p>
             <a:pPr algn="just">
               <a:lnSpc>
                 <a:spcPct val="110000"/>
@@ -7389,10 +7406,40 @@
           </a:p>
         </p:txBody>
       </p:sp>
+      <p:pic>
+        <p:nvPicPr>
+          <p:cNvPr id="2" name="그림 1">
+            <a:extLst>
+              <a:ext uri="{FF2B5EF4-FFF2-40B4-BE49-F238E27FC236}">
+                <a16:creationId xmlns:a16="http://schemas.microsoft.com/office/drawing/2014/main" id="{7499C952-EF3B-48F7-A848-1D794FC90327}"/>
+              </a:ext>
+            </a:extLst>
+          </p:cNvPr>
+          <p:cNvPicPr>
+            <a:picLocks noChangeAspect="1"/>
+          </p:cNvPicPr>
+          <p:nvPr/>
+        </p:nvPicPr>
+        <p:blipFill>
+          <a:blip r:embed="rId4"/>
+          <a:stretch>
+            <a:fillRect/>
+          </a:stretch>
+        </p:blipFill>
+        <p:spPr>
+          <a:xfrm>
+            <a:off x="962025" y="1390650"/>
+            <a:ext cx="6415454" cy="3468673"/>
+          </a:xfrm>
+          <a:prstGeom prst="rect">
+            <a:avLst/>
+          </a:prstGeom>
+        </p:spPr>
+      </p:pic>
     </p:spTree>
     <p:extLst>
       <p:ext uri="{BB962C8B-B14F-4D97-AF65-F5344CB8AC3E}">
-        <p14:creationId xmlns:p14="http://schemas.microsoft.com/office/powerpoint/2010/main" val="3017269014"/>
+        <p14:creationId xmlns:p14="http://schemas.microsoft.com/office/powerpoint/2010/main" val="638352145"/>
       </p:ext>
     </p:extLst>
   </p:cSld>
@@ -8240,70 +8287,28 @@
               <a:defRPr/>
             </a:pPr>
             <a:r>
+              <a:rPr lang="en-US" altLang="ko-KR" dirty="0">
+                <a:cs typeface="Arial" panose="020B0604020202020204" pitchFamily="34" charset="0"/>
+              </a:rPr>
+              <a:t>5</a:t>
+            </a:r>
+            <a:r>
               <a:rPr lang="ko-KR" altLang="en-US" dirty="0">
                 <a:cs typeface="Arial" panose="020B0604020202020204" pitchFamily="34" charset="0"/>
               </a:rPr>
-              <a:t>먼저 </a:t>
+              <a:t>번 배터리는 </a:t>
             </a:r>
             <a:r>
               <a:rPr lang="en-US" altLang="ko-KR" dirty="0">
                 <a:cs typeface="Arial" panose="020B0604020202020204" pitchFamily="34" charset="0"/>
               </a:rPr>
-              <a:t>6</a:t>
+              <a:t>N_SPLITS </a:t>
             </a:r>
             <a:r>
               <a:rPr lang="ko-KR" altLang="en-US" dirty="0">
                 <a:cs typeface="Arial" panose="020B0604020202020204" pitchFamily="34" charset="0"/>
               </a:rPr>
-              <a:t>번 배터리와 같은 그룹인</a:t>
-            </a:r>
-            <a:r>
-              <a:rPr lang="en-US" altLang="ko-KR" dirty="0">
-                <a:cs typeface="Arial" panose="020B0604020202020204" pitchFamily="34" charset="0"/>
-              </a:rPr>
-              <a:t> 5</a:t>
-            </a:r>
-            <a:r>
-              <a:rPr lang="ko-KR" altLang="en-US" dirty="0">
-                <a:cs typeface="Arial" panose="020B0604020202020204" pitchFamily="34" charset="0"/>
-              </a:rPr>
-              <a:t>번</a:t>
-            </a:r>
-            <a:r>
-              <a:rPr lang="en-US" altLang="ko-KR" dirty="0">
-                <a:cs typeface="Arial" panose="020B0604020202020204" pitchFamily="34" charset="0"/>
-              </a:rPr>
-              <a:t>, 7</a:t>
-            </a:r>
-            <a:r>
-              <a:rPr lang="ko-KR" altLang="en-US" dirty="0">
-                <a:cs typeface="Arial" panose="020B0604020202020204" pitchFamily="34" charset="0"/>
-              </a:rPr>
-              <a:t>번 </a:t>
-            </a:r>
-            <a:r>
-              <a:rPr lang="en-US" altLang="ko-KR" dirty="0">
-                <a:cs typeface="Arial" panose="020B0604020202020204" pitchFamily="34" charset="0"/>
-              </a:rPr>
-              <a:t>18</a:t>
-            </a:r>
-            <a:r>
-              <a:rPr lang="ko-KR" altLang="en-US" dirty="0">
-                <a:cs typeface="Arial" panose="020B0604020202020204" pitchFamily="34" charset="0"/>
-              </a:rPr>
-              <a:t>번 배터리의 </a:t>
-            </a:r>
-            <a:r>
-              <a:rPr lang="en-US" altLang="ko-KR" dirty="0">
-                <a:cs typeface="Arial" panose="020B0604020202020204" pitchFamily="34" charset="0"/>
-              </a:rPr>
-              <a:t>soh </a:t>
-            </a:r>
-            <a:r>
-              <a:rPr lang="ko-KR" altLang="en-US" dirty="0">
-                <a:cs typeface="Arial" panose="020B0604020202020204" pitchFamily="34" charset="0"/>
-              </a:rPr>
-              <a:t>변화 양상을 동시에 비교</a:t>
+              <a:t>를 얼마로 설정하든 잘 예측하는 모습</a:t>
             </a:r>
             <a:endParaRPr lang="en-US" altLang="ko-KR" dirty="0">
               <a:cs typeface="Arial" panose="020B0604020202020204" pitchFamily="34" charset="0"/>
@@ -8415,6 +8420,21 @@
             </a:endParaRPr>
           </a:p>
           <a:p>
+            <a:pPr algn="just">
+              <a:lnSpc>
+                <a:spcPct val="110000"/>
+              </a:lnSpc>
+              <a:buClr>
+                <a:srgbClr val="595959"/>
+              </a:buClr>
+              <a:buNone/>
+              <a:defRPr/>
+            </a:pPr>
+            <a:endParaRPr lang="en-US" altLang="ko-KR" dirty="0">
+              <a:cs typeface="Arial" panose="020B0604020202020204" pitchFamily="34" charset="0"/>
+            </a:endParaRPr>
+          </a:p>
+          <a:p>
             <a:pPr marL="342900" indent="-342900" algn="just">
               <a:lnSpc>
                 <a:spcPct val="110000"/>
@@ -8430,6 +8450,126 @@
             </a:endParaRPr>
           </a:p>
           <a:p>
+            <a:pPr marL="342900" indent="-342900" algn="just">
+              <a:lnSpc>
+                <a:spcPct val="110000"/>
+              </a:lnSpc>
+              <a:buClr>
+                <a:srgbClr val="595959"/>
+              </a:buClr>
+              <a:buAutoNum type="arabicPeriod"/>
+              <a:defRPr/>
+            </a:pPr>
+            <a:endParaRPr lang="en-US" altLang="ko-KR" dirty="0">
+              <a:cs typeface="Arial" panose="020B0604020202020204" pitchFamily="34" charset="0"/>
+            </a:endParaRPr>
+          </a:p>
+          <a:p>
+            <a:pPr marL="342900" indent="-342900" algn="just">
+              <a:lnSpc>
+                <a:spcPct val="110000"/>
+              </a:lnSpc>
+              <a:buClr>
+                <a:srgbClr val="595959"/>
+              </a:buClr>
+              <a:buAutoNum type="arabicPeriod"/>
+              <a:defRPr/>
+            </a:pPr>
+            <a:endParaRPr lang="en-US" altLang="ko-KR" dirty="0">
+              <a:cs typeface="Arial" panose="020B0604020202020204" pitchFamily="34" charset="0"/>
+            </a:endParaRPr>
+          </a:p>
+          <a:p>
+            <a:pPr marL="342900" indent="-342900" algn="just">
+              <a:lnSpc>
+                <a:spcPct val="110000"/>
+              </a:lnSpc>
+              <a:buClr>
+                <a:srgbClr val="595959"/>
+              </a:buClr>
+              <a:buAutoNum type="arabicPeriod"/>
+              <a:defRPr/>
+            </a:pPr>
+            <a:endParaRPr lang="en-US" altLang="ko-KR" dirty="0">
+              <a:cs typeface="Arial" panose="020B0604020202020204" pitchFamily="34" charset="0"/>
+            </a:endParaRPr>
+          </a:p>
+          <a:p>
+            <a:pPr marL="342900" indent="-342900" algn="just">
+              <a:lnSpc>
+                <a:spcPct val="110000"/>
+              </a:lnSpc>
+              <a:buClr>
+                <a:srgbClr val="595959"/>
+              </a:buClr>
+              <a:buAutoNum type="arabicPeriod"/>
+              <a:defRPr/>
+            </a:pPr>
+            <a:endParaRPr lang="en-US" altLang="ko-KR" dirty="0">
+              <a:cs typeface="Arial" panose="020B0604020202020204" pitchFamily="34" charset="0"/>
+            </a:endParaRPr>
+          </a:p>
+          <a:p>
+            <a:pPr marL="342900" indent="-342900" algn="just">
+              <a:lnSpc>
+                <a:spcPct val="110000"/>
+              </a:lnSpc>
+              <a:buClr>
+                <a:srgbClr val="595959"/>
+              </a:buClr>
+              <a:buAutoNum type="arabicPeriod"/>
+              <a:defRPr/>
+            </a:pPr>
+            <a:endParaRPr lang="en-US" altLang="ko-KR" dirty="0">
+              <a:cs typeface="Arial" panose="020B0604020202020204" pitchFamily="34" charset="0"/>
+            </a:endParaRPr>
+          </a:p>
+          <a:p>
+            <a:pPr marL="342900" indent="-342900" algn="just">
+              <a:lnSpc>
+                <a:spcPct val="110000"/>
+              </a:lnSpc>
+              <a:buClr>
+                <a:srgbClr val="595959"/>
+              </a:buClr>
+              <a:buAutoNum type="arabicPeriod"/>
+              <a:defRPr/>
+            </a:pPr>
+            <a:endParaRPr lang="en-US" altLang="ko-KR" dirty="0">
+              <a:cs typeface="Arial" panose="020B0604020202020204" pitchFamily="34" charset="0"/>
+            </a:endParaRPr>
+          </a:p>
+          <a:p>
+            <a:pPr marL="342900" indent="-342900" algn="just">
+              <a:lnSpc>
+                <a:spcPct val="110000"/>
+              </a:lnSpc>
+              <a:buClr>
+                <a:srgbClr val="595959"/>
+              </a:buClr>
+              <a:buAutoNum type="arabicPeriod"/>
+              <a:defRPr/>
+            </a:pPr>
+            <a:endParaRPr lang="en-US" altLang="ko-KR" dirty="0">
+              <a:cs typeface="Arial" panose="020B0604020202020204" pitchFamily="34" charset="0"/>
+            </a:endParaRPr>
+          </a:p>
+          <a:p>
+            <a:pPr marL="342900" indent="-342900" algn="just">
+              <a:lnSpc>
+                <a:spcPct val="110000"/>
+              </a:lnSpc>
+              <a:buClr>
+                <a:srgbClr val="595959"/>
+              </a:buClr>
+              <a:buAutoNum type="arabicPeriod"/>
+              <a:defRPr/>
+            </a:pPr>
+            <a:endParaRPr lang="en-US" altLang="ko-KR" dirty="0">
+              <a:cs typeface="Arial" panose="020B0604020202020204" pitchFamily="34" charset="0"/>
+            </a:endParaRPr>
+          </a:p>
+          <a:p>
             <a:pPr algn="just">
               <a:lnSpc>
                 <a:spcPct val="110000"/>
@@ -8440,87 +8580,15 @@
               <a:buNone/>
               <a:defRPr/>
             </a:pPr>
-            <a:endParaRPr lang="en-US" altLang="ko-KR" dirty="0">
-              <a:cs typeface="Arial" panose="020B0604020202020204" pitchFamily="34" charset="0"/>
-            </a:endParaRPr>
-          </a:p>
-          <a:p>
-            <a:pPr algn="just">
-              <a:lnSpc>
-                <a:spcPct val="110000"/>
-              </a:lnSpc>
-              <a:buClr>
-                <a:srgbClr val="595959"/>
-              </a:buClr>
-              <a:buNone/>
-              <a:defRPr/>
-            </a:pPr>
             <a:r>
               <a:rPr lang="en-US" altLang="ko-KR" dirty="0">
                 <a:cs typeface="Arial" panose="020B0604020202020204" pitchFamily="34" charset="0"/>
               </a:rPr>
-              <a:t>2. 0</a:t>
-            </a:r>
-            <a:r>
-              <a:rPr lang="ko-KR" altLang="en-US" dirty="0">
-                <a:cs typeface="Arial" panose="020B0604020202020204" pitchFamily="34" charset="0"/>
-              </a:rPr>
-              <a:t> </a:t>
-            </a:r>
-            <a:r>
-              <a:rPr lang="en-US" altLang="ko-KR" dirty="0">
-                <a:cs typeface="Arial" panose="020B0604020202020204" pitchFamily="34" charset="0"/>
-              </a:rPr>
-              <a:t>~</a:t>
-            </a:r>
-            <a:r>
-              <a:rPr lang="ko-KR" altLang="en-US" dirty="0">
-                <a:cs typeface="Arial" panose="020B0604020202020204" pitchFamily="34" charset="0"/>
-              </a:rPr>
-              <a:t> </a:t>
-            </a:r>
-            <a:r>
-              <a:rPr lang="en-US" altLang="ko-KR" dirty="0">
-                <a:cs typeface="Arial" panose="020B0604020202020204" pitchFamily="34" charset="0"/>
-              </a:rPr>
-              <a:t>50</a:t>
-            </a:r>
-            <a:r>
-              <a:rPr lang="ko-KR" altLang="en-US" dirty="0">
-                <a:cs typeface="Arial" panose="020B0604020202020204" pitchFamily="34" charset="0"/>
-              </a:rPr>
-              <a:t> 사이클에서는 </a:t>
-            </a:r>
-            <a:r>
-              <a:rPr lang="en-US" altLang="ko-KR" dirty="0">
-                <a:cs typeface="Arial" panose="020B0604020202020204" pitchFamily="34" charset="0"/>
-              </a:rPr>
-              <a:t>SOH </a:t>
-            </a:r>
-            <a:r>
-              <a:rPr lang="ko-KR" altLang="en-US" dirty="0">
-                <a:cs typeface="Arial" panose="020B0604020202020204" pitchFamily="34" charset="0"/>
-              </a:rPr>
-              <a:t>변화 양상의 차이가 크지만</a:t>
-            </a:r>
-            <a:r>
-              <a:rPr lang="en-US" altLang="ko-KR" dirty="0">
-                <a:cs typeface="Arial" panose="020B0604020202020204" pitchFamily="34" charset="0"/>
-              </a:rPr>
-              <a:t>, </a:t>
-            </a:r>
-            <a:r>
-              <a:rPr lang="ko-KR" altLang="en-US" dirty="0">
-                <a:cs typeface="Arial" panose="020B0604020202020204" pitchFamily="34" charset="0"/>
-              </a:rPr>
-              <a:t>그 이후부터는 거의 동일함</a:t>
-            </a:r>
-            <a:endParaRPr lang="en-US" altLang="ko-KR" dirty="0">
-              <a:cs typeface="Arial" panose="020B0604020202020204" pitchFamily="34" charset="0"/>
-            </a:endParaRPr>
-          </a:p>
-          <a:p>
-            <a:pPr marL="342900" indent="-342900" algn="just">
+              <a:t>	</a:t>
+            </a:r>
+          </a:p>
+          <a:p>
+            <a:pPr marL="1085850" lvl="1" indent="-342900" algn="just">
               <a:lnSpc>
                 <a:spcPct val="110000"/>
               </a:lnSpc>
@@ -8535,159 +8603,6 @@
             </a:endParaRPr>
           </a:p>
           <a:p>
-            <a:pPr marL="342900" indent="-342900" algn="just">
-              <a:lnSpc>
-                <a:spcPct val="110000"/>
-              </a:lnSpc>
-              <a:buClr>
-                <a:srgbClr val="595959"/>
-              </a:buClr>
-              <a:buAutoNum type="arabicPeriod"/>
-              <a:defRPr/>
-            </a:pPr>
-            <a:endParaRPr lang="en-US" altLang="ko-KR" dirty="0">
-              <a:cs typeface="Arial" panose="020B0604020202020204" pitchFamily="34" charset="0"/>
-            </a:endParaRPr>
-          </a:p>
-          <a:p>
-            <a:pPr marL="342900" indent="-342900" algn="just">
-              <a:lnSpc>
-                <a:spcPct val="110000"/>
-              </a:lnSpc>
-              <a:buClr>
-                <a:srgbClr val="595959"/>
-              </a:buClr>
-              <a:buAutoNum type="arabicPeriod"/>
-              <a:defRPr/>
-            </a:pPr>
-            <a:endParaRPr lang="en-US" altLang="ko-KR" dirty="0">
-              <a:cs typeface="Arial" panose="020B0604020202020204" pitchFamily="34" charset="0"/>
-            </a:endParaRPr>
-          </a:p>
-          <a:p>
-            <a:pPr marL="342900" indent="-342900" algn="just">
-              <a:lnSpc>
-                <a:spcPct val="110000"/>
-              </a:lnSpc>
-              <a:buClr>
-                <a:srgbClr val="595959"/>
-              </a:buClr>
-              <a:buAutoNum type="arabicPeriod"/>
-              <a:defRPr/>
-            </a:pPr>
-            <a:endParaRPr lang="en-US" altLang="ko-KR" dirty="0">
-              <a:cs typeface="Arial" panose="020B0604020202020204" pitchFamily="34" charset="0"/>
-            </a:endParaRPr>
-          </a:p>
-          <a:p>
-            <a:pPr marL="342900" indent="-342900" algn="just">
-              <a:lnSpc>
-                <a:spcPct val="110000"/>
-              </a:lnSpc>
-              <a:buClr>
-                <a:srgbClr val="595959"/>
-              </a:buClr>
-              <a:buAutoNum type="arabicPeriod"/>
-              <a:defRPr/>
-            </a:pPr>
-            <a:endParaRPr lang="en-US" altLang="ko-KR" dirty="0">
-              <a:cs typeface="Arial" panose="020B0604020202020204" pitchFamily="34" charset="0"/>
-            </a:endParaRPr>
-          </a:p>
-          <a:p>
-            <a:pPr marL="342900" indent="-342900" algn="just">
-              <a:lnSpc>
-                <a:spcPct val="110000"/>
-              </a:lnSpc>
-              <a:buClr>
-                <a:srgbClr val="595959"/>
-              </a:buClr>
-              <a:buAutoNum type="arabicPeriod"/>
-              <a:defRPr/>
-            </a:pPr>
-            <a:endParaRPr lang="en-US" altLang="ko-KR" dirty="0">
-              <a:cs typeface="Arial" panose="020B0604020202020204" pitchFamily="34" charset="0"/>
-            </a:endParaRPr>
-          </a:p>
-          <a:p>
-            <a:pPr marL="342900" indent="-342900" algn="just">
-              <a:lnSpc>
-                <a:spcPct val="110000"/>
-              </a:lnSpc>
-              <a:buClr>
-                <a:srgbClr val="595959"/>
-              </a:buClr>
-              <a:buAutoNum type="arabicPeriod"/>
-              <a:defRPr/>
-            </a:pPr>
-            <a:endParaRPr lang="en-US" altLang="ko-KR" dirty="0">
-              <a:cs typeface="Arial" panose="020B0604020202020204" pitchFamily="34" charset="0"/>
-            </a:endParaRPr>
-          </a:p>
-          <a:p>
-            <a:pPr marL="342900" indent="-342900" algn="just">
-              <a:lnSpc>
-                <a:spcPct val="110000"/>
-              </a:lnSpc>
-              <a:buClr>
-                <a:srgbClr val="595959"/>
-              </a:buClr>
-              <a:buAutoNum type="arabicPeriod"/>
-              <a:defRPr/>
-            </a:pPr>
-            <a:endParaRPr lang="en-US" altLang="ko-KR" dirty="0">
-              <a:cs typeface="Arial" panose="020B0604020202020204" pitchFamily="34" charset="0"/>
-            </a:endParaRPr>
-          </a:p>
-          <a:p>
-            <a:pPr marL="342900" indent="-342900" algn="just">
-              <a:lnSpc>
-                <a:spcPct val="110000"/>
-              </a:lnSpc>
-              <a:buClr>
-                <a:srgbClr val="595959"/>
-              </a:buClr>
-              <a:buAutoNum type="arabicPeriod"/>
-              <a:defRPr/>
-            </a:pPr>
-            <a:endParaRPr lang="en-US" altLang="ko-KR" dirty="0">
-              <a:cs typeface="Arial" panose="020B0604020202020204" pitchFamily="34" charset="0"/>
-            </a:endParaRPr>
-          </a:p>
-          <a:p>
-            <a:pPr algn="just">
-              <a:lnSpc>
-                <a:spcPct val="110000"/>
-              </a:lnSpc>
-              <a:buClr>
-                <a:srgbClr val="595959"/>
-              </a:buClr>
-              <a:buNone/>
-              <a:defRPr/>
-            </a:pPr>
-            <a:r>
-              <a:rPr lang="en-US" altLang="ko-KR" dirty="0">
-                <a:cs typeface="Arial" panose="020B0604020202020204" pitchFamily="34" charset="0"/>
-              </a:rPr>
-              <a:t>	</a:t>
-            </a:r>
-          </a:p>
-          <a:p>
-            <a:pPr marL="1085850" lvl="1" indent="-342900" algn="just">
-              <a:lnSpc>
-                <a:spcPct val="110000"/>
-              </a:lnSpc>
-              <a:buClr>
-                <a:srgbClr val="595959"/>
-              </a:buClr>
-              <a:buAutoNum type="arabicPeriod"/>
-              <a:defRPr/>
-            </a:pPr>
-            <a:endParaRPr lang="en-US" altLang="ko-KR" dirty="0">
-              <a:cs typeface="Arial" panose="020B0604020202020204" pitchFamily="34" charset="0"/>
-            </a:endParaRPr>
-          </a:p>
-          <a:p>
             <a:pPr algn="just">
               <a:lnSpc>
                 <a:spcPct val="110000"/>
@@ -8793,10 +8708,10 @@
       </p:sp>
       <p:pic>
         <p:nvPicPr>
-          <p:cNvPr id="2" name="그림 1">
+          <p:cNvPr id="3" name="그림 2">
             <a:extLst>
               <a:ext uri="{FF2B5EF4-FFF2-40B4-BE49-F238E27FC236}">
-                <a16:creationId xmlns:a16="http://schemas.microsoft.com/office/drawing/2014/main" id="{7499C952-EF3B-48F7-A848-1D794FC90327}"/>
+                <a16:creationId xmlns:a16="http://schemas.microsoft.com/office/drawing/2014/main" id="{28DE5A67-59C2-4518-9E02-50B6539BC407}"/>
               </a:ext>
             </a:extLst>
           </p:cNvPr>
@@ -8813,8 +8728,8 @@
         </p:blipFill>
         <p:spPr>
           <a:xfrm>
-            <a:off x="962025" y="1390650"/>
-            <a:ext cx="6415454" cy="3468673"/>
+            <a:off x="993390" y="1309416"/>
+            <a:ext cx="9389749" cy="5086893"/>
           </a:xfrm>
           <a:prstGeom prst="rect">
             <a:avLst/>
@@ -8824,7 +8739,7 @@
     </p:spTree>
     <p:extLst>
       <p:ext uri="{BB962C8B-B14F-4D97-AF65-F5344CB8AC3E}">
-        <p14:creationId xmlns:p14="http://schemas.microsoft.com/office/powerpoint/2010/main" val="638352145"/>
+        <p14:creationId xmlns:p14="http://schemas.microsoft.com/office/powerpoint/2010/main" val="221103925"/>
       </p:ext>
     </p:extLst>
   </p:cSld>
@@ -9675,13 +9590,13 @@
               <a:rPr lang="en-US" altLang="ko-KR" dirty="0">
                 <a:cs typeface="Arial" panose="020B0604020202020204" pitchFamily="34" charset="0"/>
               </a:rPr>
-              <a:t>5</a:t>
+              <a:t>6</a:t>
             </a:r>
             <a:r>
               <a:rPr lang="ko-KR" altLang="en-US" dirty="0">
                 <a:cs typeface="Arial" panose="020B0604020202020204" pitchFamily="34" charset="0"/>
               </a:rPr>
-              <a:t>번 배터리는 </a:t>
+              <a:t>번 배터리 역시 확인한대로 </a:t>
             </a:r>
             <a:r>
               <a:rPr lang="en-US" altLang="ko-KR" dirty="0">
@@ -10093,10 +10008,10 @@
       </p:sp>
       <p:pic>
         <p:nvPicPr>
-          <p:cNvPr id="3" name="그림 2">
+          <p:cNvPr id="2" name="그림 1">
             <a:extLst>
               <a:ext uri="{FF2B5EF4-FFF2-40B4-BE49-F238E27FC236}">
-                <a16:creationId xmlns:a16="http://schemas.microsoft.com/office/drawing/2014/main" id="{28DE5A67-59C2-4518-9E02-50B6539BC407}"/>
+                <a16:creationId xmlns:a16="http://schemas.microsoft.com/office/drawing/2014/main" id="{8D4432D3-DE09-49C1-907D-6E82711B3E1B}"/>
               </a:ext>
             </a:extLst>
           </p:cNvPr>
@@ -10113,8 +10028,8 @@
         </p:blipFill>
         <p:spPr>
           <a:xfrm>
-            <a:off x="993390" y="1309416"/>
-            <a:ext cx="9389749" cy="5086893"/>
+            <a:off x="935290" y="1281906"/>
+            <a:ext cx="9505950" cy="5191125"/>
           </a:xfrm>
           <a:prstGeom prst="rect">
             <a:avLst/>
@@ -10124,7 +10039,7 @@
     </p:spTree>
     <p:extLst>
       <p:ext uri="{BB962C8B-B14F-4D97-AF65-F5344CB8AC3E}">
-        <p14:creationId xmlns:p14="http://schemas.microsoft.com/office/powerpoint/2010/main" val="221103925"/>
+        <p14:creationId xmlns:p14="http://schemas.microsoft.com/office/powerpoint/2010/main" val="521145084"/>
       </p:ext>
     </p:extLst>
   </p:cSld>
@@ -10975,13 +10890,13 @@
               <a:rPr lang="en-US" altLang="ko-KR" dirty="0">
                 <a:cs typeface="Arial" panose="020B0604020202020204" pitchFamily="34" charset="0"/>
               </a:rPr>
-              <a:t>6</a:t>
+              <a:t>7</a:t>
             </a:r>
             <a:r>
               <a:rPr lang="ko-KR" altLang="en-US" dirty="0">
                 <a:cs typeface="Arial" panose="020B0604020202020204" pitchFamily="34" charset="0"/>
               </a:rPr>
-              <a:t>번 배터리 역시 확인한대로 </a:t>
+              <a:t>번 배터리 또한 </a:t>
             </a:r>
             <a:r>
               <a:rPr lang="en-US" altLang="ko-KR" dirty="0">
@@ -11393,10 +11308,10 @@
       </p:sp>
       <p:pic>
         <p:nvPicPr>
-          <p:cNvPr id="2" name="그림 1">
+          <p:cNvPr id="3" name="그림 2">
             <a:extLst>
               <a:ext uri="{FF2B5EF4-FFF2-40B4-BE49-F238E27FC236}">
-                <a16:creationId xmlns:a16="http://schemas.microsoft.com/office/drawing/2014/main" id="{8D4432D3-DE09-49C1-907D-6E82711B3E1B}"/>
+                <a16:creationId xmlns:a16="http://schemas.microsoft.com/office/drawing/2014/main" id="{6DC13801-03C2-41E7-9004-C7C5BAC74107}"/>
               </a:ext>
             </a:extLst>
           </p:cNvPr>
@@ -11413,8 +11328,8 @@
         </p:blipFill>
         <p:spPr>
           <a:xfrm>
-            <a:off x="935290" y="1281906"/>
-            <a:ext cx="9505950" cy="5191125"/>
+            <a:off x="897190" y="1255529"/>
+            <a:ext cx="9582150" cy="5191125"/>
           </a:xfrm>
           <a:prstGeom prst="rect">
             <a:avLst/>
@@ -11424,7 +11339,7 @@
     </p:spTree>
     <p:extLst>
       <p:ext uri="{BB962C8B-B14F-4D97-AF65-F5344CB8AC3E}">
-        <p14:creationId xmlns:p14="http://schemas.microsoft.com/office/powerpoint/2010/main" val="521145084"/>
+        <p14:creationId xmlns:p14="http://schemas.microsoft.com/office/powerpoint/2010/main" val="2720757085"/>
       </p:ext>
     </p:extLst>
   </p:cSld>
@@ -12275,13 +12190,13 @@
               <a:rPr lang="en-US" altLang="ko-KR" dirty="0">
                 <a:cs typeface="Arial" panose="020B0604020202020204" pitchFamily="34" charset="0"/>
               </a:rPr>
-              <a:t>7</a:t>
+              <a:t>18</a:t>
             </a:r>
             <a:r>
               <a:rPr lang="ko-KR" altLang="en-US" dirty="0">
                 <a:cs typeface="Arial" panose="020B0604020202020204" pitchFamily="34" charset="0"/>
               </a:rPr>
-              <a:t>번 배터리 또한 </a:t>
+              <a:t>번만 </a:t>
             </a:r>
             <a:r>
               <a:rPr lang="en-US" altLang="ko-KR" dirty="0">
@@ -12293,7 +12208,19 @@
               <a:rPr lang="ko-KR" altLang="en-US" dirty="0">
                 <a:cs typeface="Arial" panose="020B0604020202020204" pitchFamily="34" charset="0"/>
               </a:rPr>
-              <a:t>를 얼마로 설정하든 잘 예측하는 모습</a:t>
+              <a:t>값을 </a:t>
+            </a:r>
+            <a:r>
+              <a:rPr lang="en-US" altLang="ko-KR" dirty="0">
+                <a:cs typeface="Arial" panose="020B0604020202020204" pitchFamily="34" charset="0"/>
+              </a:rPr>
+              <a:t>1</a:t>
+            </a:r>
+            <a:r>
+              <a:rPr lang="ko-KR" altLang="en-US" dirty="0">
+                <a:cs typeface="Arial" panose="020B0604020202020204" pitchFamily="34" charset="0"/>
+              </a:rPr>
+              <a:t>로 설정했을 때 예측력이 떨어지는 모습을 보임</a:t>
             </a:r>
             <a:endParaRPr lang="en-US" altLang="ko-KR" dirty="0">
               <a:cs typeface="Arial" panose="020B0604020202020204" pitchFamily="34" charset="0"/>
@@ -12390,6 +12317,21 @@
             </a:endParaRPr>
           </a:p>
           <a:p>
+            <a:pPr algn="just">
+              <a:lnSpc>
+                <a:spcPct val="110000"/>
+              </a:lnSpc>
+              <a:buClr>
+                <a:srgbClr val="595959"/>
+              </a:buClr>
+              <a:buNone/>
+              <a:defRPr/>
+            </a:pPr>
+            <a:endParaRPr lang="en-US" altLang="ko-KR" dirty="0">
+              <a:cs typeface="Arial" panose="020B0604020202020204" pitchFamily="34" charset="0"/>
+            </a:endParaRPr>
+          </a:p>
+          <a:p>
             <a:pPr marL="342900" indent="-342900" algn="just">
               <a:lnSpc>
                 <a:spcPct val="110000"/>
@@ -12405,6 +12347,126 @@
             </a:endParaRPr>
           </a:p>
           <a:p>
+            <a:pPr marL="342900" indent="-342900" algn="just">
+              <a:lnSpc>
+                <a:spcPct val="110000"/>
+              </a:lnSpc>
+              <a:buClr>
+                <a:srgbClr val="595959"/>
+              </a:buClr>
+              <a:buAutoNum type="arabicPeriod"/>
+              <a:defRPr/>
+            </a:pPr>
+            <a:endParaRPr lang="en-US" altLang="ko-KR" dirty="0">
+              <a:cs typeface="Arial" panose="020B0604020202020204" pitchFamily="34" charset="0"/>
+            </a:endParaRPr>
+          </a:p>
+          <a:p>
+            <a:pPr marL="342900" indent="-342900" algn="just">
+              <a:lnSpc>
+                <a:spcPct val="110000"/>
+              </a:lnSpc>
+              <a:buClr>
+                <a:srgbClr val="595959"/>
+              </a:buClr>
+              <a:buAutoNum type="arabicPeriod"/>
+              <a:defRPr/>
+            </a:pPr>
+            <a:endParaRPr lang="en-US" altLang="ko-KR" dirty="0">
+              <a:cs typeface="Arial" panose="020B0604020202020204" pitchFamily="34" charset="0"/>
+            </a:endParaRPr>
+          </a:p>
+          <a:p>
+            <a:pPr marL="342900" indent="-342900" algn="just">
+              <a:lnSpc>
+                <a:spcPct val="110000"/>
+              </a:lnSpc>
+              <a:buClr>
+                <a:srgbClr val="595959"/>
+              </a:buClr>
+              <a:buAutoNum type="arabicPeriod"/>
+              <a:defRPr/>
+            </a:pPr>
+            <a:endParaRPr lang="en-US" altLang="ko-KR" dirty="0">
+              <a:cs typeface="Arial" panose="020B0604020202020204" pitchFamily="34" charset="0"/>
+            </a:endParaRPr>
+          </a:p>
+          <a:p>
+            <a:pPr marL="342900" indent="-342900" algn="just">
+              <a:lnSpc>
+                <a:spcPct val="110000"/>
+              </a:lnSpc>
+              <a:buClr>
+                <a:srgbClr val="595959"/>
+              </a:buClr>
+              <a:buAutoNum type="arabicPeriod"/>
+              <a:defRPr/>
+            </a:pPr>
+            <a:endParaRPr lang="en-US" altLang="ko-KR" dirty="0">
+              <a:cs typeface="Arial" panose="020B0604020202020204" pitchFamily="34" charset="0"/>
+            </a:endParaRPr>
+          </a:p>
+          <a:p>
+            <a:pPr marL="342900" indent="-342900" algn="just">
+              <a:lnSpc>
+                <a:spcPct val="110000"/>
+              </a:lnSpc>
+              <a:buClr>
+                <a:srgbClr val="595959"/>
+              </a:buClr>
+              <a:buAutoNum type="arabicPeriod"/>
+              <a:defRPr/>
+            </a:pPr>
+            <a:endParaRPr lang="en-US" altLang="ko-KR" dirty="0">
+              <a:cs typeface="Arial" panose="020B0604020202020204" pitchFamily="34" charset="0"/>
+            </a:endParaRPr>
+          </a:p>
+          <a:p>
+            <a:pPr marL="342900" indent="-342900" algn="just">
+              <a:lnSpc>
+                <a:spcPct val="110000"/>
+              </a:lnSpc>
+              <a:buClr>
+                <a:srgbClr val="595959"/>
+              </a:buClr>
+              <a:buAutoNum type="arabicPeriod"/>
+              <a:defRPr/>
+            </a:pPr>
+            <a:endParaRPr lang="en-US" altLang="ko-KR" dirty="0">
+              <a:cs typeface="Arial" panose="020B0604020202020204" pitchFamily="34" charset="0"/>
+            </a:endParaRPr>
+          </a:p>
+          <a:p>
+            <a:pPr marL="342900" indent="-342900" algn="just">
+              <a:lnSpc>
+                <a:spcPct val="110000"/>
+              </a:lnSpc>
+              <a:buClr>
+                <a:srgbClr val="595959"/>
+              </a:buClr>
+              <a:buAutoNum type="arabicPeriod"/>
+              <a:defRPr/>
+            </a:pPr>
+            <a:endParaRPr lang="en-US" altLang="ko-KR" dirty="0">
+              <a:cs typeface="Arial" panose="020B0604020202020204" pitchFamily="34" charset="0"/>
+            </a:endParaRPr>
+          </a:p>
+          <a:p>
+            <a:pPr marL="342900" indent="-342900" algn="just">
+              <a:lnSpc>
+                <a:spcPct val="110000"/>
+              </a:lnSpc>
+              <a:buClr>
+                <a:srgbClr val="595959"/>
+              </a:buClr>
+              <a:buAutoNum type="arabicPeriod"/>
+              <a:defRPr/>
+            </a:pPr>
+            <a:endParaRPr lang="en-US" altLang="ko-KR" dirty="0">
+              <a:cs typeface="Arial" panose="020B0604020202020204" pitchFamily="34" charset="0"/>
+            </a:endParaRPr>
+          </a:p>
+          <a:p>
             <a:pPr algn="just">
               <a:lnSpc>
                 <a:spcPct val="110000"/>
@@ -12415,12 +12477,15 @@
               <a:buNone/>
               <a:defRPr/>
             </a:pPr>
-            <a:endParaRPr lang="en-US" altLang="ko-KR" dirty="0">
-              <a:cs typeface="Arial" panose="020B0604020202020204" pitchFamily="34" charset="0"/>
-            </a:endParaRPr>
-          </a:p>
-          <a:p>
-            <a:pPr marL="342900" indent="-342900" algn="just">
+            <a:r>
+              <a:rPr lang="en-US" altLang="ko-KR" dirty="0">
+                <a:cs typeface="Arial" panose="020B0604020202020204" pitchFamily="34" charset="0"/>
+              </a:rPr>
+              <a:t>	</a:t>
+            </a:r>
+          </a:p>
+          <a:p>
+            <a:pPr marL="1085850" lvl="1" indent="-342900" algn="just">
               <a:lnSpc>
                 <a:spcPct val="110000"/>
               </a:lnSpc>
@@ -12435,159 +12500,6 @@
             </a:endParaRPr>
           </a:p>
           <a:p>
-            <a:pPr marL="342900" indent="-342900" algn="just">
-              <a:lnSpc>
-                <a:spcPct val="110000"/>
-              </a:lnSpc>
-              <a:buClr>
-                <a:srgbClr val="595959"/>
-              </a:buClr>
-              <a:buAutoNum type="arabicPeriod"/>
-              <a:defRPr/>
-            </a:pPr>
-            <a:endParaRPr lang="en-US" altLang="ko-KR" dirty="0">
-              <a:cs typeface="Arial" panose="020B0604020202020204" pitchFamily="34" charset="0"/>
-            </a:endParaRPr>
-          </a:p>
-          <a:p>
-            <a:pPr marL="342900" indent="-342900" algn="just">
-              <a:lnSpc>
-                <a:spcPct val="110000"/>
-              </a:lnSpc>
-              <a:buClr>
-                <a:srgbClr val="595959"/>
-              </a:buClr>
-              <a:buAutoNum type="arabicPeriod"/>
-              <a:defRPr/>
-            </a:pPr>
-            <a:endParaRPr lang="en-US" altLang="ko-KR" dirty="0">
-              <a:cs typeface="Arial" panose="020B0604020202020204" pitchFamily="34" charset="0"/>
-            </a:endParaRPr>
-          </a:p>
-          <a:p>
-            <a:pPr marL="342900" indent="-342900" algn="just">
-              <a:lnSpc>
-                <a:spcPct val="110000"/>
-              </a:lnSpc>
-              <a:buClr>
-                <a:srgbClr val="595959"/>
-              </a:buClr>
-              <a:buAutoNum type="arabicPeriod"/>
-              <a:defRPr/>
-            </a:pPr>
-            <a:endParaRPr lang="en-US" altLang="ko-KR" dirty="0">
-              <a:cs typeface="Arial" panose="020B0604020202020204" pitchFamily="34" charset="0"/>
-            </a:endParaRPr>
-          </a:p>
-          <a:p>
-            <a:pPr marL="342900" indent="-342900" algn="just">
-              <a:lnSpc>
-                <a:spcPct val="110000"/>
-              </a:lnSpc>
-              <a:buClr>
-                <a:srgbClr val="595959"/>
-              </a:buClr>
-              <a:buAutoNum type="arabicPeriod"/>
-              <a:defRPr/>
-            </a:pPr>
-            <a:endParaRPr lang="en-US" altLang="ko-KR" dirty="0">
-              <a:cs typeface="Arial" panose="020B0604020202020204" pitchFamily="34" charset="0"/>
-            </a:endParaRPr>
-          </a:p>
-          <a:p>
-            <a:pPr marL="342900" indent="-342900" algn="just">
-              <a:lnSpc>
-                <a:spcPct val="110000"/>
-              </a:lnSpc>
-              <a:buClr>
-                <a:srgbClr val="595959"/>
-              </a:buClr>
-              <a:buAutoNum type="arabicPeriod"/>
-              <a:defRPr/>
-            </a:pPr>
-            <a:endParaRPr lang="en-US" altLang="ko-KR" dirty="0">
-              <a:cs typeface="Arial" panose="020B0604020202020204" pitchFamily="34" charset="0"/>
-            </a:endParaRPr>
-          </a:p>
-          <a:p>
-            <a:pPr marL="342900" indent="-342900" algn="just">
-              <a:lnSpc>
-                <a:spcPct val="110000"/>
-              </a:lnSpc>
-              <a:buClr>
-                <a:srgbClr val="595959"/>
-              </a:buClr>
-              <a:buAutoNum type="arabicPeriod"/>
-              <a:defRPr/>
-            </a:pPr>
-            <a:endParaRPr lang="en-US" altLang="ko-KR" dirty="0">
-              <a:cs typeface="Arial" panose="020B0604020202020204" pitchFamily="34" charset="0"/>
-            </a:endParaRPr>
-          </a:p>
-          <a:p>
-            <a:pPr marL="342900" indent="-342900" algn="just">
-              <a:lnSpc>
-                <a:spcPct val="110000"/>
-              </a:lnSpc>
-              <a:buClr>
-                <a:srgbClr val="595959"/>
-              </a:buClr>
-              <a:buAutoNum type="arabicPeriod"/>
-              <a:defRPr/>
-            </a:pPr>
-            <a:endParaRPr lang="en-US" altLang="ko-KR" dirty="0">
-              <a:cs typeface="Arial" panose="020B0604020202020204" pitchFamily="34" charset="0"/>
-            </a:endParaRPr>
-          </a:p>
-          <a:p>
-            <a:pPr marL="342900" indent="-342900" algn="just">
-              <a:lnSpc>
-                <a:spcPct val="110000"/>
-              </a:lnSpc>
-              <a:buClr>
-                <a:srgbClr val="595959"/>
-              </a:buClr>
-              <a:buAutoNum type="arabicPeriod"/>
-              <a:defRPr/>
-            </a:pPr>
-            <a:endParaRPr lang="en-US" altLang="ko-KR" dirty="0">
-              <a:cs typeface="Arial" panose="020B0604020202020204" pitchFamily="34" charset="0"/>
-            </a:endParaRPr>
-          </a:p>
-          <a:p>
-            <a:pPr algn="just">
-              <a:lnSpc>
-                <a:spcPct val="110000"/>
-              </a:lnSpc>
-              <a:buClr>
-                <a:srgbClr val="595959"/>
-              </a:buClr>
-              <a:buNone/>
-              <a:defRPr/>
-            </a:pPr>
-            <a:r>
-              <a:rPr lang="en-US" altLang="ko-KR" dirty="0">
-                <a:cs typeface="Arial" panose="020B0604020202020204" pitchFamily="34" charset="0"/>
-              </a:rPr>
-              <a:t>	</a:t>
-            </a:r>
-          </a:p>
-          <a:p>
-            <a:pPr marL="1085850" lvl="1" indent="-342900" algn="just">
-              <a:lnSpc>
-                <a:spcPct val="110000"/>
-              </a:lnSpc>
-              <a:buClr>
-                <a:srgbClr val="595959"/>
-              </a:buClr>
-              <a:buAutoNum type="arabicPeriod"/>
-              <a:defRPr/>
-            </a:pPr>
-            <a:endParaRPr lang="en-US" altLang="ko-KR" dirty="0">
-              <a:cs typeface="Arial" panose="020B0604020202020204" pitchFamily="34" charset="0"/>
-            </a:endParaRPr>
-          </a:p>
-          <a:p>
             <a:pPr algn="just">
               <a:lnSpc>
                 <a:spcPct val="110000"/>
@@ -12693,10 +12605,10 @@
       </p:sp>
       <p:pic>
         <p:nvPicPr>
-          <p:cNvPr id="3" name="그림 2">
+          <p:cNvPr id="2" name="그림 1">
             <a:extLst>
               <a:ext uri="{FF2B5EF4-FFF2-40B4-BE49-F238E27FC236}">
-                <a16:creationId xmlns:a16="http://schemas.microsoft.com/office/drawing/2014/main" id="{6DC13801-03C2-41E7-9004-C7C5BAC74107}"/>
+                <a16:creationId xmlns:a16="http://schemas.microsoft.com/office/drawing/2014/main" id="{BDF923C3-965F-4821-AE52-47011854B183}"/>
               </a:ext>
             </a:extLst>
           </p:cNvPr>
@@ -12713,7 +12625,7 @@
         </p:blipFill>
         <p:spPr>
           <a:xfrm>
-            <a:off x="897190" y="1255529"/>
+            <a:off x="1304925" y="1281906"/>
             <a:ext cx="9582150" cy="5191125"/>
           </a:xfrm>
           <a:prstGeom prst="rect">
@@ -12724,7 +12636,7 @@
     </p:spTree>
     <p:extLst>
       <p:ext uri="{BB962C8B-B14F-4D97-AF65-F5344CB8AC3E}">
-        <p14:creationId xmlns:p14="http://schemas.microsoft.com/office/powerpoint/2010/main" val="2720757085"/>
+        <p14:creationId xmlns:p14="http://schemas.microsoft.com/office/powerpoint/2010/main" val="803598004"/>
       </p:ext>
     </p:extLst>
   </p:cSld>
@@ -12990,7 +12902,7 @@
                 </a:solidFill>
                 <a:cs typeface="Arial" panose="020B0604020202020204" pitchFamily="34" charset="0"/>
               </a:rPr>
-              <a:t>배터리 종류에 따른 모델 예측력 비교</a:t>
+              <a:t>배터리 종류에 따른 모델 예측력 비교  </a:t>
             </a:r>
           </a:p>
         </p:txBody>
@@ -13571,1303 +13483,6 @@
               <a:buAutoNum type="arabicPeriod"/>
               <a:defRPr/>
             </a:pPr>
-            <a:r>
-              <a:rPr lang="en-US" altLang="ko-KR" dirty="0">
-                <a:cs typeface="Arial" panose="020B0604020202020204" pitchFamily="34" charset="0"/>
-              </a:rPr>
-              <a:t>18</a:t>
-            </a:r>
-            <a:r>
-              <a:rPr lang="ko-KR" altLang="en-US" dirty="0">
-                <a:cs typeface="Arial" panose="020B0604020202020204" pitchFamily="34" charset="0"/>
-              </a:rPr>
-              <a:t>번만 </a:t>
-            </a:r>
-            <a:r>
-              <a:rPr lang="en-US" altLang="ko-KR" dirty="0">
-                <a:cs typeface="Arial" panose="020B0604020202020204" pitchFamily="34" charset="0"/>
-              </a:rPr>
-              <a:t>N_SPLITS </a:t>
-            </a:r>
-            <a:r>
-              <a:rPr lang="ko-KR" altLang="en-US" dirty="0">
-                <a:cs typeface="Arial" panose="020B0604020202020204" pitchFamily="34" charset="0"/>
-              </a:rPr>
-              <a:t>값을 </a:t>
-            </a:r>
-            <a:r>
-              <a:rPr lang="en-US" altLang="ko-KR" dirty="0">
-                <a:cs typeface="Arial" panose="020B0604020202020204" pitchFamily="34" charset="0"/>
-              </a:rPr>
-              <a:t>1</a:t>
-            </a:r>
-            <a:r>
-              <a:rPr lang="ko-KR" altLang="en-US" dirty="0">
-                <a:cs typeface="Arial" panose="020B0604020202020204" pitchFamily="34" charset="0"/>
-              </a:rPr>
-              <a:t>로 설정했을 때 예측력이 떨어지는 모습을 보임</a:t>
-            </a:r>
-            <a:endParaRPr lang="en-US" altLang="ko-KR" dirty="0">
-              <a:cs typeface="Arial" panose="020B0604020202020204" pitchFamily="34" charset="0"/>
-            </a:endParaRPr>
-          </a:p>
-          <a:p>
-            <a:pPr marL="342900" indent="-342900" algn="just">
-              <a:lnSpc>
-                <a:spcPct val="110000"/>
-              </a:lnSpc>
-              <a:buClr>
-                <a:srgbClr val="595959"/>
-              </a:buClr>
-              <a:buAutoNum type="arabicPeriod"/>
-              <a:defRPr/>
-            </a:pPr>
-            <a:endParaRPr lang="en-US" altLang="ko-KR" dirty="0">
-              <a:cs typeface="Arial" panose="020B0604020202020204" pitchFamily="34" charset="0"/>
-            </a:endParaRPr>
-          </a:p>
-          <a:p>
-            <a:pPr marL="342900" indent="-342900" algn="just">
-              <a:lnSpc>
-                <a:spcPct val="110000"/>
-              </a:lnSpc>
-              <a:buClr>
-                <a:srgbClr val="595959"/>
-              </a:buClr>
-              <a:buAutoNum type="arabicPeriod"/>
-              <a:defRPr/>
-            </a:pPr>
-            <a:endParaRPr lang="en-US" altLang="ko-KR" dirty="0">
-              <a:cs typeface="Arial" panose="020B0604020202020204" pitchFamily="34" charset="0"/>
-            </a:endParaRPr>
-          </a:p>
-          <a:p>
-            <a:pPr marL="342900" indent="-342900" algn="just">
-              <a:lnSpc>
-                <a:spcPct val="110000"/>
-              </a:lnSpc>
-              <a:buClr>
-                <a:srgbClr val="595959"/>
-              </a:buClr>
-              <a:buAutoNum type="arabicPeriod"/>
-              <a:defRPr/>
-            </a:pPr>
-            <a:endParaRPr lang="en-US" altLang="ko-KR" dirty="0">
-              <a:cs typeface="Arial" panose="020B0604020202020204" pitchFamily="34" charset="0"/>
-            </a:endParaRPr>
-          </a:p>
-          <a:p>
-            <a:pPr marL="342900" indent="-342900" algn="just">
-              <a:lnSpc>
-                <a:spcPct val="110000"/>
-              </a:lnSpc>
-              <a:buClr>
-                <a:srgbClr val="595959"/>
-              </a:buClr>
-              <a:buAutoNum type="arabicPeriod"/>
-              <a:defRPr/>
-            </a:pPr>
-            <a:endParaRPr lang="en-US" altLang="ko-KR" dirty="0">
-              <a:cs typeface="Arial" panose="020B0604020202020204" pitchFamily="34" charset="0"/>
-            </a:endParaRPr>
-          </a:p>
-          <a:p>
-            <a:pPr marL="342900" indent="-342900" algn="just">
-              <a:lnSpc>
-                <a:spcPct val="110000"/>
-              </a:lnSpc>
-              <a:buClr>
-                <a:srgbClr val="595959"/>
-              </a:buClr>
-              <a:buAutoNum type="arabicPeriod"/>
-              <a:defRPr/>
-            </a:pPr>
-            <a:endParaRPr lang="en-US" altLang="ko-KR" dirty="0">
-              <a:cs typeface="Arial" panose="020B0604020202020204" pitchFamily="34" charset="0"/>
-            </a:endParaRPr>
-          </a:p>
-          <a:p>
-            <a:pPr marL="342900" indent="-342900" algn="just">
-              <a:lnSpc>
-                <a:spcPct val="110000"/>
-              </a:lnSpc>
-              <a:buClr>
-                <a:srgbClr val="595959"/>
-              </a:buClr>
-              <a:buAutoNum type="arabicPeriod"/>
-              <a:defRPr/>
-            </a:pPr>
-            <a:endParaRPr lang="en-US" altLang="ko-KR" dirty="0">
-              <a:cs typeface="Arial" panose="020B0604020202020204" pitchFamily="34" charset="0"/>
-            </a:endParaRPr>
-          </a:p>
-          <a:p>
-            <a:pPr algn="just">
-              <a:lnSpc>
-                <a:spcPct val="110000"/>
-              </a:lnSpc>
-              <a:buClr>
-                <a:srgbClr val="595959"/>
-              </a:buClr>
-              <a:buNone/>
-              <a:defRPr/>
-            </a:pPr>
-            <a:endParaRPr lang="en-US" altLang="ko-KR" dirty="0">
-              <a:cs typeface="Arial" panose="020B0604020202020204" pitchFamily="34" charset="0"/>
-            </a:endParaRPr>
-          </a:p>
-          <a:p>
-            <a:pPr marL="342900" indent="-342900" algn="just">
-              <a:lnSpc>
-                <a:spcPct val="110000"/>
-              </a:lnSpc>
-              <a:buClr>
-                <a:srgbClr val="595959"/>
-              </a:buClr>
-              <a:buAutoNum type="arabicPeriod"/>
-              <a:defRPr/>
-            </a:pPr>
-            <a:endParaRPr lang="en-US" altLang="ko-KR" dirty="0">
-              <a:cs typeface="Arial" panose="020B0604020202020204" pitchFamily="34" charset="0"/>
-            </a:endParaRPr>
-          </a:p>
-          <a:p>
-            <a:pPr marL="342900" indent="-342900" algn="just">
-              <a:lnSpc>
-                <a:spcPct val="110000"/>
-              </a:lnSpc>
-              <a:buClr>
-                <a:srgbClr val="595959"/>
-              </a:buClr>
-              <a:buAutoNum type="arabicPeriod"/>
-              <a:defRPr/>
-            </a:pPr>
-            <a:endParaRPr lang="en-US" altLang="ko-KR" dirty="0">
-              <a:cs typeface="Arial" panose="020B0604020202020204" pitchFamily="34" charset="0"/>
-            </a:endParaRPr>
-          </a:p>
-          <a:p>
-            <a:pPr marL="342900" indent="-342900" algn="just">
-              <a:lnSpc>
-                <a:spcPct val="110000"/>
-              </a:lnSpc>
-              <a:buClr>
-                <a:srgbClr val="595959"/>
-              </a:buClr>
-              <a:buAutoNum type="arabicPeriod"/>
-              <a:defRPr/>
-            </a:pPr>
-            <a:endParaRPr lang="en-US" altLang="ko-KR" dirty="0">
-              <a:cs typeface="Arial" panose="020B0604020202020204" pitchFamily="34" charset="0"/>
-            </a:endParaRPr>
-          </a:p>
-          <a:p>
-            <a:pPr marL="342900" indent="-342900" algn="just">
-              <a:lnSpc>
-                <a:spcPct val="110000"/>
-              </a:lnSpc>
-              <a:buClr>
-                <a:srgbClr val="595959"/>
-              </a:buClr>
-              <a:buAutoNum type="arabicPeriod"/>
-              <a:defRPr/>
-            </a:pPr>
-            <a:endParaRPr lang="en-US" altLang="ko-KR" dirty="0">
-              <a:cs typeface="Arial" panose="020B0604020202020204" pitchFamily="34" charset="0"/>
-            </a:endParaRPr>
-          </a:p>
-          <a:p>
-            <a:pPr marL="342900" indent="-342900" algn="just">
-              <a:lnSpc>
-                <a:spcPct val="110000"/>
-              </a:lnSpc>
-              <a:buClr>
-                <a:srgbClr val="595959"/>
-              </a:buClr>
-              <a:buAutoNum type="arabicPeriod"/>
-              <a:defRPr/>
-            </a:pPr>
-            <a:endParaRPr lang="en-US" altLang="ko-KR" dirty="0">
-              <a:cs typeface="Arial" panose="020B0604020202020204" pitchFamily="34" charset="0"/>
-            </a:endParaRPr>
-          </a:p>
-          <a:p>
-            <a:pPr marL="342900" indent="-342900" algn="just">
-              <a:lnSpc>
-                <a:spcPct val="110000"/>
-              </a:lnSpc>
-              <a:buClr>
-                <a:srgbClr val="595959"/>
-              </a:buClr>
-              <a:buAutoNum type="arabicPeriod"/>
-              <a:defRPr/>
-            </a:pPr>
-            <a:endParaRPr lang="en-US" altLang="ko-KR" dirty="0">
-              <a:cs typeface="Arial" panose="020B0604020202020204" pitchFamily="34" charset="0"/>
-            </a:endParaRPr>
-          </a:p>
-          <a:p>
-            <a:pPr marL="342900" indent="-342900" algn="just">
-              <a:lnSpc>
-                <a:spcPct val="110000"/>
-              </a:lnSpc>
-              <a:buClr>
-                <a:srgbClr val="595959"/>
-              </a:buClr>
-              <a:buAutoNum type="arabicPeriod"/>
-              <a:defRPr/>
-            </a:pPr>
-            <a:endParaRPr lang="en-US" altLang="ko-KR" dirty="0">
-              <a:cs typeface="Arial" panose="020B0604020202020204" pitchFamily="34" charset="0"/>
-            </a:endParaRPr>
-          </a:p>
-          <a:p>
-            <a:pPr marL="342900" indent="-342900" algn="just">
-              <a:lnSpc>
-                <a:spcPct val="110000"/>
-              </a:lnSpc>
-              <a:buClr>
-                <a:srgbClr val="595959"/>
-              </a:buClr>
-              <a:buAutoNum type="arabicPeriod"/>
-              <a:defRPr/>
-            </a:pPr>
-            <a:endParaRPr lang="en-US" altLang="ko-KR" dirty="0">
-              <a:cs typeface="Arial" panose="020B0604020202020204" pitchFamily="34" charset="0"/>
-            </a:endParaRPr>
-          </a:p>
-          <a:p>
-            <a:pPr marL="342900" indent="-342900" algn="just">
-              <a:lnSpc>
-                <a:spcPct val="110000"/>
-              </a:lnSpc>
-              <a:buClr>
-                <a:srgbClr val="595959"/>
-              </a:buClr>
-              <a:buAutoNum type="arabicPeriod"/>
-              <a:defRPr/>
-            </a:pPr>
-            <a:endParaRPr lang="en-US" altLang="ko-KR" dirty="0">
-              <a:cs typeface="Arial" panose="020B0604020202020204" pitchFamily="34" charset="0"/>
-            </a:endParaRPr>
-          </a:p>
-          <a:p>
-            <a:pPr algn="just">
-              <a:lnSpc>
-                <a:spcPct val="110000"/>
-              </a:lnSpc>
-              <a:buClr>
-                <a:srgbClr val="595959"/>
-              </a:buClr>
-              <a:buNone/>
-              <a:defRPr/>
-            </a:pPr>
-            <a:r>
-              <a:rPr lang="en-US" altLang="ko-KR" dirty="0">
-                <a:cs typeface="Arial" panose="020B0604020202020204" pitchFamily="34" charset="0"/>
-              </a:rPr>
-              <a:t>	</a:t>
-            </a:r>
-          </a:p>
-          <a:p>
-            <a:pPr marL="1085850" lvl="1" indent="-342900" algn="just">
-              <a:lnSpc>
-                <a:spcPct val="110000"/>
-              </a:lnSpc>
-              <a:buClr>
-                <a:srgbClr val="595959"/>
-              </a:buClr>
-              <a:buAutoNum type="arabicPeriod"/>
-              <a:defRPr/>
-            </a:pPr>
-            <a:endParaRPr lang="en-US" altLang="ko-KR" dirty="0">
-              <a:cs typeface="Arial" panose="020B0604020202020204" pitchFamily="34" charset="0"/>
-            </a:endParaRPr>
-          </a:p>
-          <a:p>
-            <a:pPr algn="just">
-              <a:lnSpc>
-                <a:spcPct val="110000"/>
-              </a:lnSpc>
-              <a:buNone/>
-              <a:defRPr/>
-            </a:pPr>
-            <a:r>
-              <a:rPr lang="ko-KR" altLang="en-US" dirty="0">
-                <a:cs typeface="Arial" panose="020B0604020202020204" pitchFamily="34" charset="0"/>
-              </a:rPr>
-              <a:t>  </a:t>
-            </a:r>
-            <a:endParaRPr lang="en-US" altLang="ko-KR" sz="1600" dirty="0">
-              <a:cs typeface="Arial" panose="020B0604020202020204" pitchFamily="34" charset="0"/>
-            </a:endParaRPr>
-          </a:p>
-          <a:p>
-            <a:pPr algn="just">
-              <a:lnSpc>
-                <a:spcPct val="110000"/>
-              </a:lnSpc>
-              <a:buFontTx/>
-              <a:buNone/>
-              <a:defRPr/>
-            </a:pPr>
-            <a:endParaRPr lang="ko-KR" altLang="en-US" sz="1600" dirty="0">
-              <a:cs typeface="Arial" panose="020B0604020202020204" pitchFamily="34" charset="0"/>
-            </a:endParaRPr>
-          </a:p>
-          <a:p>
-            <a:pPr algn="just">
-              <a:lnSpc>
-                <a:spcPct val="110000"/>
-              </a:lnSpc>
-              <a:buFontTx/>
-              <a:buNone/>
-              <a:defRPr/>
-            </a:pPr>
-            <a:endParaRPr lang="ko-KR" altLang="en-US" sz="1600" dirty="0">
-              <a:cs typeface="Arial" panose="020B0604020202020204" pitchFamily="34" charset="0"/>
-            </a:endParaRPr>
-          </a:p>
-          <a:p>
-            <a:pPr algn="just">
-              <a:lnSpc>
-                <a:spcPct val="110000"/>
-              </a:lnSpc>
-              <a:buFontTx/>
-              <a:buNone/>
-              <a:defRPr/>
-            </a:pPr>
-            <a:endParaRPr lang="ko-KR" altLang="en-US" sz="1600" dirty="0">
-              <a:cs typeface="Arial" panose="020B0604020202020204" pitchFamily="34" charset="0"/>
-            </a:endParaRPr>
-          </a:p>
-          <a:p>
-            <a:pPr algn="just">
-              <a:lnSpc>
-                <a:spcPct val="110000"/>
-              </a:lnSpc>
-              <a:buFontTx/>
-              <a:buNone/>
-              <a:defRPr/>
-            </a:pPr>
-            <a:endParaRPr lang="ko-KR" altLang="en-US" sz="1600" dirty="0">
-              <a:cs typeface="Arial" panose="020B0604020202020204" pitchFamily="34" charset="0"/>
-            </a:endParaRPr>
-          </a:p>
-          <a:p>
-            <a:pPr algn="just">
-              <a:lnSpc>
-                <a:spcPct val="110000"/>
-              </a:lnSpc>
-              <a:buFontTx/>
-              <a:buNone/>
-              <a:defRPr/>
-            </a:pPr>
-            <a:endParaRPr lang="ko-KR" altLang="en-US" sz="1600" dirty="0">
-              <a:cs typeface="Arial" panose="020B0604020202020204" pitchFamily="34" charset="0"/>
-            </a:endParaRPr>
-          </a:p>
-          <a:p>
-            <a:pPr algn="just">
-              <a:lnSpc>
-                <a:spcPct val="120000"/>
-              </a:lnSpc>
-              <a:spcAft>
-                <a:spcPts val="600"/>
-              </a:spcAft>
-              <a:buFontTx/>
-              <a:buNone/>
-              <a:defRPr/>
-            </a:pPr>
-            <a:r>
-              <a:rPr lang="ko-KR" altLang="en-US" sz="1300" i="1" u="sng" dirty="0">
-                <a:cs typeface="Arial" panose="020B0604020202020204" pitchFamily="34" charset="0"/>
-              </a:rPr>
-              <a:t> </a:t>
-            </a:r>
-          </a:p>
-        </p:txBody>
-      </p:sp>
-      <p:pic>
-        <p:nvPicPr>
-          <p:cNvPr id="2" name="그림 1">
-            <a:extLst>
-              <a:ext uri="{FF2B5EF4-FFF2-40B4-BE49-F238E27FC236}">
-                <a16:creationId xmlns:a16="http://schemas.microsoft.com/office/drawing/2014/main" id="{BDF923C3-965F-4821-AE52-47011854B183}"/>
-              </a:ext>
-            </a:extLst>
-          </p:cNvPr>
-          <p:cNvPicPr>
-            <a:picLocks noChangeAspect="1"/>
-          </p:cNvPicPr>
-          <p:nvPr/>
-        </p:nvPicPr>
-        <p:blipFill>
-          <a:blip r:embed="rId4"/>
-          <a:stretch>
-            <a:fillRect/>
-          </a:stretch>
-        </p:blipFill>
-        <p:spPr>
-          <a:xfrm>
-            <a:off x="1304925" y="1281906"/>
-            <a:ext cx="9582150" cy="5191125"/>
-          </a:xfrm>
-          <a:prstGeom prst="rect">
-            <a:avLst/>
-          </a:prstGeom>
-        </p:spPr>
-      </p:pic>
-    </p:spTree>
-    <p:extLst>
-      <p:ext uri="{BB962C8B-B14F-4D97-AF65-F5344CB8AC3E}">
-        <p14:creationId xmlns:p14="http://schemas.microsoft.com/office/powerpoint/2010/main" val="803598004"/>
-      </p:ext>
-    </p:extLst>
-  </p:cSld>
-  <p:clrMapOvr>
-    <a:masterClrMapping/>
-  </p:clrMapOvr>
-</p:sld>
-</file>
-
-<file path=ppt/slides/slide16.xml><?xml version="1.0" encoding="utf-8"?>
-<p:sld xmlns:a="http://schemas.openxmlformats.org/drawingml/2006/main" xmlns:r="http://schemas.openxmlformats.org/officeDocument/2006/relationships" xmlns:p="http://schemas.openxmlformats.org/presentationml/2006/main">
-  <p:cSld>
-    <p:spTree>
-      <p:nvGrpSpPr>
-        <p:cNvPr id="1" name="">
-          <a:extLst>
-            <a:ext uri="{FF2B5EF4-FFF2-40B4-BE49-F238E27FC236}">
-              <a16:creationId xmlns:a16="http://schemas.microsoft.com/office/drawing/2014/main" id="{7F402414-83DC-8F43-F8D4-CEEA5C0E6762}"/>
-            </a:ext>
-          </a:extLst>
-        </p:cNvPr>
-        <p:cNvGrpSpPr/>
-        <p:nvPr/>
-      </p:nvGrpSpPr>
-      <p:grpSpPr>
-        <a:xfrm>
-          <a:off x="0" y="0"/>
-          <a:ext cx="0" cy="0"/>
-          <a:chOff x="0" y="0"/>
-          <a:chExt cx="0" cy="0"/>
-        </a:xfrm>
-      </p:grpSpPr>
-      <p:sp>
-        <p:nvSpPr>
-          <p:cNvPr id="16385" name="Rectangle 1">
-            <a:extLst>
-              <a:ext uri="{FF2B5EF4-FFF2-40B4-BE49-F238E27FC236}">
-                <a16:creationId xmlns:a16="http://schemas.microsoft.com/office/drawing/2014/main" id="{49B95735-3E31-0F0A-4250-FBC91A042BF7}"/>
-              </a:ext>
-            </a:extLst>
-          </p:cNvPr>
-          <p:cNvSpPr>
-            <a:spLocks noChangeArrowheads="1"/>
-          </p:cNvSpPr>
-          <p:nvPr/>
-        </p:nvSpPr>
-        <p:spPr bwMode="auto">
-          <a:xfrm>
-            <a:off x="0" y="0"/>
-            <a:ext cx="12192000" cy="671513"/>
-          </a:xfrm>
-          <a:prstGeom prst="rect">
-            <a:avLst/>
-          </a:prstGeom>
-          <a:solidFill>
-            <a:srgbClr val="204767"/>
-          </a:solidFill>
-          <a:ln w="12700">
-            <a:solidFill>
-              <a:srgbClr val="204767"/>
-            </a:solidFill>
-            <a:miter lim="800000"/>
-            <a:headEnd/>
-            <a:tailEnd/>
-          </a:ln>
-        </p:spPr>
-        <p:txBody>
-          <a:bodyPr anchor="ctr"/>
-          <a:lstStyle>
-            <a:lvl1pPr>
-              <a:lnSpc>
-                <a:spcPct val="130000"/>
-              </a:lnSpc>
-              <a:spcAft>
-                <a:spcPts val="1000"/>
-              </a:spcAft>
-              <a:buFont typeface="Arial" panose="020B0604020202020204" pitchFamily="34" charset="0"/>
-              <a:buChar char="●"/>
-              <a:defRPr>
-                <a:solidFill>
-                  <a:srgbClr val="595959"/>
-                </a:solidFill>
-                <a:latin typeface="Arial" panose="020B0604020202020204" pitchFamily="34" charset="0"/>
-                <a:ea typeface="Microsoft YaHei" panose="020B0503020204020204" pitchFamily="34" charset="-122"/>
-              </a:defRPr>
-            </a:lvl1pPr>
-            <a:lvl2pPr marL="742950" indent="-285750">
-              <a:lnSpc>
-                <a:spcPct val="120000"/>
-              </a:lnSpc>
-              <a:spcAft>
-                <a:spcPts val="600"/>
-              </a:spcAft>
-              <a:buFont typeface="Arial" panose="020B0604020202020204" pitchFamily="34" charset="0"/>
-              <a:buChar char="●"/>
-              <a:tabLst>
-                <a:tab pos="1609725" algn="l"/>
-              </a:tabLst>
-              <a:defRPr sz="1600">
-                <a:solidFill>
-                  <a:srgbClr val="595959"/>
-                </a:solidFill>
-                <a:latin typeface="Arial" panose="020B0604020202020204" pitchFamily="34" charset="0"/>
-                <a:ea typeface="Microsoft YaHei" panose="020B0503020204020204" pitchFamily="34" charset="-122"/>
-              </a:defRPr>
-            </a:lvl2pPr>
-            <a:lvl3pPr marL="1143000" indent="-228600">
-              <a:lnSpc>
-                <a:spcPct val="120000"/>
-              </a:lnSpc>
-              <a:spcAft>
-                <a:spcPts val="600"/>
-              </a:spcAft>
-              <a:buFont typeface="Arial" panose="020B0604020202020204" pitchFamily="34" charset="0"/>
-              <a:buChar char="●"/>
-              <a:defRPr sz="1600">
-                <a:solidFill>
-                  <a:srgbClr val="595959"/>
-                </a:solidFill>
-                <a:latin typeface="Arial" panose="020B0604020202020204" pitchFamily="34" charset="0"/>
-                <a:ea typeface="Microsoft YaHei" panose="020B0503020204020204" pitchFamily="34" charset="-122"/>
-              </a:defRPr>
-            </a:lvl3pPr>
-            <a:lvl4pPr marL="1600200" indent="-228600">
-              <a:lnSpc>
-                <a:spcPct val="120000"/>
-              </a:lnSpc>
-              <a:spcAft>
-                <a:spcPts val="300"/>
-              </a:spcAft>
-              <a:buFont typeface="Wingdings" pitchFamily="2" charset="2"/>
-              <a:buChar char=""/>
-              <a:defRPr sz="1400">
-                <a:solidFill>
-                  <a:srgbClr val="595959"/>
-                </a:solidFill>
-                <a:latin typeface="Arial" panose="020B0604020202020204" pitchFamily="34" charset="0"/>
-                <a:ea typeface="Microsoft YaHei" panose="020B0503020204020204" pitchFamily="34" charset="-122"/>
-              </a:defRPr>
-            </a:lvl4pPr>
-            <a:lvl5pPr marL="2057400" indent="-228600">
-              <a:lnSpc>
-                <a:spcPct val="120000"/>
-              </a:lnSpc>
-              <a:spcAft>
-                <a:spcPts val="300"/>
-              </a:spcAft>
-              <a:buFont typeface="Arial" panose="020B0604020202020204" pitchFamily="34" charset="0"/>
-              <a:buChar char="•"/>
-              <a:defRPr sz="1400">
-                <a:solidFill>
-                  <a:srgbClr val="595959"/>
-                </a:solidFill>
-                <a:latin typeface="Arial" panose="020B0604020202020204" pitchFamily="34" charset="0"/>
-                <a:ea typeface="Microsoft YaHei" panose="020B0503020204020204" pitchFamily="34" charset="-122"/>
-              </a:defRPr>
-            </a:lvl5pPr>
-            <a:lvl6pPr marL="2514600" indent="-228600" eaLnBrk="0" fontAlgn="base" hangingPunct="0">
-              <a:lnSpc>
-                <a:spcPct val="120000"/>
-              </a:lnSpc>
-              <a:spcBef>
-                <a:spcPct val="0"/>
-              </a:spcBef>
-              <a:spcAft>
-                <a:spcPts val="300"/>
-              </a:spcAft>
-              <a:buFont typeface="Arial" panose="020B0604020202020204" pitchFamily="34" charset="0"/>
-              <a:buChar char="•"/>
-              <a:defRPr sz="1400">
-                <a:solidFill>
-                  <a:srgbClr val="595959"/>
-                </a:solidFill>
-                <a:latin typeface="Arial" panose="020B0604020202020204" pitchFamily="34" charset="0"/>
-                <a:ea typeface="Microsoft YaHei" panose="020B0503020204020204" pitchFamily="34" charset="-122"/>
-              </a:defRPr>
-            </a:lvl6pPr>
-            <a:lvl7pPr marL="2971800" indent="-228600" eaLnBrk="0" fontAlgn="base" hangingPunct="0">
-              <a:lnSpc>
-                <a:spcPct val="120000"/>
-              </a:lnSpc>
-              <a:spcBef>
-                <a:spcPct val="0"/>
-              </a:spcBef>
-              <a:spcAft>
-                <a:spcPts val="300"/>
-              </a:spcAft>
-              <a:buFont typeface="Arial" panose="020B0604020202020204" pitchFamily="34" charset="0"/>
-              <a:buChar char="•"/>
-              <a:defRPr sz="1400">
-                <a:solidFill>
-                  <a:srgbClr val="595959"/>
-                </a:solidFill>
-                <a:latin typeface="Arial" panose="020B0604020202020204" pitchFamily="34" charset="0"/>
-                <a:ea typeface="Microsoft YaHei" panose="020B0503020204020204" pitchFamily="34" charset="-122"/>
-              </a:defRPr>
-            </a:lvl7pPr>
-            <a:lvl8pPr marL="3429000" indent="-228600" eaLnBrk="0" fontAlgn="base" hangingPunct="0">
-              <a:lnSpc>
-                <a:spcPct val="120000"/>
-              </a:lnSpc>
-              <a:spcBef>
-                <a:spcPct val="0"/>
-              </a:spcBef>
-              <a:spcAft>
-                <a:spcPts val="300"/>
-              </a:spcAft>
-              <a:buFont typeface="Arial" panose="020B0604020202020204" pitchFamily="34" charset="0"/>
-              <a:buChar char="•"/>
-              <a:defRPr sz="1400">
-                <a:solidFill>
-                  <a:srgbClr val="595959"/>
-                </a:solidFill>
-                <a:latin typeface="Arial" panose="020B0604020202020204" pitchFamily="34" charset="0"/>
-                <a:ea typeface="Microsoft YaHei" panose="020B0503020204020204" pitchFamily="34" charset="-122"/>
-              </a:defRPr>
-            </a:lvl8pPr>
-            <a:lvl9pPr marL="3886200" indent="-228600" eaLnBrk="0" fontAlgn="base" hangingPunct="0">
-              <a:lnSpc>
-                <a:spcPct val="120000"/>
-              </a:lnSpc>
-              <a:spcBef>
-                <a:spcPct val="0"/>
-              </a:spcBef>
-              <a:spcAft>
-                <a:spcPts val="300"/>
-              </a:spcAft>
-              <a:buFont typeface="Arial" panose="020B0604020202020204" pitchFamily="34" charset="0"/>
-              <a:buChar char="•"/>
-              <a:defRPr sz="1400">
-                <a:solidFill>
-                  <a:srgbClr val="595959"/>
-                </a:solidFill>
-                <a:latin typeface="Arial" panose="020B0604020202020204" pitchFamily="34" charset="0"/>
-                <a:ea typeface="Microsoft YaHei" panose="020B0503020204020204" pitchFamily="34" charset="-122"/>
-              </a:defRPr>
-            </a:lvl9pPr>
-          </a:lstStyle>
-          <a:p>
-            <a:pPr algn="just" eaLnBrk="1" hangingPunct="1">
-              <a:lnSpc>
-                <a:spcPct val="100000"/>
-              </a:lnSpc>
-              <a:spcAft>
-                <a:spcPct val="0"/>
-              </a:spcAft>
-              <a:buFontTx/>
-              <a:buNone/>
-            </a:pPr>
-            <a:r>
-              <a:rPr lang="en-US" altLang="ko-KR" sz="2000" b="1" dirty="0">
-                <a:solidFill>
-                  <a:srgbClr val="FFFFFF"/>
-                </a:solidFill>
-                <a:cs typeface="Arial" panose="020B0604020202020204" pitchFamily="34" charset="0"/>
-              </a:rPr>
-              <a:t>4. </a:t>
-            </a:r>
-            <a:r>
-              <a:rPr lang="ko-KR" altLang="en-US" sz="2000" b="1" dirty="0">
-                <a:solidFill>
-                  <a:srgbClr val="FFFFFF"/>
-                </a:solidFill>
-                <a:cs typeface="Arial" panose="020B0604020202020204" pitchFamily="34" charset="0"/>
-              </a:rPr>
-              <a:t>배터리 종류에 따른 모델 예측력 비교  </a:t>
-            </a:r>
-          </a:p>
-        </p:txBody>
-      </p:sp>
-      <p:pic>
-        <p:nvPicPr>
-          <p:cNvPr id="16386" name="Picture 4">
-            <a:extLst>
-              <a:ext uri="{FF2B5EF4-FFF2-40B4-BE49-F238E27FC236}">
-                <a16:creationId xmlns:a16="http://schemas.microsoft.com/office/drawing/2014/main" id="{EDDB07F3-5CAC-9E63-F9A3-5997404A0BF8}"/>
-              </a:ext>
-            </a:extLst>
-          </p:cNvPr>
-          <p:cNvPicPr preferRelativeResize="0">
-            <a:picLocks noChangeArrowheads="1"/>
-          </p:cNvPicPr>
-          <p:nvPr/>
-        </p:nvPicPr>
-        <p:blipFill>
-          <a:blip r:embed="rId2">
-            <a:extLst>
-              <a:ext uri="{28A0092B-C50C-407E-A947-70E740481C1C}">
-                <a14:useLocalDpi xmlns:a14="http://schemas.microsoft.com/office/drawing/2010/main" val="0"/>
-              </a:ext>
-            </a:extLst>
-          </a:blip>
-          <a:srcRect/>
-          <a:stretch>
-            <a:fillRect/>
-          </a:stretch>
-        </p:blipFill>
-        <p:spPr bwMode="auto">
-          <a:xfrm>
-            <a:off x="11376025" y="849313"/>
-            <a:ext cx="541338" cy="541337"/>
-          </a:xfrm>
-          <a:prstGeom prst="rect">
-            <a:avLst/>
-          </a:prstGeom>
-          <a:noFill/>
-          <a:ln>
-            <a:noFill/>
-          </a:ln>
-          <a:extLst>
-            <a:ext uri="{909E8E84-426E-40DD-AFC4-6F175D3DCCD1}">
-              <a14:hiddenFill xmlns:a14="http://schemas.microsoft.com/office/drawing/2010/main">
-                <a:solidFill>
-                  <a:srgbClr val="FFFFFF"/>
-                </a:solidFill>
-              </a14:hiddenFill>
-            </a:ext>
-            <a:ext uri="{91240B29-F687-4F45-9708-019B960494DF}">
-              <a14:hiddenLine xmlns:a14="http://schemas.microsoft.com/office/drawing/2010/main" w="9525">
-                <a:solidFill>
-                  <a:srgbClr val="000000"/>
-                </a:solidFill>
-                <a:miter lim="800000"/>
-                <a:headEnd/>
-                <a:tailEnd/>
-              </a14:hiddenLine>
-            </a:ext>
-          </a:extLst>
-        </p:spPr>
-      </p:pic>
-      <p:pic>
-        <p:nvPicPr>
-          <p:cNvPr id="16387" name="Picture 5">
-            <a:extLst>
-              <a:ext uri="{FF2B5EF4-FFF2-40B4-BE49-F238E27FC236}">
-                <a16:creationId xmlns:a16="http://schemas.microsoft.com/office/drawing/2014/main" id="{28C76661-6247-D3CE-25E0-48381C783D5F}"/>
-              </a:ext>
-            </a:extLst>
-          </p:cNvPr>
-          <p:cNvPicPr preferRelativeResize="0">
-            <a:picLocks noChangeArrowheads="1"/>
-          </p:cNvPicPr>
-          <p:nvPr/>
-        </p:nvPicPr>
-        <p:blipFill>
-          <a:blip r:embed="rId3">
-            <a:extLst>
-              <a:ext uri="{28A0092B-C50C-407E-A947-70E740481C1C}">
-                <a14:useLocalDpi xmlns:a14="http://schemas.microsoft.com/office/drawing/2010/main" val="0"/>
-              </a:ext>
-            </a:extLst>
-          </a:blip>
-          <a:srcRect/>
-          <a:stretch>
-            <a:fillRect/>
-          </a:stretch>
-        </p:blipFill>
-        <p:spPr bwMode="auto">
-          <a:xfrm>
-            <a:off x="10690225" y="849313"/>
-            <a:ext cx="539750" cy="541337"/>
-          </a:xfrm>
-          <a:prstGeom prst="rect">
-            <a:avLst/>
-          </a:prstGeom>
-          <a:noFill/>
-          <a:ln>
-            <a:noFill/>
-          </a:ln>
-          <a:extLst>
-            <a:ext uri="{909E8E84-426E-40DD-AFC4-6F175D3DCCD1}">
-              <a14:hiddenFill xmlns:a14="http://schemas.microsoft.com/office/drawing/2010/main">
-                <a:solidFill>
-                  <a:srgbClr val="FFFFFF"/>
-                </a:solidFill>
-              </a14:hiddenFill>
-            </a:ext>
-            <a:ext uri="{91240B29-F687-4F45-9708-019B960494DF}">
-              <a14:hiddenLine xmlns:a14="http://schemas.microsoft.com/office/drawing/2010/main" w="9525">
-                <a:solidFill>
-                  <a:srgbClr val="000000"/>
-                </a:solidFill>
-                <a:miter lim="800000"/>
-                <a:headEnd/>
-                <a:tailEnd/>
-              </a14:hiddenLine>
-            </a:ext>
-          </a:extLst>
-        </p:spPr>
-      </p:pic>
-      <p:sp>
-        <p:nvSpPr>
-          <p:cNvPr id="16388" name="Rectangle 7">
-            <a:extLst>
-              <a:ext uri="{FF2B5EF4-FFF2-40B4-BE49-F238E27FC236}">
-                <a16:creationId xmlns:a16="http://schemas.microsoft.com/office/drawing/2014/main" id="{ED7FCF0A-AF8C-A5D5-0E81-44E8DA6DC7D3}"/>
-              </a:ext>
-            </a:extLst>
-          </p:cNvPr>
-          <p:cNvSpPr>
-            <a:spLocks noChangeArrowheads="1"/>
-          </p:cNvSpPr>
-          <p:nvPr/>
-        </p:nvSpPr>
-        <p:spPr bwMode="auto">
-          <a:xfrm>
-            <a:off x="8877300" y="6315075"/>
-            <a:ext cx="2700338" cy="315913"/>
-          </a:xfrm>
-          <a:prstGeom prst="rect">
-            <a:avLst/>
-          </a:prstGeom>
-          <a:noFill/>
-          <a:ln>
-            <a:noFill/>
-          </a:ln>
-          <a:extLst>
-            <a:ext uri="{909E8E84-426E-40DD-AFC4-6F175D3DCCD1}">
-              <a14:hiddenFill xmlns:a14="http://schemas.microsoft.com/office/drawing/2010/main">
-                <a:solidFill>
-                  <a:srgbClr val="FFFFFF"/>
-                </a:solidFill>
-              </a14:hiddenFill>
-            </a:ext>
-            <a:ext uri="{91240B29-F687-4F45-9708-019B960494DF}">
-              <a14:hiddenLine xmlns:a14="http://schemas.microsoft.com/office/drawing/2010/main" w="9525">
-                <a:solidFill>
-                  <a:srgbClr val="000000"/>
-                </a:solidFill>
-                <a:miter lim="800000"/>
-                <a:headEnd/>
-                <a:tailEnd/>
-              </a14:hiddenLine>
-            </a:ext>
-          </a:extLst>
-        </p:spPr>
-        <p:txBody>
-          <a:bodyPr anchor="ctr"/>
-          <a:lstStyle>
-            <a:lvl1pPr>
-              <a:lnSpc>
-                <a:spcPct val="130000"/>
-              </a:lnSpc>
-              <a:spcAft>
-                <a:spcPts val="1000"/>
-              </a:spcAft>
-              <a:buFont typeface="Arial" panose="020B0604020202020204" pitchFamily="34" charset="0"/>
-              <a:buChar char="●"/>
-              <a:defRPr>
-                <a:solidFill>
-                  <a:srgbClr val="595959"/>
-                </a:solidFill>
-                <a:latin typeface="Arial" panose="020B0604020202020204" pitchFamily="34" charset="0"/>
-                <a:ea typeface="Microsoft YaHei" panose="020B0503020204020204" pitchFamily="34" charset="-122"/>
-              </a:defRPr>
-            </a:lvl1pPr>
-            <a:lvl2pPr marL="742950" indent="-285750">
-              <a:lnSpc>
-                <a:spcPct val="120000"/>
-              </a:lnSpc>
-              <a:spcAft>
-                <a:spcPts val="600"/>
-              </a:spcAft>
-              <a:buFont typeface="Arial" panose="020B0604020202020204" pitchFamily="34" charset="0"/>
-              <a:buChar char="●"/>
-              <a:tabLst>
-                <a:tab pos="1609725" algn="l"/>
-              </a:tabLst>
-              <a:defRPr sz="1600">
-                <a:solidFill>
-                  <a:srgbClr val="595959"/>
-                </a:solidFill>
-                <a:latin typeface="Arial" panose="020B0604020202020204" pitchFamily="34" charset="0"/>
-                <a:ea typeface="Microsoft YaHei" panose="020B0503020204020204" pitchFamily="34" charset="-122"/>
-              </a:defRPr>
-            </a:lvl2pPr>
-            <a:lvl3pPr marL="1143000" indent="-228600">
-              <a:lnSpc>
-                <a:spcPct val="120000"/>
-              </a:lnSpc>
-              <a:spcAft>
-                <a:spcPts val="600"/>
-              </a:spcAft>
-              <a:buFont typeface="Arial" panose="020B0604020202020204" pitchFamily="34" charset="0"/>
-              <a:buChar char="●"/>
-              <a:defRPr sz="1600">
-                <a:solidFill>
-                  <a:srgbClr val="595959"/>
-                </a:solidFill>
-                <a:latin typeface="Arial" panose="020B0604020202020204" pitchFamily="34" charset="0"/>
-                <a:ea typeface="Microsoft YaHei" panose="020B0503020204020204" pitchFamily="34" charset="-122"/>
-              </a:defRPr>
-            </a:lvl3pPr>
-            <a:lvl4pPr marL="1600200" indent="-228600">
-              <a:lnSpc>
-                <a:spcPct val="120000"/>
-              </a:lnSpc>
-              <a:spcAft>
-                <a:spcPts val="300"/>
-              </a:spcAft>
-              <a:buFont typeface="Wingdings" pitchFamily="2" charset="2"/>
-              <a:buChar char=""/>
-              <a:defRPr sz="1400">
-                <a:solidFill>
-                  <a:srgbClr val="595959"/>
-                </a:solidFill>
-                <a:latin typeface="Arial" panose="020B0604020202020204" pitchFamily="34" charset="0"/>
-                <a:ea typeface="Microsoft YaHei" panose="020B0503020204020204" pitchFamily="34" charset="-122"/>
-              </a:defRPr>
-            </a:lvl4pPr>
-            <a:lvl5pPr marL="2057400" indent="-228600">
-              <a:lnSpc>
-                <a:spcPct val="120000"/>
-              </a:lnSpc>
-              <a:spcAft>
-                <a:spcPts val="300"/>
-              </a:spcAft>
-              <a:buFont typeface="Arial" panose="020B0604020202020204" pitchFamily="34" charset="0"/>
-              <a:buChar char="•"/>
-              <a:defRPr sz="1400">
-                <a:solidFill>
-                  <a:srgbClr val="595959"/>
-                </a:solidFill>
-                <a:latin typeface="Arial" panose="020B0604020202020204" pitchFamily="34" charset="0"/>
-                <a:ea typeface="Microsoft YaHei" panose="020B0503020204020204" pitchFamily="34" charset="-122"/>
-              </a:defRPr>
-            </a:lvl5pPr>
-            <a:lvl6pPr marL="2514600" indent="-228600" eaLnBrk="0" fontAlgn="base" hangingPunct="0">
-              <a:lnSpc>
-                <a:spcPct val="120000"/>
-              </a:lnSpc>
-              <a:spcBef>
-                <a:spcPct val="0"/>
-              </a:spcBef>
-              <a:spcAft>
-                <a:spcPts val="300"/>
-              </a:spcAft>
-              <a:buFont typeface="Arial" panose="020B0604020202020204" pitchFamily="34" charset="0"/>
-              <a:buChar char="•"/>
-              <a:defRPr sz="1400">
-                <a:solidFill>
-                  <a:srgbClr val="595959"/>
-                </a:solidFill>
-                <a:latin typeface="Arial" panose="020B0604020202020204" pitchFamily="34" charset="0"/>
-                <a:ea typeface="Microsoft YaHei" panose="020B0503020204020204" pitchFamily="34" charset="-122"/>
-              </a:defRPr>
-            </a:lvl6pPr>
-            <a:lvl7pPr marL="2971800" indent="-228600" eaLnBrk="0" fontAlgn="base" hangingPunct="0">
-              <a:lnSpc>
-                <a:spcPct val="120000"/>
-              </a:lnSpc>
-              <a:spcBef>
-                <a:spcPct val="0"/>
-              </a:spcBef>
-              <a:spcAft>
-                <a:spcPts val="300"/>
-              </a:spcAft>
-              <a:buFont typeface="Arial" panose="020B0604020202020204" pitchFamily="34" charset="0"/>
-              <a:buChar char="•"/>
-              <a:defRPr sz="1400">
-                <a:solidFill>
-                  <a:srgbClr val="595959"/>
-                </a:solidFill>
-                <a:latin typeface="Arial" panose="020B0604020202020204" pitchFamily="34" charset="0"/>
-                <a:ea typeface="Microsoft YaHei" panose="020B0503020204020204" pitchFamily="34" charset="-122"/>
-              </a:defRPr>
-            </a:lvl7pPr>
-            <a:lvl8pPr marL="3429000" indent="-228600" eaLnBrk="0" fontAlgn="base" hangingPunct="0">
-              <a:lnSpc>
-                <a:spcPct val="120000"/>
-              </a:lnSpc>
-              <a:spcBef>
-                <a:spcPct val="0"/>
-              </a:spcBef>
-              <a:spcAft>
-                <a:spcPts val="300"/>
-              </a:spcAft>
-              <a:buFont typeface="Arial" panose="020B0604020202020204" pitchFamily="34" charset="0"/>
-              <a:buChar char="•"/>
-              <a:defRPr sz="1400">
-                <a:solidFill>
-                  <a:srgbClr val="595959"/>
-                </a:solidFill>
-                <a:latin typeface="Arial" panose="020B0604020202020204" pitchFamily="34" charset="0"/>
-                <a:ea typeface="Microsoft YaHei" panose="020B0503020204020204" pitchFamily="34" charset="-122"/>
-              </a:defRPr>
-            </a:lvl8pPr>
-            <a:lvl9pPr marL="3886200" indent="-228600" eaLnBrk="0" fontAlgn="base" hangingPunct="0">
-              <a:lnSpc>
-                <a:spcPct val="120000"/>
-              </a:lnSpc>
-              <a:spcBef>
-                <a:spcPct val="0"/>
-              </a:spcBef>
-              <a:spcAft>
-                <a:spcPts val="300"/>
-              </a:spcAft>
-              <a:buFont typeface="Arial" panose="020B0604020202020204" pitchFamily="34" charset="0"/>
-              <a:buChar char="•"/>
-              <a:defRPr sz="1400">
-                <a:solidFill>
-                  <a:srgbClr val="595959"/>
-                </a:solidFill>
-                <a:latin typeface="Arial" panose="020B0604020202020204" pitchFamily="34" charset="0"/>
-                <a:ea typeface="Microsoft YaHei" panose="020B0503020204020204" pitchFamily="34" charset="-122"/>
-              </a:defRPr>
-            </a:lvl9pPr>
-          </a:lstStyle>
-          <a:p>
-            <a:pPr algn="r">
-              <a:lnSpc>
-                <a:spcPct val="100000"/>
-              </a:lnSpc>
-              <a:spcAft>
-                <a:spcPct val="0"/>
-              </a:spcAft>
-              <a:buFontTx/>
-              <a:buNone/>
-            </a:pPr>
-            <a:r>
-              <a:rPr lang="ko-KR" altLang="en-US" sz="1000">
-                <a:solidFill>
-                  <a:srgbClr val="898989"/>
-                </a:solidFill>
-                <a:cs typeface="Arial" panose="020B0604020202020204" pitchFamily="34" charset="0"/>
-              </a:rPr>
-              <a:t>3</a:t>
-            </a:r>
-          </a:p>
-        </p:txBody>
-      </p:sp>
-      <p:sp>
-        <p:nvSpPr>
-          <p:cNvPr id="16389" name="Rectangle 8">
-            <a:extLst>
-              <a:ext uri="{FF2B5EF4-FFF2-40B4-BE49-F238E27FC236}">
-                <a16:creationId xmlns:a16="http://schemas.microsoft.com/office/drawing/2014/main" id="{D2CA6A0E-8DDC-391D-9F37-ACF971E153E6}"/>
-              </a:ext>
-            </a:extLst>
-          </p:cNvPr>
-          <p:cNvSpPr>
-            <a:spLocks/>
-          </p:cNvSpPr>
-          <p:nvPr/>
-        </p:nvSpPr>
-        <p:spPr bwMode="auto">
-          <a:xfrm>
-            <a:off x="208864" y="837791"/>
-            <a:ext cx="10958802" cy="5391150"/>
-          </a:xfrm>
-          <a:prstGeom prst="rect">
-            <a:avLst/>
-          </a:prstGeom>
-          <a:noFill/>
-          <a:ln w="12700">
-            <a:solidFill>
-              <a:srgbClr val="FFFFFF"/>
-            </a:solidFill>
-            <a:miter lim="800000"/>
-            <a:headEnd/>
-            <a:tailEnd/>
-          </a:ln>
-        </p:spPr>
-        <p:txBody>
-          <a:bodyPr/>
-          <a:lstStyle>
-            <a:lvl1pPr>
-              <a:lnSpc>
-                <a:spcPct val="130000"/>
-              </a:lnSpc>
-              <a:spcAft>
-                <a:spcPts val="1000"/>
-              </a:spcAft>
-              <a:buFont typeface="Arial" panose="020B0604020202020204" pitchFamily="34" charset="0"/>
-              <a:buChar char="●"/>
-              <a:defRPr>
-                <a:solidFill>
-                  <a:srgbClr val="595959"/>
-                </a:solidFill>
-                <a:latin typeface="Arial" panose="020B0604020202020204" pitchFamily="34" charset="0"/>
-                <a:ea typeface="Microsoft YaHei" panose="020B0503020204020204" pitchFamily="34" charset="-122"/>
-              </a:defRPr>
-            </a:lvl1pPr>
-            <a:lvl2pPr marL="742950" indent="-285750">
-              <a:lnSpc>
-                <a:spcPct val="120000"/>
-              </a:lnSpc>
-              <a:spcAft>
-                <a:spcPts val="600"/>
-              </a:spcAft>
-              <a:buFont typeface="Arial" panose="020B0604020202020204" pitchFamily="34" charset="0"/>
-              <a:buChar char="●"/>
-              <a:tabLst>
-                <a:tab pos="1609725" algn="l"/>
-              </a:tabLst>
-              <a:defRPr sz="1600">
-                <a:solidFill>
-                  <a:srgbClr val="595959"/>
-                </a:solidFill>
-                <a:latin typeface="Arial" panose="020B0604020202020204" pitchFamily="34" charset="0"/>
-                <a:ea typeface="Microsoft YaHei" panose="020B0503020204020204" pitchFamily="34" charset="-122"/>
-              </a:defRPr>
-            </a:lvl2pPr>
-            <a:lvl3pPr marL="1143000" indent="-228600">
-              <a:lnSpc>
-                <a:spcPct val="120000"/>
-              </a:lnSpc>
-              <a:spcAft>
-                <a:spcPts val="600"/>
-              </a:spcAft>
-              <a:buFont typeface="Arial" panose="020B0604020202020204" pitchFamily="34" charset="0"/>
-              <a:buChar char="●"/>
-              <a:defRPr sz="1600">
-                <a:solidFill>
-                  <a:srgbClr val="595959"/>
-                </a:solidFill>
-                <a:latin typeface="Arial" panose="020B0604020202020204" pitchFamily="34" charset="0"/>
-                <a:ea typeface="Microsoft YaHei" panose="020B0503020204020204" pitchFamily="34" charset="-122"/>
-              </a:defRPr>
-            </a:lvl3pPr>
-            <a:lvl4pPr marL="1600200" indent="-228600">
-              <a:lnSpc>
-                <a:spcPct val="120000"/>
-              </a:lnSpc>
-              <a:spcAft>
-                <a:spcPts val="300"/>
-              </a:spcAft>
-              <a:buFont typeface="Wingdings" pitchFamily="2" charset="2"/>
-              <a:buChar char=""/>
-              <a:defRPr sz="1400">
-                <a:solidFill>
-                  <a:srgbClr val="595959"/>
-                </a:solidFill>
-                <a:latin typeface="Arial" panose="020B0604020202020204" pitchFamily="34" charset="0"/>
-                <a:ea typeface="Microsoft YaHei" panose="020B0503020204020204" pitchFamily="34" charset="-122"/>
-              </a:defRPr>
-            </a:lvl4pPr>
-            <a:lvl5pPr marL="2057400" indent="-228600">
-              <a:lnSpc>
-                <a:spcPct val="120000"/>
-              </a:lnSpc>
-              <a:spcAft>
-                <a:spcPts val="300"/>
-              </a:spcAft>
-              <a:buFont typeface="Arial" panose="020B0604020202020204" pitchFamily="34" charset="0"/>
-              <a:buChar char="•"/>
-              <a:defRPr sz="1400">
-                <a:solidFill>
-                  <a:srgbClr val="595959"/>
-                </a:solidFill>
-                <a:latin typeface="Arial" panose="020B0604020202020204" pitchFamily="34" charset="0"/>
-                <a:ea typeface="Microsoft YaHei" panose="020B0503020204020204" pitchFamily="34" charset="-122"/>
-              </a:defRPr>
-            </a:lvl5pPr>
-            <a:lvl6pPr marL="2514600" indent="-228600" eaLnBrk="0" fontAlgn="base" hangingPunct="0">
-              <a:lnSpc>
-                <a:spcPct val="120000"/>
-              </a:lnSpc>
-              <a:spcBef>
-                <a:spcPct val="0"/>
-              </a:spcBef>
-              <a:spcAft>
-                <a:spcPts val="300"/>
-              </a:spcAft>
-              <a:buFont typeface="Arial" panose="020B0604020202020204" pitchFamily="34" charset="0"/>
-              <a:buChar char="•"/>
-              <a:defRPr sz="1400">
-                <a:solidFill>
-                  <a:srgbClr val="595959"/>
-                </a:solidFill>
-                <a:latin typeface="Arial" panose="020B0604020202020204" pitchFamily="34" charset="0"/>
-                <a:ea typeface="Microsoft YaHei" panose="020B0503020204020204" pitchFamily="34" charset="-122"/>
-              </a:defRPr>
-            </a:lvl6pPr>
-            <a:lvl7pPr marL="2971800" indent="-228600" eaLnBrk="0" fontAlgn="base" hangingPunct="0">
-              <a:lnSpc>
-                <a:spcPct val="120000"/>
-              </a:lnSpc>
-              <a:spcBef>
-                <a:spcPct val="0"/>
-              </a:spcBef>
-              <a:spcAft>
-                <a:spcPts val="300"/>
-              </a:spcAft>
-              <a:buFont typeface="Arial" panose="020B0604020202020204" pitchFamily="34" charset="0"/>
-              <a:buChar char="•"/>
-              <a:defRPr sz="1400">
-                <a:solidFill>
-                  <a:srgbClr val="595959"/>
-                </a:solidFill>
-                <a:latin typeface="Arial" panose="020B0604020202020204" pitchFamily="34" charset="0"/>
-                <a:ea typeface="Microsoft YaHei" panose="020B0503020204020204" pitchFamily="34" charset="-122"/>
-              </a:defRPr>
-            </a:lvl7pPr>
-            <a:lvl8pPr marL="3429000" indent="-228600" eaLnBrk="0" fontAlgn="base" hangingPunct="0">
-              <a:lnSpc>
-                <a:spcPct val="120000"/>
-              </a:lnSpc>
-              <a:spcBef>
-                <a:spcPct val="0"/>
-              </a:spcBef>
-              <a:spcAft>
-                <a:spcPts val="300"/>
-              </a:spcAft>
-              <a:buFont typeface="Arial" panose="020B0604020202020204" pitchFamily="34" charset="0"/>
-              <a:buChar char="•"/>
-              <a:defRPr sz="1400">
-                <a:solidFill>
-                  <a:srgbClr val="595959"/>
-                </a:solidFill>
-                <a:latin typeface="Arial" panose="020B0604020202020204" pitchFamily="34" charset="0"/>
-                <a:ea typeface="Microsoft YaHei" panose="020B0503020204020204" pitchFamily="34" charset="-122"/>
-              </a:defRPr>
-            </a:lvl8pPr>
-            <a:lvl9pPr marL="3886200" indent="-228600" eaLnBrk="0" fontAlgn="base" hangingPunct="0">
-              <a:lnSpc>
-                <a:spcPct val="120000"/>
-              </a:lnSpc>
-              <a:spcBef>
-                <a:spcPct val="0"/>
-              </a:spcBef>
-              <a:spcAft>
-                <a:spcPts val="300"/>
-              </a:spcAft>
-              <a:buFont typeface="Arial" panose="020B0604020202020204" pitchFamily="34" charset="0"/>
-              <a:buChar char="•"/>
-              <a:defRPr sz="1400">
-                <a:solidFill>
-                  <a:srgbClr val="595959"/>
-                </a:solidFill>
-                <a:latin typeface="Arial" panose="020B0604020202020204" pitchFamily="34" charset="0"/>
-                <a:ea typeface="Microsoft YaHei" panose="020B0503020204020204" pitchFamily="34" charset="-122"/>
-              </a:defRPr>
-            </a:lvl9pPr>
-          </a:lstStyle>
-          <a:p>
-            <a:pPr marL="342900" indent="-342900" algn="just">
-              <a:lnSpc>
-                <a:spcPct val="110000"/>
-              </a:lnSpc>
-              <a:buClr>
-                <a:srgbClr val="595959"/>
-              </a:buClr>
-              <a:buAutoNum type="arabicPeriod"/>
-              <a:defRPr/>
-            </a:pPr>
             <a:endParaRPr lang="en-US" altLang="ko-KR" dirty="0">
               <a:cs typeface="Arial" panose="020B0604020202020204" pitchFamily="34" charset="0"/>
             </a:endParaRPr>
@@ -15337,7 +13952,7 @@
 </p:sld>
 </file>
 
-<file path=ppt/slides/slide17.xml><?xml version="1.0" encoding="utf-8"?>
+<file path=ppt/slides/slide16.xml><?xml version="1.0" encoding="utf-8"?>
 <p:sld xmlns:a="http://schemas.openxmlformats.org/drawingml/2006/main" xmlns:r="http://schemas.openxmlformats.org/officeDocument/2006/relationships" xmlns:p="http://schemas.openxmlformats.org/presentationml/2006/main">
   <p:cSld>
     <p:spTree>
@@ -22504,13 +21119,22 @@
               <a:buNone/>
             </a:pPr>
             <a:r>
+              <a:rPr lang="en-US" altLang="ko-KR" sz="2000" b="1" dirty="0">
+                <a:solidFill>
+                  <a:srgbClr val="FFFFFF"/>
+                </a:solidFill>
+                <a:cs typeface="Arial" panose="020B0604020202020204" pitchFamily="34" charset="0"/>
+              </a:rPr>
+              <a:t>2.</a:t>
+            </a:r>
+            <a:r>
               <a:rPr lang="ko-KR" altLang="en-US" sz="2000" b="1" dirty="0">
                 <a:solidFill>
                   <a:srgbClr val="FFFFFF"/>
                 </a:solidFill>
                 <a:cs typeface="Arial" panose="020B0604020202020204" pitchFamily="34" charset="0"/>
               </a:rPr>
-              <a:t>1</a:t>
+              <a:t> </a:t>
             </a:r>
             <a:r>
               <a:rPr lang="en-US" altLang="ko-KR" sz="2000" b="1" dirty="0">
@@ -22519,7 +21143,7 @@
                 </a:solidFill>
                 <a:cs typeface="Arial" panose="020B0604020202020204" pitchFamily="34" charset="0"/>
               </a:rPr>
-              <a:t>. </a:t>
+              <a:t>LSTM </a:t>
             </a:r>
             <a:r>
               <a:rPr lang="ko-KR" altLang="en-US" sz="2000" b="1" dirty="0">
@@ -22528,25 +21152,7 @@
                 </a:solidFill>
                 <a:cs typeface="Arial" panose="020B0604020202020204" pitchFamily="34" charset="0"/>
               </a:rPr>
-              <a:t>시계열 데이터에 대해 학습</a:t>
-            </a:r>
-            <a:r>
-              <a:rPr lang="en-US" altLang="ko-KR" sz="2000" b="1" dirty="0">
-                <a:solidFill>
-                  <a:srgbClr val="FFFFFF"/>
-                </a:solidFill>
-                <a:cs typeface="Arial" panose="020B0604020202020204" pitchFamily="34" charset="0"/>
-              </a:rPr>
-              <a:t>/</a:t>
-            </a:r>
-            <a:r>
-              <a:rPr lang="ko-KR" altLang="en-US" sz="2000" b="1" dirty="0">
-                <a:solidFill>
-                  <a:srgbClr val="FFFFFF"/>
-                </a:solidFill>
-                <a:cs typeface="Arial" panose="020B0604020202020204" pitchFamily="34" charset="0"/>
-              </a:rPr>
-              <a:t>검증 분할 방법</a:t>
+              <a:t>모델 학습 결과</a:t>
             </a:r>
           </a:p>
         </p:txBody>
@@ -23131,7 +21737,7 @@
               <a:rPr lang="en-US" altLang="ko-KR" dirty="0">
                 <a:cs typeface="Arial" panose="020B0604020202020204" pitchFamily="34" charset="0"/>
               </a:rPr>
-              <a:t>N_SPLITS = 5</a:t>
+              <a:t>EPOCHS = 25</a:t>
             </a:r>
           </a:p>
           <a:p>
@@ -23146,17 +21752,53 @@
               <a:defRPr/>
             </a:pPr>
             <a:r>
+              <a:rPr lang="en-US" altLang="ko-KR" dirty="0">
+                <a:cs typeface="Arial" panose="020B0604020202020204" pitchFamily="34" charset="0"/>
+              </a:rPr>
+              <a:t>criterion = </a:t>
+            </a:r>
+            <a:r>
               <a:rPr lang="en-US" altLang="ko-KR" dirty="0" err="1">
                 <a:cs typeface="Arial" panose="020B0604020202020204" pitchFamily="34" charset="0"/>
               </a:rPr>
-              <a:t>train_ratio</a:t>
+              <a:t>nn.MSELoss</a:t>
             </a:r>
             <a:r>
               <a:rPr lang="en-US" altLang="ko-KR" dirty="0">
                 <a:cs typeface="Arial" panose="020B0604020202020204" pitchFamily="34" charset="0"/>
               </a:rPr>
-              <a:t> = 0.8</a:t>
-            </a:r>
+              <a:t>()</a:t>
+            </a:r>
+          </a:p>
+          <a:p>
+            <a:pPr marL="342900" indent="-342900" algn="just">
+              <a:lnSpc>
+                <a:spcPct val="110000"/>
+              </a:lnSpc>
+              <a:buClr>
+                <a:srgbClr val="595959"/>
+              </a:buClr>
+              <a:buFont typeface="Arial" panose="020B0604020202020204" pitchFamily="34" charset="0"/>
+              <a:buAutoNum type="arabicPeriod"/>
+              <a:defRPr/>
+            </a:pPr>
+            <a:r>
+              <a:rPr lang="en-US" altLang="ko-KR" dirty="0">
+                <a:cs typeface="Arial" panose="020B0604020202020204" pitchFamily="34" charset="0"/>
+              </a:rPr>
+              <a:t>optimizer = </a:t>
+            </a:r>
+            <a:r>
+              <a:rPr lang="en-US" altLang="ko-KR" dirty="0" err="1"/>
+              <a:t>torch.optim.Adam</a:t>
+            </a:r>
+            <a:r>
+              <a:rPr lang="en-US" altLang="ko-KR" dirty="0"/>
+              <a:t>()</a:t>
+            </a:r>
+            <a:endParaRPr lang="en-US" altLang="ko-KR" dirty="0">
+              <a:cs typeface="Arial" panose="020B0604020202020204" pitchFamily="34" charset="0"/>
+            </a:endParaRPr>
           </a:p>
           <a:p>
             <a:pPr marL="342900" indent="-342900" algn="just">
@@ -23169,48 +21811,30 @@
               <a:buAutoNum type="arabicPeriod"/>
               <a:defRPr/>
             </a:pPr>
+            <a:endParaRPr lang="en-US" altLang="ko-KR" dirty="0">
+              <a:cs typeface="Arial" panose="020B0604020202020204" pitchFamily="34" charset="0"/>
+            </a:endParaRPr>
+          </a:p>
+          <a:p>
+            <a:pPr algn="just">
+              <a:lnSpc>
+                <a:spcPct val="110000"/>
+              </a:lnSpc>
+              <a:buClr>
+                <a:srgbClr val="595959"/>
+              </a:buClr>
+              <a:buNone/>
+              <a:defRPr/>
+            </a:pPr>
             <a:r>
               <a:rPr lang="en-US" altLang="ko-KR" dirty="0">
                 <a:cs typeface="Arial" panose="020B0604020202020204" pitchFamily="34" charset="0"/>
               </a:rPr>
-              <a:t>120 </a:t>
-            </a:r>
-            <a:r>
-              <a:rPr lang="ko-KR" altLang="en-US" dirty="0">
-                <a:cs typeface="Arial" panose="020B0604020202020204" pitchFamily="34" charset="0"/>
-              </a:rPr>
-              <a:t>길이의 </a:t>
-            </a:r>
-            <a:r>
-              <a:rPr lang="en-US" altLang="ko-KR" dirty="0">
-                <a:cs typeface="Arial" panose="020B0604020202020204" pitchFamily="34" charset="0"/>
-              </a:rPr>
-              <a:t>5</a:t>
-            </a:r>
-            <a:r>
-              <a:rPr lang="ko-KR" altLang="en-US" dirty="0">
-                <a:cs typeface="Arial" panose="020B0604020202020204" pitchFamily="34" charset="0"/>
-              </a:rPr>
-              <a:t>차원 데이터를 </a:t>
-            </a:r>
-            <a:r>
-              <a:rPr lang="en-US" altLang="ko-KR" dirty="0">
-                <a:cs typeface="Arial" panose="020B0604020202020204" pitchFamily="34" charset="0"/>
-              </a:rPr>
-              <a:t>N_SPLITS</a:t>
-            </a:r>
-            <a:r>
-              <a:rPr lang="ko-KR" altLang="en-US" dirty="0">
-                <a:cs typeface="Arial" panose="020B0604020202020204" pitchFamily="34" charset="0"/>
-              </a:rPr>
-              <a:t> 값에 따라 구간을 나눔</a:t>
-            </a:r>
-            <a:endParaRPr lang="en-US" altLang="ko-KR" dirty="0">
-              <a:cs typeface="Arial" panose="020B0604020202020204" pitchFamily="34" charset="0"/>
-            </a:endParaRPr>
-          </a:p>
-          <a:p>
-            <a:pPr marL="342900" indent="-342900" algn="just">
+              <a:t>	</a:t>
+            </a:r>
+          </a:p>
+          <a:p>
+            <a:pPr marL="1085850" lvl="1" indent="-342900" algn="just">
               <a:lnSpc>
                 <a:spcPct val="110000"/>
               </a:lnSpc>
@@ -23220,222 +21844,6 @@
               <a:buAutoNum type="arabicPeriod"/>
               <a:defRPr/>
             </a:pPr>
-            <a:r>
-              <a:rPr lang="ko-KR" altLang="en-US" dirty="0">
-                <a:cs typeface="Arial" panose="020B0604020202020204" pitchFamily="34" charset="0"/>
-              </a:rPr>
-              <a:t>각 구간에 대해 </a:t>
-            </a:r>
-            <a:r>
-              <a:rPr lang="en-US" altLang="ko-KR" dirty="0" err="1">
-                <a:cs typeface="Arial" panose="020B0604020202020204" pitchFamily="34" charset="0"/>
-              </a:rPr>
-              <a:t>train_ratio</a:t>
-            </a:r>
-            <a:r>
-              <a:rPr lang="en-US" altLang="ko-KR" dirty="0">
-                <a:cs typeface="Arial" panose="020B0604020202020204" pitchFamily="34" charset="0"/>
-              </a:rPr>
-              <a:t> </a:t>
-            </a:r>
-            <a:r>
-              <a:rPr lang="ko-KR" altLang="en-US" dirty="0">
-                <a:cs typeface="Arial" panose="020B0604020202020204" pitchFamily="34" charset="0"/>
-              </a:rPr>
-              <a:t>값을 기준으로 학습</a:t>
-            </a:r>
-            <a:r>
-              <a:rPr lang="en-US" altLang="ko-KR" dirty="0">
-                <a:cs typeface="Arial" panose="020B0604020202020204" pitchFamily="34" charset="0"/>
-              </a:rPr>
-              <a:t>/</a:t>
-            </a:r>
-            <a:r>
-              <a:rPr lang="ko-KR" altLang="en-US" dirty="0">
-                <a:cs typeface="Arial" panose="020B0604020202020204" pitchFamily="34" charset="0"/>
-              </a:rPr>
-              <a:t>검증 데이터셋을 분할</a:t>
-            </a:r>
-            <a:endParaRPr lang="en-US" altLang="ko-KR" dirty="0">
-              <a:cs typeface="Arial" panose="020B0604020202020204" pitchFamily="34" charset="0"/>
-            </a:endParaRPr>
-          </a:p>
-          <a:p>
-            <a:pPr marL="342900" indent="-342900" algn="just">
-              <a:lnSpc>
-                <a:spcPct val="110000"/>
-              </a:lnSpc>
-              <a:buClr>
-                <a:srgbClr val="595959"/>
-              </a:buClr>
-              <a:buAutoNum type="arabicPeriod"/>
-              <a:defRPr/>
-            </a:pPr>
-            <a:r>
-              <a:rPr lang="ko-KR" altLang="en-US" dirty="0">
-                <a:cs typeface="Arial" panose="020B0604020202020204" pitchFamily="34" charset="0"/>
-              </a:rPr>
-              <a:t>이후 각 </a:t>
-            </a:r>
-            <a:r>
-              <a:rPr lang="en-US" altLang="ko-KR" dirty="0">
-                <a:cs typeface="Arial" panose="020B0604020202020204" pitchFamily="34" charset="0"/>
-              </a:rPr>
-              <a:t>feature</a:t>
-            </a:r>
-            <a:r>
-              <a:rPr lang="ko-KR" altLang="en-US" dirty="0">
-                <a:cs typeface="Arial" panose="020B0604020202020204" pitchFamily="34" charset="0"/>
-              </a:rPr>
-              <a:t>에 대한 평균과 표준편차로 </a:t>
-            </a:r>
-            <a:r>
-              <a:rPr lang="ko-KR" altLang="en-US" dirty="0" err="1">
-                <a:cs typeface="Arial" panose="020B0604020202020204" pitchFamily="34" charset="0"/>
-              </a:rPr>
-              <a:t>정규화하였음</a:t>
-            </a:r>
-            <a:endParaRPr lang="en-US" altLang="ko-KR" dirty="0">
-              <a:cs typeface="Arial" panose="020B0604020202020204" pitchFamily="34" charset="0"/>
-            </a:endParaRPr>
-          </a:p>
-          <a:p>
-            <a:pPr marL="342900" indent="-342900" algn="just">
-              <a:lnSpc>
-                <a:spcPct val="110000"/>
-              </a:lnSpc>
-              <a:buClr>
-                <a:srgbClr val="595959"/>
-              </a:buClr>
-              <a:buAutoNum type="arabicPeriod"/>
-              <a:defRPr/>
-            </a:pPr>
-            <a:endParaRPr lang="en-US" altLang="ko-KR" dirty="0">
-              <a:cs typeface="Arial" panose="020B0604020202020204" pitchFamily="34" charset="0"/>
-            </a:endParaRPr>
-          </a:p>
-          <a:p>
-            <a:pPr marL="342900" indent="-342900" algn="just">
-              <a:lnSpc>
-                <a:spcPct val="110000"/>
-              </a:lnSpc>
-              <a:buClr>
-                <a:srgbClr val="595959"/>
-              </a:buClr>
-              <a:buAutoNum type="arabicPeriod"/>
-              <a:defRPr/>
-            </a:pPr>
-            <a:endParaRPr lang="en-US" altLang="ko-KR" dirty="0">
-              <a:cs typeface="Arial" panose="020B0604020202020204" pitchFamily="34" charset="0"/>
-            </a:endParaRPr>
-          </a:p>
-          <a:p>
-            <a:pPr marL="342900" indent="-342900" algn="just">
-              <a:lnSpc>
-                <a:spcPct val="110000"/>
-              </a:lnSpc>
-              <a:buClr>
-                <a:srgbClr val="595959"/>
-              </a:buClr>
-              <a:buAutoNum type="arabicPeriod"/>
-              <a:defRPr/>
-            </a:pPr>
-            <a:endParaRPr lang="en-US" altLang="ko-KR" dirty="0">
-              <a:cs typeface="Arial" panose="020B0604020202020204" pitchFamily="34" charset="0"/>
-            </a:endParaRPr>
-          </a:p>
-          <a:p>
-            <a:pPr marL="342900" indent="-342900" algn="just">
-              <a:lnSpc>
-                <a:spcPct val="110000"/>
-              </a:lnSpc>
-              <a:buClr>
-                <a:srgbClr val="595959"/>
-              </a:buClr>
-              <a:buAutoNum type="arabicPeriod"/>
-              <a:defRPr/>
-            </a:pPr>
-            <a:r>
-              <a:rPr lang="ko-KR" altLang="en-US" dirty="0">
-                <a:cs typeface="Arial" panose="020B0604020202020204" pitchFamily="34" charset="0"/>
-              </a:rPr>
-              <a:t>이후 학습에 사용될 </a:t>
-            </a:r>
-            <a:r>
-              <a:rPr lang="en-US" altLang="ko-KR" dirty="0">
-                <a:cs typeface="Arial" panose="020B0604020202020204" pitchFamily="34" charset="0"/>
-              </a:rPr>
-              <a:t>LSTM </a:t>
-            </a:r>
-            <a:r>
-              <a:rPr lang="ko-KR" altLang="en-US" dirty="0">
-                <a:cs typeface="Arial" panose="020B0604020202020204" pitchFamily="34" charset="0"/>
-              </a:rPr>
-              <a:t>모델 구현</a:t>
-            </a:r>
-            <a:endParaRPr lang="en-US" altLang="ko-KR" dirty="0">
-              <a:cs typeface="Arial" panose="020B0604020202020204" pitchFamily="34" charset="0"/>
-            </a:endParaRPr>
-          </a:p>
-          <a:p>
-            <a:pPr marL="342900" indent="-342900" algn="just">
-              <a:lnSpc>
-                <a:spcPct val="110000"/>
-              </a:lnSpc>
-              <a:buClr>
-                <a:srgbClr val="595959"/>
-              </a:buClr>
-              <a:buAutoNum type="arabicPeriod"/>
-              <a:defRPr/>
-            </a:pPr>
-            <a:endParaRPr lang="en-US" altLang="ko-KR" dirty="0">
-              <a:cs typeface="Arial" panose="020B0604020202020204" pitchFamily="34" charset="0"/>
-            </a:endParaRPr>
-          </a:p>
-          <a:p>
-            <a:pPr marL="342900" indent="-342900" algn="just">
-              <a:lnSpc>
-                <a:spcPct val="110000"/>
-              </a:lnSpc>
-              <a:buClr>
-                <a:srgbClr val="595959"/>
-              </a:buClr>
-              <a:buAutoNum type="arabicPeriod"/>
-              <a:defRPr/>
-            </a:pPr>
-            <a:endParaRPr lang="en-US" altLang="ko-KR" dirty="0">
-              <a:cs typeface="Arial" panose="020B0604020202020204" pitchFamily="34" charset="0"/>
-            </a:endParaRPr>
-          </a:p>
-          <a:p>
-            <a:pPr algn="just">
-              <a:lnSpc>
-                <a:spcPct val="110000"/>
-              </a:lnSpc>
-              <a:buClr>
-                <a:srgbClr val="595959"/>
-              </a:buClr>
-              <a:buNone/>
-              <a:defRPr/>
-            </a:pPr>
-            <a:r>
-              <a:rPr lang="en-US" altLang="ko-KR" dirty="0">
-                <a:cs typeface="Arial" panose="020B0604020202020204" pitchFamily="34" charset="0"/>
-              </a:rPr>
-              <a:t>	</a:t>
-            </a:r>
-          </a:p>
-          <a:p>
-            <a:pPr marL="1085850" lvl="1" indent="-342900" algn="just">
-              <a:lnSpc>
-                <a:spcPct val="110000"/>
-              </a:lnSpc>
-              <a:buClr>
-                <a:srgbClr val="595959"/>
-              </a:buClr>
-              <a:buAutoNum type="arabicPeriod"/>
-              <a:defRPr/>
-            </a:pPr>
             <a:endParaRPr lang="en-US" altLang="ko-KR" dirty="0">
               <a:cs typeface="Arial" panose="020B0604020202020204" pitchFamily="34" charset="0"/>
             </a:endParaRPr>
@@ -23546,10 +21954,10 @@
       </p:sp>
       <p:pic>
         <p:nvPicPr>
-          <p:cNvPr id="3" name="그림 2">
+          <p:cNvPr id="2" name="그림 1">
             <a:extLst>
               <a:ext uri="{FF2B5EF4-FFF2-40B4-BE49-F238E27FC236}">
-                <a16:creationId xmlns:a16="http://schemas.microsoft.com/office/drawing/2014/main" id="{F6A6359E-0592-40B9-948B-9C65B80C5E6E}"/>
+                <a16:creationId xmlns:a16="http://schemas.microsoft.com/office/drawing/2014/main" id="{D0A6742A-AA03-4558-9EE8-DCEB8E9B5150}"/>
               </a:ext>
             </a:extLst>
           </p:cNvPr>
@@ -23566,38 +21974,8 @@
         </p:blipFill>
         <p:spPr>
           <a:xfrm>
-            <a:off x="681303" y="3018944"/>
-            <a:ext cx="6697010" cy="1028844"/>
-          </a:xfrm>
-          <a:prstGeom prst="rect">
-            <a:avLst/>
-          </a:prstGeom>
-        </p:spPr>
-      </p:pic>
-      <p:pic>
-        <p:nvPicPr>
-          <p:cNvPr id="4" name="그림 3">
-            <a:extLst>
-              <a:ext uri="{FF2B5EF4-FFF2-40B4-BE49-F238E27FC236}">
-                <a16:creationId xmlns:a16="http://schemas.microsoft.com/office/drawing/2014/main" id="{60CB3D22-07B5-4CFB-ABF9-E450EA7D6F39}"/>
-              </a:ext>
-            </a:extLst>
-          </p:cNvPr>
-          <p:cNvPicPr>
-            <a:picLocks noChangeAspect="1"/>
-          </p:cNvPicPr>
-          <p:nvPr/>
-        </p:nvPicPr>
-        <p:blipFill>
-          <a:blip r:embed="rId5"/>
-          <a:stretch>
-            <a:fillRect/>
-          </a:stretch>
-        </p:blipFill>
-        <p:spPr>
-          <a:xfrm>
-            <a:off x="681303" y="4690627"/>
-            <a:ext cx="6020640" cy="895475"/>
+            <a:off x="2397377" y="2382715"/>
+            <a:ext cx="6581775" cy="3724275"/>
           </a:xfrm>
           <a:prstGeom prst="rect">
             <a:avLst/>
@@ -23607,7 +21985,7 @@
     </p:spTree>
     <p:extLst>
       <p:ext uri="{BB962C8B-B14F-4D97-AF65-F5344CB8AC3E}">
-        <p14:creationId xmlns:p14="http://schemas.microsoft.com/office/powerpoint/2010/main" val="3012653620"/>
+        <p14:creationId xmlns:p14="http://schemas.microsoft.com/office/powerpoint/2010/main" val="2077606651"/>
       </p:ext>
     </p:extLst>
   </p:cSld>
@@ -24473,10 +22851,16 @@
               <a:defRPr/>
             </a:pPr>
             <a:r>
+              <a:rPr lang="ko-KR" altLang="en-US" dirty="0">
+                <a:cs typeface="Arial" panose="020B0604020202020204" pitchFamily="34" charset="0"/>
+              </a:rPr>
+              <a:t>검증 </a:t>
+            </a:r>
+            <a:r>
               <a:rPr lang="en-US" altLang="ko-KR" dirty="0">
                 <a:cs typeface="Arial" panose="020B0604020202020204" pitchFamily="34" charset="0"/>
               </a:rPr>
-              <a:t>EPOCHS = 25</a:t>
+              <a:t>MAE : 0.016</a:t>
             </a:r>
           </a:p>
           <a:p>
@@ -24491,53 +22875,17 @@
               <a:defRPr/>
             </a:pPr>
             <a:r>
+              <a:rPr lang="ko-KR" altLang="en-US" dirty="0">
+                <a:cs typeface="Arial" panose="020B0604020202020204" pitchFamily="34" charset="0"/>
+              </a:rPr>
+              <a:t>검증 </a:t>
+            </a:r>
+            <a:r>
               <a:rPr lang="en-US" altLang="ko-KR" dirty="0">
                 <a:cs typeface="Arial" panose="020B0604020202020204" pitchFamily="34" charset="0"/>
               </a:rPr>
-              <a:t>criterion = </a:t>
-            </a:r>
-            <a:r>
-              <a:rPr lang="en-US" altLang="ko-KR" dirty="0" err="1">
-                <a:cs typeface="Arial" panose="020B0604020202020204" pitchFamily="34" charset="0"/>
-              </a:rPr>
-              <a:t>nn.MSELoss</a:t>
-            </a:r>
-            <a:r>
-              <a:rPr lang="en-US" altLang="ko-KR" dirty="0">
-                <a:cs typeface="Arial" panose="020B0604020202020204" pitchFamily="34" charset="0"/>
-              </a:rPr>
-              <a:t>()</a:t>
-            </a:r>
-          </a:p>
-          <a:p>
-            <a:pPr marL="342900" indent="-342900" algn="just">
-              <a:lnSpc>
-                <a:spcPct val="110000"/>
-              </a:lnSpc>
-              <a:buClr>
-                <a:srgbClr val="595959"/>
-              </a:buClr>
-              <a:buFont typeface="Arial" panose="020B0604020202020204" pitchFamily="34" charset="0"/>
-              <a:buAutoNum type="arabicPeriod"/>
-              <a:defRPr/>
-            </a:pPr>
-            <a:r>
-              <a:rPr lang="en-US" altLang="ko-KR" dirty="0">
-                <a:cs typeface="Arial" panose="020B0604020202020204" pitchFamily="34" charset="0"/>
-              </a:rPr>
-              <a:t>optimizer = </a:t>
-            </a:r>
-            <a:r>
-              <a:rPr lang="en-US" altLang="ko-KR" dirty="0" err="1"/>
-              <a:t>torch.optim.Adam</a:t>
-            </a:r>
-            <a:r>
-              <a:rPr lang="en-US" altLang="ko-KR" dirty="0"/>
-              <a:t>()</a:t>
-            </a:r>
-            <a:endParaRPr lang="en-US" altLang="ko-KR" dirty="0">
-              <a:cs typeface="Arial" panose="020B0604020202020204" pitchFamily="34" charset="0"/>
-            </a:endParaRPr>
+              <a:t>RMSE : 0.019</a:t>
+            </a:r>
           </a:p>
           <a:p>
             <a:pPr marL="342900" indent="-342900" algn="just">
@@ -24555,25 +22903,7 @@
             </a:endParaRPr>
           </a:p>
           <a:p>
-            <a:pPr algn="just">
-              <a:lnSpc>
-                <a:spcPct val="110000"/>
-              </a:lnSpc>
-              <a:buClr>
-                <a:srgbClr val="595959"/>
-              </a:buClr>
-              <a:buNone/>
-              <a:defRPr/>
-            </a:pPr>
-            <a:r>
-              <a:rPr lang="en-US" altLang="ko-KR" dirty="0">
-                <a:cs typeface="Arial" panose="020B0604020202020204" pitchFamily="34" charset="0"/>
-              </a:rPr>
-              <a:t>	</a:t>
-            </a:r>
-          </a:p>
-          <a:p>
-            <a:pPr marL="1085850" lvl="1" indent="-342900" algn="just">
+            <a:pPr marL="342900" indent="-342900" algn="just">
               <a:lnSpc>
                 <a:spcPct val="110000"/>
               </a:lnSpc>
@@ -24588,997 +22918,6 @@
             </a:endParaRPr>
           </a:p>
           <a:p>
-            <a:pPr algn="just">
-              <a:lnSpc>
-                <a:spcPct val="110000"/>
-              </a:lnSpc>
-              <a:buNone/>
-              <a:defRPr/>
-            </a:pPr>
-            <a:r>
-              <a:rPr lang="ko-KR" altLang="en-US" dirty="0">
-                <a:cs typeface="Arial" panose="020B0604020202020204" pitchFamily="34" charset="0"/>
-              </a:rPr>
-              <a:t>  </a:t>
-            </a:r>
-            <a:endParaRPr lang="en-US" altLang="ko-KR" sz="1600" dirty="0">
-              <a:cs typeface="Arial" panose="020B0604020202020204" pitchFamily="34" charset="0"/>
-            </a:endParaRPr>
-          </a:p>
-          <a:p>
-            <a:pPr algn="just">
-              <a:lnSpc>
-                <a:spcPct val="110000"/>
-              </a:lnSpc>
-              <a:buFontTx/>
-              <a:buNone/>
-              <a:defRPr/>
-            </a:pPr>
-            <a:endParaRPr lang="ko-KR" altLang="en-US" sz="1600" dirty="0">
-              <a:cs typeface="Arial" panose="020B0604020202020204" pitchFamily="34" charset="0"/>
-            </a:endParaRPr>
-          </a:p>
-          <a:p>
-            <a:pPr algn="just">
-              <a:lnSpc>
-                <a:spcPct val="110000"/>
-              </a:lnSpc>
-              <a:buFontTx/>
-              <a:buNone/>
-              <a:defRPr/>
-            </a:pPr>
-            <a:endParaRPr lang="ko-KR" altLang="en-US" sz="1600" dirty="0">
-              <a:cs typeface="Arial" panose="020B0604020202020204" pitchFamily="34" charset="0"/>
-            </a:endParaRPr>
-          </a:p>
-          <a:p>
-            <a:pPr algn="just">
-              <a:lnSpc>
-                <a:spcPct val="110000"/>
-              </a:lnSpc>
-              <a:buFontTx/>
-              <a:buNone/>
-              <a:defRPr/>
-            </a:pPr>
-            <a:endParaRPr lang="ko-KR" altLang="en-US" sz="1600" dirty="0">
-              <a:cs typeface="Arial" panose="020B0604020202020204" pitchFamily="34" charset="0"/>
-            </a:endParaRPr>
-          </a:p>
-          <a:p>
-            <a:pPr algn="just">
-              <a:lnSpc>
-                <a:spcPct val="110000"/>
-              </a:lnSpc>
-              <a:buFontTx/>
-              <a:buNone/>
-              <a:defRPr/>
-            </a:pPr>
-            <a:endParaRPr lang="ko-KR" altLang="en-US" sz="1600" dirty="0">
-              <a:cs typeface="Arial" panose="020B0604020202020204" pitchFamily="34" charset="0"/>
-            </a:endParaRPr>
-          </a:p>
-          <a:p>
-            <a:pPr algn="just">
-              <a:lnSpc>
-                <a:spcPct val="110000"/>
-              </a:lnSpc>
-              <a:buFontTx/>
-              <a:buNone/>
-              <a:defRPr/>
-            </a:pPr>
-            <a:endParaRPr lang="ko-KR" altLang="en-US" sz="1600" dirty="0">
-              <a:cs typeface="Arial" panose="020B0604020202020204" pitchFamily="34" charset="0"/>
-            </a:endParaRPr>
-          </a:p>
-          <a:p>
-            <a:pPr algn="just">
-              <a:lnSpc>
-                <a:spcPct val="120000"/>
-              </a:lnSpc>
-              <a:spcAft>
-                <a:spcPts val="600"/>
-              </a:spcAft>
-              <a:buFontTx/>
-              <a:buNone/>
-              <a:defRPr/>
-            </a:pPr>
-            <a:r>
-              <a:rPr lang="ko-KR" altLang="en-US" sz="1300" i="1" u="sng" dirty="0">
-                <a:cs typeface="Arial" panose="020B0604020202020204" pitchFamily="34" charset="0"/>
-              </a:rPr>
-              <a:t> </a:t>
-            </a:r>
-          </a:p>
-        </p:txBody>
-      </p:sp>
-      <p:pic>
-        <p:nvPicPr>
-          <p:cNvPr id="2" name="그림 1">
-            <a:extLst>
-              <a:ext uri="{FF2B5EF4-FFF2-40B4-BE49-F238E27FC236}">
-                <a16:creationId xmlns:a16="http://schemas.microsoft.com/office/drawing/2014/main" id="{D0A6742A-AA03-4558-9EE8-DCEB8E9B5150}"/>
-              </a:ext>
-            </a:extLst>
-          </p:cNvPr>
-          <p:cNvPicPr>
-            <a:picLocks noChangeAspect="1"/>
-          </p:cNvPicPr>
-          <p:nvPr/>
-        </p:nvPicPr>
-        <p:blipFill>
-          <a:blip r:embed="rId4"/>
-          <a:stretch>
-            <a:fillRect/>
-          </a:stretch>
-        </p:blipFill>
-        <p:spPr>
-          <a:xfrm>
-            <a:off x="2397377" y="2382715"/>
-            <a:ext cx="6581775" cy="3724275"/>
-          </a:xfrm>
-          <a:prstGeom prst="rect">
-            <a:avLst/>
-          </a:prstGeom>
-        </p:spPr>
-      </p:pic>
-    </p:spTree>
-    <p:extLst>
-      <p:ext uri="{BB962C8B-B14F-4D97-AF65-F5344CB8AC3E}">
-        <p14:creationId xmlns:p14="http://schemas.microsoft.com/office/powerpoint/2010/main" val="2077606651"/>
-      </p:ext>
-    </p:extLst>
-  </p:cSld>
-  <p:clrMapOvr>
-    <a:masterClrMapping/>
-  </p:clrMapOvr>
-</p:sld>
-</file>
-
-<file path=ppt/slides/slide8.xml><?xml version="1.0" encoding="utf-8"?>
-<p:sld xmlns:a="http://schemas.openxmlformats.org/drawingml/2006/main" xmlns:r="http://schemas.openxmlformats.org/officeDocument/2006/relationships" xmlns:p="http://schemas.openxmlformats.org/presentationml/2006/main">
-  <p:cSld>
-    <p:spTree>
-      <p:nvGrpSpPr>
-        <p:cNvPr id="1" name="">
-          <a:extLst>
-            <a:ext uri="{FF2B5EF4-FFF2-40B4-BE49-F238E27FC236}">
-              <a16:creationId xmlns:a16="http://schemas.microsoft.com/office/drawing/2014/main" id="{7F402414-83DC-8F43-F8D4-CEEA5C0E6762}"/>
-            </a:ext>
-          </a:extLst>
-        </p:cNvPr>
-        <p:cNvGrpSpPr/>
-        <p:nvPr/>
-      </p:nvGrpSpPr>
-      <p:grpSpPr>
-        <a:xfrm>
-          <a:off x="0" y="0"/>
-          <a:ext cx="0" cy="0"/>
-          <a:chOff x="0" y="0"/>
-          <a:chExt cx="0" cy="0"/>
-        </a:xfrm>
-      </p:grpSpPr>
-      <p:sp>
-        <p:nvSpPr>
-          <p:cNvPr id="16385" name="Rectangle 1">
-            <a:extLst>
-              <a:ext uri="{FF2B5EF4-FFF2-40B4-BE49-F238E27FC236}">
-                <a16:creationId xmlns:a16="http://schemas.microsoft.com/office/drawing/2014/main" id="{49B95735-3E31-0F0A-4250-FBC91A042BF7}"/>
-              </a:ext>
-            </a:extLst>
-          </p:cNvPr>
-          <p:cNvSpPr>
-            <a:spLocks noChangeArrowheads="1"/>
-          </p:cNvSpPr>
-          <p:nvPr/>
-        </p:nvSpPr>
-        <p:spPr bwMode="auto">
-          <a:xfrm>
-            <a:off x="0" y="0"/>
-            <a:ext cx="12192000" cy="671513"/>
-          </a:xfrm>
-          <a:prstGeom prst="rect">
-            <a:avLst/>
-          </a:prstGeom>
-          <a:solidFill>
-            <a:srgbClr val="204767"/>
-          </a:solidFill>
-          <a:ln w="12700">
-            <a:solidFill>
-              <a:srgbClr val="204767"/>
-            </a:solidFill>
-            <a:miter lim="800000"/>
-            <a:headEnd/>
-            <a:tailEnd/>
-          </a:ln>
-        </p:spPr>
-        <p:txBody>
-          <a:bodyPr anchor="ctr"/>
-          <a:lstStyle>
-            <a:lvl1pPr>
-              <a:lnSpc>
-                <a:spcPct val="130000"/>
-              </a:lnSpc>
-              <a:spcAft>
-                <a:spcPts val="1000"/>
-              </a:spcAft>
-              <a:buFont typeface="Arial" panose="020B0604020202020204" pitchFamily="34" charset="0"/>
-              <a:buChar char="●"/>
-              <a:defRPr>
-                <a:solidFill>
-                  <a:srgbClr val="595959"/>
-                </a:solidFill>
-                <a:latin typeface="Arial" panose="020B0604020202020204" pitchFamily="34" charset="0"/>
-                <a:ea typeface="Microsoft YaHei" panose="020B0503020204020204" pitchFamily="34" charset="-122"/>
-              </a:defRPr>
-            </a:lvl1pPr>
-            <a:lvl2pPr marL="742950" indent="-285750">
-              <a:lnSpc>
-                <a:spcPct val="120000"/>
-              </a:lnSpc>
-              <a:spcAft>
-                <a:spcPts val="600"/>
-              </a:spcAft>
-              <a:buFont typeface="Arial" panose="020B0604020202020204" pitchFamily="34" charset="0"/>
-              <a:buChar char="●"/>
-              <a:tabLst>
-                <a:tab pos="1609725" algn="l"/>
-              </a:tabLst>
-              <a:defRPr sz="1600">
-                <a:solidFill>
-                  <a:srgbClr val="595959"/>
-                </a:solidFill>
-                <a:latin typeface="Arial" panose="020B0604020202020204" pitchFamily="34" charset="0"/>
-                <a:ea typeface="Microsoft YaHei" panose="020B0503020204020204" pitchFamily="34" charset="-122"/>
-              </a:defRPr>
-            </a:lvl2pPr>
-            <a:lvl3pPr marL="1143000" indent="-228600">
-              <a:lnSpc>
-                <a:spcPct val="120000"/>
-              </a:lnSpc>
-              <a:spcAft>
-                <a:spcPts val="600"/>
-              </a:spcAft>
-              <a:buFont typeface="Arial" panose="020B0604020202020204" pitchFamily="34" charset="0"/>
-              <a:buChar char="●"/>
-              <a:defRPr sz="1600">
-                <a:solidFill>
-                  <a:srgbClr val="595959"/>
-                </a:solidFill>
-                <a:latin typeface="Arial" panose="020B0604020202020204" pitchFamily="34" charset="0"/>
-                <a:ea typeface="Microsoft YaHei" panose="020B0503020204020204" pitchFamily="34" charset="-122"/>
-              </a:defRPr>
-            </a:lvl3pPr>
-            <a:lvl4pPr marL="1600200" indent="-228600">
-              <a:lnSpc>
-                <a:spcPct val="120000"/>
-              </a:lnSpc>
-              <a:spcAft>
-                <a:spcPts val="300"/>
-              </a:spcAft>
-              <a:buFont typeface="Wingdings" pitchFamily="2" charset="2"/>
-              <a:buChar char=""/>
-              <a:defRPr sz="1400">
-                <a:solidFill>
-                  <a:srgbClr val="595959"/>
-                </a:solidFill>
-                <a:latin typeface="Arial" panose="020B0604020202020204" pitchFamily="34" charset="0"/>
-                <a:ea typeface="Microsoft YaHei" panose="020B0503020204020204" pitchFamily="34" charset="-122"/>
-              </a:defRPr>
-            </a:lvl4pPr>
-            <a:lvl5pPr marL="2057400" indent="-228600">
-              <a:lnSpc>
-                <a:spcPct val="120000"/>
-              </a:lnSpc>
-              <a:spcAft>
-                <a:spcPts val="300"/>
-              </a:spcAft>
-              <a:buFont typeface="Arial" panose="020B0604020202020204" pitchFamily="34" charset="0"/>
-              <a:buChar char="•"/>
-              <a:defRPr sz="1400">
-                <a:solidFill>
-                  <a:srgbClr val="595959"/>
-                </a:solidFill>
-                <a:latin typeface="Arial" panose="020B0604020202020204" pitchFamily="34" charset="0"/>
-                <a:ea typeface="Microsoft YaHei" panose="020B0503020204020204" pitchFamily="34" charset="-122"/>
-              </a:defRPr>
-            </a:lvl5pPr>
-            <a:lvl6pPr marL="2514600" indent="-228600" eaLnBrk="0" fontAlgn="base" hangingPunct="0">
-              <a:lnSpc>
-                <a:spcPct val="120000"/>
-              </a:lnSpc>
-              <a:spcBef>
-                <a:spcPct val="0"/>
-              </a:spcBef>
-              <a:spcAft>
-                <a:spcPts val="300"/>
-              </a:spcAft>
-              <a:buFont typeface="Arial" panose="020B0604020202020204" pitchFamily="34" charset="0"/>
-              <a:buChar char="•"/>
-              <a:defRPr sz="1400">
-                <a:solidFill>
-                  <a:srgbClr val="595959"/>
-                </a:solidFill>
-                <a:latin typeface="Arial" panose="020B0604020202020204" pitchFamily="34" charset="0"/>
-                <a:ea typeface="Microsoft YaHei" panose="020B0503020204020204" pitchFamily="34" charset="-122"/>
-              </a:defRPr>
-            </a:lvl6pPr>
-            <a:lvl7pPr marL="2971800" indent="-228600" eaLnBrk="0" fontAlgn="base" hangingPunct="0">
-              <a:lnSpc>
-                <a:spcPct val="120000"/>
-              </a:lnSpc>
-              <a:spcBef>
-                <a:spcPct val="0"/>
-              </a:spcBef>
-              <a:spcAft>
-                <a:spcPts val="300"/>
-              </a:spcAft>
-              <a:buFont typeface="Arial" panose="020B0604020202020204" pitchFamily="34" charset="0"/>
-              <a:buChar char="•"/>
-              <a:defRPr sz="1400">
-                <a:solidFill>
-                  <a:srgbClr val="595959"/>
-                </a:solidFill>
-                <a:latin typeface="Arial" panose="020B0604020202020204" pitchFamily="34" charset="0"/>
-                <a:ea typeface="Microsoft YaHei" panose="020B0503020204020204" pitchFamily="34" charset="-122"/>
-              </a:defRPr>
-            </a:lvl7pPr>
-            <a:lvl8pPr marL="3429000" indent="-228600" eaLnBrk="0" fontAlgn="base" hangingPunct="0">
-              <a:lnSpc>
-                <a:spcPct val="120000"/>
-              </a:lnSpc>
-              <a:spcBef>
-                <a:spcPct val="0"/>
-              </a:spcBef>
-              <a:spcAft>
-                <a:spcPts val="300"/>
-              </a:spcAft>
-              <a:buFont typeface="Arial" panose="020B0604020202020204" pitchFamily="34" charset="0"/>
-              <a:buChar char="•"/>
-              <a:defRPr sz="1400">
-                <a:solidFill>
-                  <a:srgbClr val="595959"/>
-                </a:solidFill>
-                <a:latin typeface="Arial" panose="020B0604020202020204" pitchFamily="34" charset="0"/>
-                <a:ea typeface="Microsoft YaHei" panose="020B0503020204020204" pitchFamily="34" charset="-122"/>
-              </a:defRPr>
-            </a:lvl8pPr>
-            <a:lvl9pPr marL="3886200" indent="-228600" eaLnBrk="0" fontAlgn="base" hangingPunct="0">
-              <a:lnSpc>
-                <a:spcPct val="120000"/>
-              </a:lnSpc>
-              <a:spcBef>
-                <a:spcPct val="0"/>
-              </a:spcBef>
-              <a:spcAft>
-                <a:spcPts val="300"/>
-              </a:spcAft>
-              <a:buFont typeface="Arial" panose="020B0604020202020204" pitchFamily="34" charset="0"/>
-              <a:buChar char="•"/>
-              <a:defRPr sz="1400">
-                <a:solidFill>
-                  <a:srgbClr val="595959"/>
-                </a:solidFill>
-                <a:latin typeface="Arial" panose="020B0604020202020204" pitchFamily="34" charset="0"/>
-                <a:ea typeface="Microsoft YaHei" panose="020B0503020204020204" pitchFamily="34" charset="-122"/>
-              </a:defRPr>
-            </a:lvl9pPr>
-          </a:lstStyle>
-          <a:p>
-            <a:pPr algn="just" eaLnBrk="1" hangingPunct="1">
-              <a:lnSpc>
-                <a:spcPct val="100000"/>
-              </a:lnSpc>
-              <a:spcAft>
-                <a:spcPct val="0"/>
-              </a:spcAft>
-              <a:buFontTx/>
-              <a:buNone/>
-            </a:pPr>
-            <a:r>
-              <a:rPr lang="en-US" altLang="ko-KR" sz="2000" b="1" dirty="0">
-                <a:solidFill>
-                  <a:srgbClr val="FFFFFF"/>
-                </a:solidFill>
-                <a:cs typeface="Arial" panose="020B0604020202020204" pitchFamily="34" charset="0"/>
-              </a:rPr>
-              <a:t>2.</a:t>
-            </a:r>
-            <a:r>
-              <a:rPr lang="ko-KR" altLang="en-US" sz="2000" b="1" dirty="0">
-                <a:solidFill>
-                  <a:srgbClr val="FFFFFF"/>
-                </a:solidFill>
-                <a:cs typeface="Arial" panose="020B0604020202020204" pitchFamily="34" charset="0"/>
-              </a:rPr>
-              <a:t> </a:t>
-            </a:r>
-            <a:r>
-              <a:rPr lang="en-US" altLang="ko-KR" sz="2000" b="1" dirty="0">
-                <a:solidFill>
-                  <a:srgbClr val="FFFFFF"/>
-                </a:solidFill>
-                <a:cs typeface="Arial" panose="020B0604020202020204" pitchFamily="34" charset="0"/>
-              </a:rPr>
-              <a:t>LSTM </a:t>
-            </a:r>
-            <a:r>
-              <a:rPr lang="ko-KR" altLang="en-US" sz="2000" b="1" dirty="0">
-                <a:solidFill>
-                  <a:srgbClr val="FFFFFF"/>
-                </a:solidFill>
-                <a:cs typeface="Arial" panose="020B0604020202020204" pitchFamily="34" charset="0"/>
-              </a:rPr>
-              <a:t>모델 학습 결과</a:t>
-            </a:r>
-          </a:p>
-        </p:txBody>
-      </p:sp>
-      <p:pic>
-        <p:nvPicPr>
-          <p:cNvPr id="16386" name="Picture 4">
-            <a:extLst>
-              <a:ext uri="{FF2B5EF4-FFF2-40B4-BE49-F238E27FC236}">
-                <a16:creationId xmlns:a16="http://schemas.microsoft.com/office/drawing/2014/main" id="{EDDB07F3-5CAC-9E63-F9A3-5997404A0BF8}"/>
-              </a:ext>
-            </a:extLst>
-          </p:cNvPr>
-          <p:cNvPicPr preferRelativeResize="0">
-            <a:picLocks noChangeArrowheads="1"/>
-          </p:cNvPicPr>
-          <p:nvPr/>
-        </p:nvPicPr>
-        <p:blipFill>
-          <a:blip r:embed="rId2">
-            <a:extLst>
-              <a:ext uri="{28A0092B-C50C-407E-A947-70E740481C1C}">
-                <a14:useLocalDpi xmlns:a14="http://schemas.microsoft.com/office/drawing/2010/main" val="0"/>
-              </a:ext>
-            </a:extLst>
-          </a:blip>
-          <a:srcRect/>
-          <a:stretch>
-            <a:fillRect/>
-          </a:stretch>
-        </p:blipFill>
-        <p:spPr bwMode="auto">
-          <a:xfrm>
-            <a:off x="11376025" y="849313"/>
-            <a:ext cx="541338" cy="541337"/>
-          </a:xfrm>
-          <a:prstGeom prst="rect">
-            <a:avLst/>
-          </a:prstGeom>
-          <a:noFill/>
-          <a:ln>
-            <a:noFill/>
-          </a:ln>
-          <a:extLst>
-            <a:ext uri="{909E8E84-426E-40DD-AFC4-6F175D3DCCD1}">
-              <a14:hiddenFill xmlns:a14="http://schemas.microsoft.com/office/drawing/2010/main">
-                <a:solidFill>
-                  <a:srgbClr val="FFFFFF"/>
-                </a:solidFill>
-              </a14:hiddenFill>
-            </a:ext>
-            <a:ext uri="{91240B29-F687-4F45-9708-019B960494DF}">
-              <a14:hiddenLine xmlns:a14="http://schemas.microsoft.com/office/drawing/2010/main" w="9525">
-                <a:solidFill>
-                  <a:srgbClr val="000000"/>
-                </a:solidFill>
-                <a:miter lim="800000"/>
-                <a:headEnd/>
-                <a:tailEnd/>
-              </a14:hiddenLine>
-            </a:ext>
-          </a:extLst>
-        </p:spPr>
-      </p:pic>
-      <p:pic>
-        <p:nvPicPr>
-          <p:cNvPr id="16387" name="Picture 5">
-            <a:extLst>
-              <a:ext uri="{FF2B5EF4-FFF2-40B4-BE49-F238E27FC236}">
-                <a16:creationId xmlns:a16="http://schemas.microsoft.com/office/drawing/2014/main" id="{28C76661-6247-D3CE-25E0-48381C783D5F}"/>
-              </a:ext>
-            </a:extLst>
-          </p:cNvPr>
-          <p:cNvPicPr preferRelativeResize="0">
-            <a:picLocks noChangeArrowheads="1"/>
-          </p:cNvPicPr>
-          <p:nvPr/>
-        </p:nvPicPr>
-        <p:blipFill>
-          <a:blip r:embed="rId3">
-            <a:extLst>
-              <a:ext uri="{28A0092B-C50C-407E-A947-70E740481C1C}">
-                <a14:useLocalDpi xmlns:a14="http://schemas.microsoft.com/office/drawing/2010/main" val="0"/>
-              </a:ext>
-            </a:extLst>
-          </a:blip>
-          <a:srcRect/>
-          <a:stretch>
-            <a:fillRect/>
-          </a:stretch>
-        </p:blipFill>
-        <p:spPr bwMode="auto">
-          <a:xfrm>
-            <a:off x="10690225" y="849313"/>
-            <a:ext cx="539750" cy="541337"/>
-          </a:xfrm>
-          <a:prstGeom prst="rect">
-            <a:avLst/>
-          </a:prstGeom>
-          <a:noFill/>
-          <a:ln>
-            <a:noFill/>
-          </a:ln>
-          <a:extLst>
-            <a:ext uri="{909E8E84-426E-40DD-AFC4-6F175D3DCCD1}">
-              <a14:hiddenFill xmlns:a14="http://schemas.microsoft.com/office/drawing/2010/main">
-                <a:solidFill>
-                  <a:srgbClr val="FFFFFF"/>
-                </a:solidFill>
-              </a14:hiddenFill>
-            </a:ext>
-            <a:ext uri="{91240B29-F687-4F45-9708-019B960494DF}">
-              <a14:hiddenLine xmlns:a14="http://schemas.microsoft.com/office/drawing/2010/main" w="9525">
-                <a:solidFill>
-                  <a:srgbClr val="000000"/>
-                </a:solidFill>
-                <a:miter lim="800000"/>
-                <a:headEnd/>
-                <a:tailEnd/>
-              </a14:hiddenLine>
-            </a:ext>
-          </a:extLst>
-        </p:spPr>
-      </p:pic>
-      <p:sp>
-        <p:nvSpPr>
-          <p:cNvPr id="16388" name="Rectangle 7">
-            <a:extLst>
-              <a:ext uri="{FF2B5EF4-FFF2-40B4-BE49-F238E27FC236}">
-                <a16:creationId xmlns:a16="http://schemas.microsoft.com/office/drawing/2014/main" id="{ED7FCF0A-AF8C-A5D5-0E81-44E8DA6DC7D3}"/>
-              </a:ext>
-            </a:extLst>
-          </p:cNvPr>
-          <p:cNvSpPr>
-            <a:spLocks noChangeArrowheads="1"/>
-          </p:cNvSpPr>
-          <p:nvPr/>
-        </p:nvSpPr>
-        <p:spPr bwMode="auto">
-          <a:xfrm>
-            <a:off x="8877300" y="6315075"/>
-            <a:ext cx="2700338" cy="315913"/>
-          </a:xfrm>
-          <a:prstGeom prst="rect">
-            <a:avLst/>
-          </a:prstGeom>
-          <a:noFill/>
-          <a:ln>
-            <a:noFill/>
-          </a:ln>
-          <a:extLst>
-            <a:ext uri="{909E8E84-426E-40DD-AFC4-6F175D3DCCD1}">
-              <a14:hiddenFill xmlns:a14="http://schemas.microsoft.com/office/drawing/2010/main">
-                <a:solidFill>
-                  <a:srgbClr val="FFFFFF"/>
-                </a:solidFill>
-              </a14:hiddenFill>
-            </a:ext>
-            <a:ext uri="{91240B29-F687-4F45-9708-019B960494DF}">
-              <a14:hiddenLine xmlns:a14="http://schemas.microsoft.com/office/drawing/2010/main" w="9525">
-                <a:solidFill>
-                  <a:srgbClr val="000000"/>
-                </a:solidFill>
-                <a:miter lim="800000"/>
-                <a:headEnd/>
-                <a:tailEnd/>
-              </a14:hiddenLine>
-            </a:ext>
-          </a:extLst>
-        </p:spPr>
-        <p:txBody>
-          <a:bodyPr anchor="ctr"/>
-          <a:lstStyle>
-            <a:lvl1pPr>
-              <a:lnSpc>
-                <a:spcPct val="130000"/>
-              </a:lnSpc>
-              <a:spcAft>
-                <a:spcPts val="1000"/>
-              </a:spcAft>
-              <a:buFont typeface="Arial" panose="020B0604020202020204" pitchFamily="34" charset="0"/>
-              <a:buChar char="●"/>
-              <a:defRPr>
-                <a:solidFill>
-                  <a:srgbClr val="595959"/>
-                </a:solidFill>
-                <a:latin typeface="Arial" panose="020B0604020202020204" pitchFamily="34" charset="0"/>
-                <a:ea typeface="Microsoft YaHei" panose="020B0503020204020204" pitchFamily="34" charset="-122"/>
-              </a:defRPr>
-            </a:lvl1pPr>
-            <a:lvl2pPr marL="742950" indent="-285750">
-              <a:lnSpc>
-                <a:spcPct val="120000"/>
-              </a:lnSpc>
-              <a:spcAft>
-                <a:spcPts val="600"/>
-              </a:spcAft>
-              <a:buFont typeface="Arial" panose="020B0604020202020204" pitchFamily="34" charset="0"/>
-              <a:buChar char="●"/>
-              <a:tabLst>
-                <a:tab pos="1609725" algn="l"/>
-              </a:tabLst>
-              <a:defRPr sz="1600">
-                <a:solidFill>
-                  <a:srgbClr val="595959"/>
-                </a:solidFill>
-                <a:latin typeface="Arial" panose="020B0604020202020204" pitchFamily="34" charset="0"/>
-                <a:ea typeface="Microsoft YaHei" panose="020B0503020204020204" pitchFamily="34" charset="-122"/>
-              </a:defRPr>
-            </a:lvl2pPr>
-            <a:lvl3pPr marL="1143000" indent="-228600">
-              <a:lnSpc>
-                <a:spcPct val="120000"/>
-              </a:lnSpc>
-              <a:spcAft>
-                <a:spcPts val="600"/>
-              </a:spcAft>
-              <a:buFont typeface="Arial" panose="020B0604020202020204" pitchFamily="34" charset="0"/>
-              <a:buChar char="●"/>
-              <a:defRPr sz="1600">
-                <a:solidFill>
-                  <a:srgbClr val="595959"/>
-                </a:solidFill>
-                <a:latin typeface="Arial" panose="020B0604020202020204" pitchFamily="34" charset="0"/>
-                <a:ea typeface="Microsoft YaHei" panose="020B0503020204020204" pitchFamily="34" charset="-122"/>
-              </a:defRPr>
-            </a:lvl3pPr>
-            <a:lvl4pPr marL="1600200" indent="-228600">
-              <a:lnSpc>
-                <a:spcPct val="120000"/>
-              </a:lnSpc>
-              <a:spcAft>
-                <a:spcPts val="300"/>
-              </a:spcAft>
-              <a:buFont typeface="Wingdings" pitchFamily="2" charset="2"/>
-              <a:buChar char=""/>
-              <a:defRPr sz="1400">
-                <a:solidFill>
-                  <a:srgbClr val="595959"/>
-                </a:solidFill>
-                <a:latin typeface="Arial" panose="020B0604020202020204" pitchFamily="34" charset="0"/>
-                <a:ea typeface="Microsoft YaHei" panose="020B0503020204020204" pitchFamily="34" charset="-122"/>
-              </a:defRPr>
-            </a:lvl4pPr>
-            <a:lvl5pPr marL="2057400" indent="-228600">
-              <a:lnSpc>
-                <a:spcPct val="120000"/>
-              </a:lnSpc>
-              <a:spcAft>
-                <a:spcPts val="300"/>
-              </a:spcAft>
-              <a:buFont typeface="Arial" panose="020B0604020202020204" pitchFamily="34" charset="0"/>
-              <a:buChar char="•"/>
-              <a:defRPr sz="1400">
-                <a:solidFill>
-                  <a:srgbClr val="595959"/>
-                </a:solidFill>
-                <a:latin typeface="Arial" panose="020B0604020202020204" pitchFamily="34" charset="0"/>
-                <a:ea typeface="Microsoft YaHei" panose="020B0503020204020204" pitchFamily="34" charset="-122"/>
-              </a:defRPr>
-            </a:lvl5pPr>
-            <a:lvl6pPr marL="2514600" indent="-228600" eaLnBrk="0" fontAlgn="base" hangingPunct="0">
-              <a:lnSpc>
-                <a:spcPct val="120000"/>
-              </a:lnSpc>
-              <a:spcBef>
-                <a:spcPct val="0"/>
-              </a:spcBef>
-              <a:spcAft>
-                <a:spcPts val="300"/>
-              </a:spcAft>
-              <a:buFont typeface="Arial" panose="020B0604020202020204" pitchFamily="34" charset="0"/>
-              <a:buChar char="•"/>
-              <a:defRPr sz="1400">
-                <a:solidFill>
-                  <a:srgbClr val="595959"/>
-                </a:solidFill>
-                <a:latin typeface="Arial" panose="020B0604020202020204" pitchFamily="34" charset="0"/>
-                <a:ea typeface="Microsoft YaHei" panose="020B0503020204020204" pitchFamily="34" charset="-122"/>
-              </a:defRPr>
-            </a:lvl6pPr>
-            <a:lvl7pPr marL="2971800" indent="-228600" eaLnBrk="0" fontAlgn="base" hangingPunct="0">
-              <a:lnSpc>
-                <a:spcPct val="120000"/>
-              </a:lnSpc>
-              <a:spcBef>
-                <a:spcPct val="0"/>
-              </a:spcBef>
-              <a:spcAft>
-                <a:spcPts val="300"/>
-              </a:spcAft>
-              <a:buFont typeface="Arial" panose="020B0604020202020204" pitchFamily="34" charset="0"/>
-              <a:buChar char="•"/>
-              <a:defRPr sz="1400">
-                <a:solidFill>
-                  <a:srgbClr val="595959"/>
-                </a:solidFill>
-                <a:latin typeface="Arial" panose="020B0604020202020204" pitchFamily="34" charset="0"/>
-                <a:ea typeface="Microsoft YaHei" panose="020B0503020204020204" pitchFamily="34" charset="-122"/>
-              </a:defRPr>
-            </a:lvl7pPr>
-            <a:lvl8pPr marL="3429000" indent="-228600" eaLnBrk="0" fontAlgn="base" hangingPunct="0">
-              <a:lnSpc>
-                <a:spcPct val="120000"/>
-              </a:lnSpc>
-              <a:spcBef>
-                <a:spcPct val="0"/>
-              </a:spcBef>
-              <a:spcAft>
-                <a:spcPts val="300"/>
-              </a:spcAft>
-              <a:buFont typeface="Arial" panose="020B0604020202020204" pitchFamily="34" charset="0"/>
-              <a:buChar char="•"/>
-              <a:defRPr sz="1400">
-                <a:solidFill>
-                  <a:srgbClr val="595959"/>
-                </a:solidFill>
-                <a:latin typeface="Arial" panose="020B0604020202020204" pitchFamily="34" charset="0"/>
-                <a:ea typeface="Microsoft YaHei" panose="020B0503020204020204" pitchFamily="34" charset="-122"/>
-              </a:defRPr>
-            </a:lvl8pPr>
-            <a:lvl9pPr marL="3886200" indent="-228600" eaLnBrk="0" fontAlgn="base" hangingPunct="0">
-              <a:lnSpc>
-                <a:spcPct val="120000"/>
-              </a:lnSpc>
-              <a:spcBef>
-                <a:spcPct val="0"/>
-              </a:spcBef>
-              <a:spcAft>
-                <a:spcPts val="300"/>
-              </a:spcAft>
-              <a:buFont typeface="Arial" panose="020B0604020202020204" pitchFamily="34" charset="0"/>
-              <a:buChar char="•"/>
-              <a:defRPr sz="1400">
-                <a:solidFill>
-                  <a:srgbClr val="595959"/>
-                </a:solidFill>
-                <a:latin typeface="Arial" panose="020B0604020202020204" pitchFamily="34" charset="0"/>
-                <a:ea typeface="Microsoft YaHei" panose="020B0503020204020204" pitchFamily="34" charset="-122"/>
-              </a:defRPr>
-            </a:lvl9pPr>
-          </a:lstStyle>
-          <a:p>
-            <a:pPr algn="r">
-              <a:lnSpc>
-                <a:spcPct val="100000"/>
-              </a:lnSpc>
-              <a:spcAft>
-                <a:spcPct val="0"/>
-              </a:spcAft>
-              <a:buFontTx/>
-              <a:buNone/>
-            </a:pPr>
-            <a:r>
-              <a:rPr lang="ko-KR" altLang="en-US" sz="1000">
-                <a:solidFill>
-                  <a:srgbClr val="898989"/>
-                </a:solidFill>
-                <a:cs typeface="Arial" panose="020B0604020202020204" pitchFamily="34" charset="0"/>
-              </a:rPr>
-              <a:t>3</a:t>
-            </a:r>
-          </a:p>
-        </p:txBody>
-      </p:sp>
-      <p:sp>
-        <p:nvSpPr>
-          <p:cNvPr id="16389" name="Rectangle 8">
-            <a:extLst>
-              <a:ext uri="{FF2B5EF4-FFF2-40B4-BE49-F238E27FC236}">
-                <a16:creationId xmlns:a16="http://schemas.microsoft.com/office/drawing/2014/main" id="{D2CA6A0E-8DDC-391D-9F37-ACF971E153E6}"/>
-              </a:ext>
-            </a:extLst>
-          </p:cNvPr>
-          <p:cNvSpPr>
-            <a:spLocks/>
-          </p:cNvSpPr>
-          <p:nvPr/>
-        </p:nvSpPr>
-        <p:spPr bwMode="auto">
-          <a:xfrm>
-            <a:off x="208864" y="837791"/>
-            <a:ext cx="10958802" cy="5391150"/>
-          </a:xfrm>
-          <a:prstGeom prst="rect">
-            <a:avLst/>
-          </a:prstGeom>
-          <a:noFill/>
-          <a:ln w="12700">
-            <a:solidFill>
-              <a:srgbClr val="FFFFFF"/>
-            </a:solidFill>
-            <a:miter lim="800000"/>
-            <a:headEnd/>
-            <a:tailEnd/>
-          </a:ln>
-        </p:spPr>
-        <p:txBody>
-          <a:bodyPr/>
-          <a:lstStyle>
-            <a:lvl1pPr>
-              <a:lnSpc>
-                <a:spcPct val="130000"/>
-              </a:lnSpc>
-              <a:spcAft>
-                <a:spcPts val="1000"/>
-              </a:spcAft>
-              <a:buFont typeface="Arial" panose="020B0604020202020204" pitchFamily="34" charset="0"/>
-              <a:buChar char="●"/>
-              <a:defRPr>
-                <a:solidFill>
-                  <a:srgbClr val="595959"/>
-                </a:solidFill>
-                <a:latin typeface="Arial" panose="020B0604020202020204" pitchFamily="34" charset="0"/>
-                <a:ea typeface="Microsoft YaHei" panose="020B0503020204020204" pitchFamily="34" charset="-122"/>
-              </a:defRPr>
-            </a:lvl1pPr>
-            <a:lvl2pPr marL="742950" indent="-285750">
-              <a:lnSpc>
-                <a:spcPct val="120000"/>
-              </a:lnSpc>
-              <a:spcAft>
-                <a:spcPts val="600"/>
-              </a:spcAft>
-              <a:buFont typeface="Arial" panose="020B0604020202020204" pitchFamily="34" charset="0"/>
-              <a:buChar char="●"/>
-              <a:tabLst>
-                <a:tab pos="1609725" algn="l"/>
-              </a:tabLst>
-              <a:defRPr sz="1600">
-                <a:solidFill>
-                  <a:srgbClr val="595959"/>
-                </a:solidFill>
-                <a:latin typeface="Arial" panose="020B0604020202020204" pitchFamily="34" charset="0"/>
-                <a:ea typeface="Microsoft YaHei" panose="020B0503020204020204" pitchFamily="34" charset="-122"/>
-              </a:defRPr>
-            </a:lvl2pPr>
-            <a:lvl3pPr marL="1143000" indent="-228600">
-              <a:lnSpc>
-                <a:spcPct val="120000"/>
-              </a:lnSpc>
-              <a:spcAft>
-                <a:spcPts val="600"/>
-              </a:spcAft>
-              <a:buFont typeface="Arial" panose="020B0604020202020204" pitchFamily="34" charset="0"/>
-              <a:buChar char="●"/>
-              <a:defRPr sz="1600">
-                <a:solidFill>
-                  <a:srgbClr val="595959"/>
-                </a:solidFill>
-                <a:latin typeface="Arial" panose="020B0604020202020204" pitchFamily="34" charset="0"/>
-                <a:ea typeface="Microsoft YaHei" panose="020B0503020204020204" pitchFamily="34" charset="-122"/>
-              </a:defRPr>
-            </a:lvl3pPr>
-            <a:lvl4pPr marL="1600200" indent="-228600">
-              <a:lnSpc>
-                <a:spcPct val="120000"/>
-              </a:lnSpc>
-              <a:spcAft>
-                <a:spcPts val="300"/>
-              </a:spcAft>
-              <a:buFont typeface="Wingdings" pitchFamily="2" charset="2"/>
-              <a:buChar char=""/>
-              <a:defRPr sz="1400">
-                <a:solidFill>
-                  <a:srgbClr val="595959"/>
-                </a:solidFill>
-                <a:latin typeface="Arial" panose="020B0604020202020204" pitchFamily="34" charset="0"/>
-                <a:ea typeface="Microsoft YaHei" panose="020B0503020204020204" pitchFamily="34" charset="-122"/>
-              </a:defRPr>
-            </a:lvl4pPr>
-            <a:lvl5pPr marL="2057400" indent="-228600">
-              <a:lnSpc>
-                <a:spcPct val="120000"/>
-              </a:lnSpc>
-              <a:spcAft>
-                <a:spcPts val="300"/>
-              </a:spcAft>
-              <a:buFont typeface="Arial" panose="020B0604020202020204" pitchFamily="34" charset="0"/>
-              <a:buChar char="•"/>
-              <a:defRPr sz="1400">
-                <a:solidFill>
-                  <a:srgbClr val="595959"/>
-                </a:solidFill>
-                <a:latin typeface="Arial" panose="020B0604020202020204" pitchFamily="34" charset="0"/>
-                <a:ea typeface="Microsoft YaHei" panose="020B0503020204020204" pitchFamily="34" charset="-122"/>
-              </a:defRPr>
-            </a:lvl5pPr>
-            <a:lvl6pPr marL="2514600" indent="-228600" eaLnBrk="0" fontAlgn="base" hangingPunct="0">
-              <a:lnSpc>
-                <a:spcPct val="120000"/>
-              </a:lnSpc>
-              <a:spcBef>
-                <a:spcPct val="0"/>
-              </a:spcBef>
-              <a:spcAft>
-                <a:spcPts val="300"/>
-              </a:spcAft>
-              <a:buFont typeface="Arial" panose="020B0604020202020204" pitchFamily="34" charset="0"/>
-              <a:buChar char="•"/>
-              <a:defRPr sz="1400">
-                <a:solidFill>
-                  <a:srgbClr val="595959"/>
-                </a:solidFill>
-                <a:latin typeface="Arial" panose="020B0604020202020204" pitchFamily="34" charset="0"/>
-                <a:ea typeface="Microsoft YaHei" panose="020B0503020204020204" pitchFamily="34" charset="-122"/>
-              </a:defRPr>
-            </a:lvl6pPr>
-            <a:lvl7pPr marL="2971800" indent="-228600" eaLnBrk="0" fontAlgn="base" hangingPunct="0">
-              <a:lnSpc>
-                <a:spcPct val="120000"/>
-              </a:lnSpc>
-              <a:spcBef>
-                <a:spcPct val="0"/>
-              </a:spcBef>
-              <a:spcAft>
-                <a:spcPts val="300"/>
-              </a:spcAft>
-              <a:buFont typeface="Arial" panose="020B0604020202020204" pitchFamily="34" charset="0"/>
-              <a:buChar char="•"/>
-              <a:defRPr sz="1400">
-                <a:solidFill>
-                  <a:srgbClr val="595959"/>
-                </a:solidFill>
-                <a:latin typeface="Arial" panose="020B0604020202020204" pitchFamily="34" charset="0"/>
-                <a:ea typeface="Microsoft YaHei" panose="020B0503020204020204" pitchFamily="34" charset="-122"/>
-              </a:defRPr>
-            </a:lvl7pPr>
-            <a:lvl8pPr marL="3429000" indent="-228600" eaLnBrk="0" fontAlgn="base" hangingPunct="0">
-              <a:lnSpc>
-                <a:spcPct val="120000"/>
-              </a:lnSpc>
-              <a:spcBef>
-                <a:spcPct val="0"/>
-              </a:spcBef>
-              <a:spcAft>
-                <a:spcPts val="300"/>
-              </a:spcAft>
-              <a:buFont typeface="Arial" panose="020B0604020202020204" pitchFamily="34" charset="0"/>
-              <a:buChar char="•"/>
-              <a:defRPr sz="1400">
-                <a:solidFill>
-                  <a:srgbClr val="595959"/>
-                </a:solidFill>
-                <a:latin typeface="Arial" panose="020B0604020202020204" pitchFamily="34" charset="0"/>
-                <a:ea typeface="Microsoft YaHei" panose="020B0503020204020204" pitchFamily="34" charset="-122"/>
-              </a:defRPr>
-            </a:lvl8pPr>
-            <a:lvl9pPr marL="3886200" indent="-228600" eaLnBrk="0" fontAlgn="base" hangingPunct="0">
-              <a:lnSpc>
-                <a:spcPct val="120000"/>
-              </a:lnSpc>
-              <a:spcBef>
-                <a:spcPct val="0"/>
-              </a:spcBef>
-              <a:spcAft>
-                <a:spcPts val="300"/>
-              </a:spcAft>
-              <a:buFont typeface="Arial" panose="020B0604020202020204" pitchFamily="34" charset="0"/>
-              <a:buChar char="•"/>
-              <a:defRPr sz="1400">
-                <a:solidFill>
-                  <a:srgbClr val="595959"/>
-                </a:solidFill>
-                <a:latin typeface="Arial" panose="020B0604020202020204" pitchFamily="34" charset="0"/>
-                <a:ea typeface="Microsoft YaHei" panose="020B0503020204020204" pitchFamily="34" charset="-122"/>
-              </a:defRPr>
-            </a:lvl9pPr>
-          </a:lstStyle>
-          <a:p>
             <a:pPr marL="342900" indent="-342900" algn="just">
               <a:lnSpc>
                 <a:spcPct val="110000"/>
@@ -25593,38 +22932,35 @@
               <a:rPr lang="ko-KR" altLang="en-US" dirty="0">
                 <a:cs typeface="Arial" panose="020B0604020202020204" pitchFamily="34" charset="0"/>
               </a:rPr>
-              <a:t>검증 </a:t>
+              <a:t>위 두 이미지는 학습된 실제 </a:t>
             </a:r>
             <a:r>
               <a:rPr lang="en-US" altLang="ko-KR" dirty="0">
                 <a:cs typeface="Arial" panose="020B0604020202020204" pitchFamily="34" charset="0"/>
               </a:rPr>
-              <a:t>MAE : 0.016</a:t>
-            </a:r>
-          </a:p>
-          <a:p>
-            <a:pPr marL="342900" indent="-342900" algn="just">
-              <a:lnSpc>
-                <a:spcPct val="110000"/>
-              </a:lnSpc>
-              <a:buClr>
-                <a:srgbClr val="595959"/>
-              </a:buClr>
-              <a:buAutoNum type="arabicPeriod"/>
-              <a:defRPr/>
-            </a:pPr>
+              <a:t>soh</a:t>
+            </a:r>
             <a:r>
               <a:rPr lang="ko-KR" altLang="en-US" dirty="0">
                 <a:cs typeface="Arial" panose="020B0604020202020204" pitchFamily="34" charset="0"/>
               </a:rPr>
-              <a:t>검증 </a:t>
+              <a:t> 값과 예측 </a:t>
             </a:r>
             <a:r>
               <a:rPr lang="en-US" altLang="ko-KR" dirty="0">
                 <a:cs typeface="Arial" panose="020B0604020202020204" pitchFamily="34" charset="0"/>
               </a:rPr>
-              <a:t>RMSE : 0.019</a:t>
-            </a:r>
+              <a:t>soh </a:t>
+            </a:r>
+            <a:r>
+              <a:rPr lang="ko-KR" altLang="en-US" dirty="0">
+                <a:cs typeface="Arial" panose="020B0604020202020204" pitchFamily="34" charset="0"/>
+              </a:rPr>
+              <a:t>값의 차이를 비교하는 이미지</a:t>
+            </a:r>
+            <a:endParaRPr lang="en-US" altLang="ko-KR" dirty="0">
+              <a:cs typeface="Arial" panose="020B0604020202020204" pitchFamily="34" charset="0"/>
+            </a:endParaRPr>
           </a:p>
           <a:p>
             <a:pPr marL="342900" indent="-342900" algn="just">
@@ -25860,7 +23196,7 @@
         </p:blipFill>
         <p:spPr>
           <a:xfrm>
-            <a:off x="3224440" y="751657"/>
+            <a:off x="3187239" y="806779"/>
             <a:ext cx="3308245" cy="1647584"/>
           </a:xfrm>
           <a:prstGeom prst="rect">
@@ -25890,7 +23226,7 @@
         </p:blipFill>
         <p:spPr>
           <a:xfrm>
-            <a:off x="6835307" y="751657"/>
+            <a:off x="6895279" y="806779"/>
             <a:ext cx="3872592" cy="1647584"/>
           </a:xfrm>
           <a:prstGeom prst="rect">
@@ -25920,7 +23256,7 @@
         </p:blipFill>
         <p:spPr>
           <a:xfrm>
-            <a:off x="2857682" y="2970884"/>
+            <a:off x="2449947" y="3075470"/>
             <a:ext cx="6476635" cy="2975751"/>
           </a:xfrm>
           <a:prstGeom prst="rect">
@@ -25941,7 +23277,7 @@
 </p:sld>
 </file>
 
-<file path=ppt/slides/slide9.xml><?xml version="1.0" encoding="utf-8"?>
+<file path=ppt/slides/slide8.xml><?xml version="1.0" encoding="utf-8"?>
 <p:sld xmlns:a="http://schemas.openxmlformats.org/drawingml/2006/main" xmlns:r="http://schemas.openxmlformats.org/officeDocument/2006/relationships" xmlns:p="http://schemas.openxmlformats.org/presentationml/2006/main">
   <p:cSld>
     <p:spTree>
@@ -27235,6 +24571,1390 @@
     <p:extLst>
       <p:ext uri="{BB962C8B-B14F-4D97-AF65-F5344CB8AC3E}">
         <p14:creationId xmlns:p14="http://schemas.microsoft.com/office/powerpoint/2010/main" val="2467265993"/>
+      </p:ext>
+    </p:extLst>
+  </p:cSld>
+  <p:clrMapOvr>
+    <a:masterClrMapping/>
+  </p:clrMapOvr>
+</p:sld>
+</file>
+
+<file path=ppt/slides/slide9.xml><?xml version="1.0" encoding="utf-8"?>
+<p:sld xmlns:a="http://schemas.openxmlformats.org/drawingml/2006/main" xmlns:r="http://schemas.openxmlformats.org/officeDocument/2006/relationships" xmlns:p="http://schemas.openxmlformats.org/presentationml/2006/main">
+  <p:cSld>
+    <p:spTree>
+      <p:nvGrpSpPr>
+        <p:cNvPr id="1" name="">
+          <a:extLst>
+            <a:ext uri="{FF2B5EF4-FFF2-40B4-BE49-F238E27FC236}">
+              <a16:creationId xmlns:a16="http://schemas.microsoft.com/office/drawing/2014/main" id="{7F402414-83DC-8F43-F8D4-CEEA5C0E6762}"/>
+            </a:ext>
+          </a:extLst>
+        </p:cNvPr>
+        <p:cNvGrpSpPr/>
+        <p:nvPr/>
+      </p:nvGrpSpPr>
+      <p:grpSpPr>
+        <a:xfrm>
+          <a:off x="0" y="0"/>
+          <a:ext cx="0" cy="0"/>
+          <a:chOff x="0" y="0"/>
+          <a:chExt cx="0" cy="0"/>
+        </a:xfrm>
+      </p:grpSpPr>
+      <p:sp>
+        <p:nvSpPr>
+          <p:cNvPr id="16385" name="Rectangle 1">
+            <a:extLst>
+              <a:ext uri="{FF2B5EF4-FFF2-40B4-BE49-F238E27FC236}">
+                <a16:creationId xmlns:a16="http://schemas.microsoft.com/office/drawing/2014/main" id="{49B95735-3E31-0F0A-4250-FBC91A042BF7}"/>
+              </a:ext>
+            </a:extLst>
+          </p:cNvPr>
+          <p:cNvSpPr>
+            <a:spLocks noChangeArrowheads="1"/>
+          </p:cNvSpPr>
+          <p:nvPr/>
+        </p:nvSpPr>
+        <p:spPr bwMode="auto">
+          <a:xfrm>
+            <a:off x="0" y="0"/>
+            <a:ext cx="12192000" cy="671513"/>
+          </a:xfrm>
+          <a:prstGeom prst="rect">
+            <a:avLst/>
+          </a:prstGeom>
+          <a:solidFill>
+            <a:srgbClr val="204767"/>
+          </a:solidFill>
+          <a:ln w="12700">
+            <a:solidFill>
+              <a:srgbClr val="204767"/>
+            </a:solidFill>
+            <a:miter lim="800000"/>
+            <a:headEnd/>
+            <a:tailEnd/>
+          </a:ln>
+        </p:spPr>
+        <p:txBody>
+          <a:bodyPr anchor="ctr"/>
+          <a:lstStyle>
+            <a:lvl1pPr>
+              <a:lnSpc>
+                <a:spcPct val="130000"/>
+              </a:lnSpc>
+              <a:spcAft>
+                <a:spcPts val="1000"/>
+              </a:spcAft>
+              <a:buFont typeface="Arial" panose="020B0604020202020204" pitchFamily="34" charset="0"/>
+              <a:buChar char="●"/>
+              <a:defRPr>
+                <a:solidFill>
+                  <a:srgbClr val="595959"/>
+                </a:solidFill>
+                <a:latin typeface="Arial" panose="020B0604020202020204" pitchFamily="34" charset="0"/>
+                <a:ea typeface="Microsoft YaHei" panose="020B0503020204020204" pitchFamily="34" charset="-122"/>
+              </a:defRPr>
+            </a:lvl1pPr>
+            <a:lvl2pPr marL="742950" indent="-285750">
+              <a:lnSpc>
+                <a:spcPct val="120000"/>
+              </a:lnSpc>
+              <a:spcAft>
+                <a:spcPts val="600"/>
+              </a:spcAft>
+              <a:buFont typeface="Arial" panose="020B0604020202020204" pitchFamily="34" charset="0"/>
+              <a:buChar char="●"/>
+              <a:tabLst>
+                <a:tab pos="1609725" algn="l"/>
+              </a:tabLst>
+              <a:defRPr sz="1600">
+                <a:solidFill>
+                  <a:srgbClr val="595959"/>
+                </a:solidFill>
+                <a:latin typeface="Arial" panose="020B0604020202020204" pitchFamily="34" charset="0"/>
+                <a:ea typeface="Microsoft YaHei" panose="020B0503020204020204" pitchFamily="34" charset="-122"/>
+              </a:defRPr>
+            </a:lvl2pPr>
+            <a:lvl3pPr marL="1143000" indent="-228600">
+              <a:lnSpc>
+                <a:spcPct val="120000"/>
+              </a:lnSpc>
+              <a:spcAft>
+                <a:spcPts val="600"/>
+              </a:spcAft>
+              <a:buFont typeface="Arial" panose="020B0604020202020204" pitchFamily="34" charset="0"/>
+              <a:buChar char="●"/>
+              <a:defRPr sz="1600">
+                <a:solidFill>
+                  <a:srgbClr val="595959"/>
+                </a:solidFill>
+                <a:latin typeface="Arial" panose="020B0604020202020204" pitchFamily="34" charset="0"/>
+                <a:ea typeface="Microsoft YaHei" panose="020B0503020204020204" pitchFamily="34" charset="-122"/>
+              </a:defRPr>
+            </a:lvl3pPr>
+            <a:lvl4pPr marL="1600200" indent="-228600">
+              <a:lnSpc>
+                <a:spcPct val="120000"/>
+              </a:lnSpc>
+              <a:spcAft>
+                <a:spcPts val="300"/>
+              </a:spcAft>
+              <a:buFont typeface="Wingdings" pitchFamily="2" charset="2"/>
+              <a:buChar char=""/>
+              <a:defRPr sz="1400">
+                <a:solidFill>
+                  <a:srgbClr val="595959"/>
+                </a:solidFill>
+                <a:latin typeface="Arial" panose="020B0604020202020204" pitchFamily="34" charset="0"/>
+                <a:ea typeface="Microsoft YaHei" panose="020B0503020204020204" pitchFamily="34" charset="-122"/>
+              </a:defRPr>
+            </a:lvl4pPr>
+            <a:lvl5pPr marL="2057400" indent="-228600">
+              <a:lnSpc>
+                <a:spcPct val="120000"/>
+              </a:lnSpc>
+              <a:spcAft>
+                <a:spcPts val="300"/>
+              </a:spcAft>
+              <a:buFont typeface="Arial" panose="020B0604020202020204" pitchFamily="34" charset="0"/>
+              <a:buChar char="•"/>
+              <a:defRPr sz="1400">
+                <a:solidFill>
+                  <a:srgbClr val="595959"/>
+                </a:solidFill>
+                <a:latin typeface="Arial" panose="020B0604020202020204" pitchFamily="34" charset="0"/>
+                <a:ea typeface="Microsoft YaHei" panose="020B0503020204020204" pitchFamily="34" charset="-122"/>
+              </a:defRPr>
+            </a:lvl5pPr>
+            <a:lvl6pPr marL="2514600" indent="-228600" eaLnBrk="0" fontAlgn="base" hangingPunct="0">
+              <a:lnSpc>
+                <a:spcPct val="120000"/>
+              </a:lnSpc>
+              <a:spcBef>
+                <a:spcPct val="0"/>
+              </a:spcBef>
+              <a:spcAft>
+                <a:spcPts val="300"/>
+              </a:spcAft>
+              <a:buFont typeface="Arial" panose="020B0604020202020204" pitchFamily="34" charset="0"/>
+              <a:buChar char="•"/>
+              <a:defRPr sz="1400">
+                <a:solidFill>
+                  <a:srgbClr val="595959"/>
+                </a:solidFill>
+                <a:latin typeface="Arial" panose="020B0604020202020204" pitchFamily="34" charset="0"/>
+                <a:ea typeface="Microsoft YaHei" panose="020B0503020204020204" pitchFamily="34" charset="-122"/>
+              </a:defRPr>
+            </a:lvl6pPr>
+            <a:lvl7pPr marL="2971800" indent="-228600" eaLnBrk="0" fontAlgn="base" hangingPunct="0">
+              <a:lnSpc>
+                <a:spcPct val="120000"/>
+              </a:lnSpc>
+              <a:spcBef>
+                <a:spcPct val="0"/>
+              </a:spcBef>
+              <a:spcAft>
+                <a:spcPts val="300"/>
+              </a:spcAft>
+              <a:buFont typeface="Arial" panose="020B0604020202020204" pitchFamily="34" charset="0"/>
+              <a:buChar char="•"/>
+              <a:defRPr sz="1400">
+                <a:solidFill>
+                  <a:srgbClr val="595959"/>
+                </a:solidFill>
+                <a:latin typeface="Arial" panose="020B0604020202020204" pitchFamily="34" charset="0"/>
+                <a:ea typeface="Microsoft YaHei" panose="020B0503020204020204" pitchFamily="34" charset="-122"/>
+              </a:defRPr>
+            </a:lvl7pPr>
+            <a:lvl8pPr marL="3429000" indent="-228600" eaLnBrk="0" fontAlgn="base" hangingPunct="0">
+              <a:lnSpc>
+                <a:spcPct val="120000"/>
+              </a:lnSpc>
+              <a:spcBef>
+                <a:spcPct val="0"/>
+              </a:spcBef>
+              <a:spcAft>
+                <a:spcPts val="300"/>
+              </a:spcAft>
+              <a:buFont typeface="Arial" panose="020B0604020202020204" pitchFamily="34" charset="0"/>
+              <a:buChar char="•"/>
+              <a:defRPr sz="1400">
+                <a:solidFill>
+                  <a:srgbClr val="595959"/>
+                </a:solidFill>
+                <a:latin typeface="Arial" panose="020B0604020202020204" pitchFamily="34" charset="0"/>
+                <a:ea typeface="Microsoft YaHei" panose="020B0503020204020204" pitchFamily="34" charset="-122"/>
+              </a:defRPr>
+            </a:lvl8pPr>
+            <a:lvl9pPr marL="3886200" indent="-228600" eaLnBrk="0" fontAlgn="base" hangingPunct="0">
+              <a:lnSpc>
+                <a:spcPct val="120000"/>
+              </a:lnSpc>
+              <a:spcBef>
+                <a:spcPct val="0"/>
+              </a:spcBef>
+              <a:spcAft>
+                <a:spcPts val="300"/>
+              </a:spcAft>
+              <a:buFont typeface="Arial" panose="020B0604020202020204" pitchFamily="34" charset="0"/>
+              <a:buChar char="•"/>
+              <a:defRPr sz="1400">
+                <a:solidFill>
+                  <a:srgbClr val="595959"/>
+                </a:solidFill>
+                <a:latin typeface="Arial" panose="020B0604020202020204" pitchFamily="34" charset="0"/>
+                <a:ea typeface="Microsoft YaHei" panose="020B0503020204020204" pitchFamily="34" charset="-122"/>
+              </a:defRPr>
+            </a:lvl9pPr>
+          </a:lstStyle>
+          <a:p>
+            <a:pPr algn="just" eaLnBrk="1" hangingPunct="1">
+              <a:lnSpc>
+                <a:spcPct val="100000"/>
+              </a:lnSpc>
+              <a:spcAft>
+                <a:spcPct val="0"/>
+              </a:spcAft>
+              <a:buFontTx/>
+              <a:buNone/>
+            </a:pPr>
+            <a:r>
+              <a:rPr lang="en-US" altLang="ko-KR" sz="2000" b="1" dirty="0">
+                <a:solidFill>
+                  <a:srgbClr val="FFFFFF"/>
+                </a:solidFill>
+                <a:cs typeface="Arial" panose="020B0604020202020204" pitchFamily="34" charset="0"/>
+              </a:rPr>
+              <a:t>3. N_SPLITS </a:t>
+            </a:r>
+            <a:r>
+              <a:rPr lang="ko-KR" altLang="en-US" sz="2000" b="1" dirty="0">
+                <a:solidFill>
+                  <a:srgbClr val="FFFFFF"/>
+                </a:solidFill>
+                <a:cs typeface="Arial" panose="020B0604020202020204" pitchFamily="34" charset="0"/>
+              </a:rPr>
+              <a:t>값에 따른 모델 예측력 비교 </a:t>
+            </a:r>
+          </a:p>
+        </p:txBody>
+      </p:sp>
+      <p:pic>
+        <p:nvPicPr>
+          <p:cNvPr id="16386" name="Picture 4">
+            <a:extLst>
+              <a:ext uri="{FF2B5EF4-FFF2-40B4-BE49-F238E27FC236}">
+                <a16:creationId xmlns:a16="http://schemas.microsoft.com/office/drawing/2014/main" id="{EDDB07F3-5CAC-9E63-F9A3-5997404A0BF8}"/>
+              </a:ext>
+            </a:extLst>
+          </p:cNvPr>
+          <p:cNvPicPr preferRelativeResize="0">
+            <a:picLocks noChangeArrowheads="1"/>
+          </p:cNvPicPr>
+          <p:nvPr/>
+        </p:nvPicPr>
+        <p:blipFill>
+          <a:blip r:embed="rId2">
+            <a:extLst>
+              <a:ext uri="{28A0092B-C50C-407E-A947-70E740481C1C}">
+                <a14:useLocalDpi xmlns:a14="http://schemas.microsoft.com/office/drawing/2010/main" val="0"/>
+              </a:ext>
+            </a:extLst>
+          </a:blip>
+          <a:srcRect/>
+          <a:stretch>
+            <a:fillRect/>
+          </a:stretch>
+        </p:blipFill>
+        <p:spPr bwMode="auto">
+          <a:xfrm>
+            <a:off x="11376025" y="849313"/>
+            <a:ext cx="541338" cy="541337"/>
+          </a:xfrm>
+          <a:prstGeom prst="rect">
+            <a:avLst/>
+          </a:prstGeom>
+          <a:noFill/>
+          <a:ln>
+            <a:noFill/>
+          </a:ln>
+          <a:extLst>
+            <a:ext uri="{909E8E84-426E-40DD-AFC4-6F175D3DCCD1}">
+              <a14:hiddenFill xmlns:a14="http://schemas.microsoft.com/office/drawing/2010/main">
+                <a:solidFill>
+                  <a:srgbClr val="FFFFFF"/>
+                </a:solidFill>
+              </a14:hiddenFill>
+            </a:ext>
+            <a:ext uri="{91240B29-F687-4F45-9708-019B960494DF}">
+              <a14:hiddenLine xmlns:a14="http://schemas.microsoft.com/office/drawing/2010/main" w="9525">
+                <a:solidFill>
+                  <a:srgbClr val="000000"/>
+                </a:solidFill>
+                <a:miter lim="800000"/>
+                <a:headEnd/>
+                <a:tailEnd/>
+              </a14:hiddenLine>
+            </a:ext>
+          </a:extLst>
+        </p:spPr>
+      </p:pic>
+      <p:pic>
+        <p:nvPicPr>
+          <p:cNvPr id="16387" name="Picture 5">
+            <a:extLst>
+              <a:ext uri="{FF2B5EF4-FFF2-40B4-BE49-F238E27FC236}">
+                <a16:creationId xmlns:a16="http://schemas.microsoft.com/office/drawing/2014/main" id="{28C76661-6247-D3CE-25E0-48381C783D5F}"/>
+              </a:ext>
+            </a:extLst>
+          </p:cNvPr>
+          <p:cNvPicPr preferRelativeResize="0">
+            <a:picLocks noChangeArrowheads="1"/>
+          </p:cNvPicPr>
+          <p:nvPr/>
+        </p:nvPicPr>
+        <p:blipFill>
+          <a:blip r:embed="rId3">
+            <a:extLst>
+              <a:ext uri="{28A0092B-C50C-407E-A947-70E740481C1C}">
+                <a14:useLocalDpi xmlns:a14="http://schemas.microsoft.com/office/drawing/2010/main" val="0"/>
+              </a:ext>
+            </a:extLst>
+          </a:blip>
+          <a:srcRect/>
+          <a:stretch>
+            <a:fillRect/>
+          </a:stretch>
+        </p:blipFill>
+        <p:spPr bwMode="auto">
+          <a:xfrm>
+            <a:off x="10690225" y="849313"/>
+            <a:ext cx="539750" cy="541337"/>
+          </a:xfrm>
+          <a:prstGeom prst="rect">
+            <a:avLst/>
+          </a:prstGeom>
+          <a:noFill/>
+          <a:ln>
+            <a:noFill/>
+          </a:ln>
+          <a:extLst>
+            <a:ext uri="{909E8E84-426E-40DD-AFC4-6F175D3DCCD1}">
+              <a14:hiddenFill xmlns:a14="http://schemas.microsoft.com/office/drawing/2010/main">
+                <a:solidFill>
+                  <a:srgbClr val="FFFFFF"/>
+                </a:solidFill>
+              </a14:hiddenFill>
+            </a:ext>
+            <a:ext uri="{91240B29-F687-4F45-9708-019B960494DF}">
+              <a14:hiddenLine xmlns:a14="http://schemas.microsoft.com/office/drawing/2010/main" w="9525">
+                <a:solidFill>
+                  <a:srgbClr val="000000"/>
+                </a:solidFill>
+                <a:miter lim="800000"/>
+                <a:headEnd/>
+                <a:tailEnd/>
+              </a14:hiddenLine>
+            </a:ext>
+          </a:extLst>
+        </p:spPr>
+      </p:pic>
+      <p:sp>
+        <p:nvSpPr>
+          <p:cNvPr id="16388" name="Rectangle 7">
+            <a:extLst>
+              <a:ext uri="{FF2B5EF4-FFF2-40B4-BE49-F238E27FC236}">
+                <a16:creationId xmlns:a16="http://schemas.microsoft.com/office/drawing/2014/main" id="{ED7FCF0A-AF8C-A5D5-0E81-44E8DA6DC7D3}"/>
+              </a:ext>
+            </a:extLst>
+          </p:cNvPr>
+          <p:cNvSpPr>
+            <a:spLocks noChangeArrowheads="1"/>
+          </p:cNvSpPr>
+          <p:nvPr/>
+        </p:nvSpPr>
+        <p:spPr bwMode="auto">
+          <a:xfrm>
+            <a:off x="8877300" y="6315075"/>
+            <a:ext cx="2700338" cy="315913"/>
+          </a:xfrm>
+          <a:prstGeom prst="rect">
+            <a:avLst/>
+          </a:prstGeom>
+          <a:noFill/>
+          <a:ln>
+            <a:noFill/>
+          </a:ln>
+          <a:extLst>
+            <a:ext uri="{909E8E84-426E-40DD-AFC4-6F175D3DCCD1}">
+              <a14:hiddenFill xmlns:a14="http://schemas.microsoft.com/office/drawing/2010/main">
+                <a:solidFill>
+                  <a:srgbClr val="FFFFFF"/>
+                </a:solidFill>
+              </a14:hiddenFill>
+            </a:ext>
+            <a:ext uri="{91240B29-F687-4F45-9708-019B960494DF}">
+              <a14:hiddenLine xmlns:a14="http://schemas.microsoft.com/office/drawing/2010/main" w="9525">
+                <a:solidFill>
+                  <a:srgbClr val="000000"/>
+                </a:solidFill>
+                <a:miter lim="800000"/>
+                <a:headEnd/>
+                <a:tailEnd/>
+              </a14:hiddenLine>
+            </a:ext>
+          </a:extLst>
+        </p:spPr>
+        <p:txBody>
+          <a:bodyPr anchor="ctr"/>
+          <a:lstStyle>
+            <a:lvl1pPr>
+              <a:lnSpc>
+                <a:spcPct val="130000"/>
+              </a:lnSpc>
+              <a:spcAft>
+                <a:spcPts val="1000"/>
+              </a:spcAft>
+              <a:buFont typeface="Arial" panose="020B0604020202020204" pitchFamily="34" charset="0"/>
+              <a:buChar char="●"/>
+              <a:defRPr>
+                <a:solidFill>
+                  <a:srgbClr val="595959"/>
+                </a:solidFill>
+                <a:latin typeface="Arial" panose="020B0604020202020204" pitchFamily="34" charset="0"/>
+                <a:ea typeface="Microsoft YaHei" panose="020B0503020204020204" pitchFamily="34" charset="-122"/>
+              </a:defRPr>
+            </a:lvl1pPr>
+            <a:lvl2pPr marL="742950" indent="-285750">
+              <a:lnSpc>
+                <a:spcPct val="120000"/>
+              </a:lnSpc>
+              <a:spcAft>
+                <a:spcPts val="600"/>
+              </a:spcAft>
+              <a:buFont typeface="Arial" panose="020B0604020202020204" pitchFamily="34" charset="0"/>
+              <a:buChar char="●"/>
+              <a:tabLst>
+                <a:tab pos="1609725" algn="l"/>
+              </a:tabLst>
+              <a:defRPr sz="1600">
+                <a:solidFill>
+                  <a:srgbClr val="595959"/>
+                </a:solidFill>
+                <a:latin typeface="Arial" panose="020B0604020202020204" pitchFamily="34" charset="0"/>
+                <a:ea typeface="Microsoft YaHei" panose="020B0503020204020204" pitchFamily="34" charset="-122"/>
+              </a:defRPr>
+            </a:lvl2pPr>
+            <a:lvl3pPr marL="1143000" indent="-228600">
+              <a:lnSpc>
+                <a:spcPct val="120000"/>
+              </a:lnSpc>
+              <a:spcAft>
+                <a:spcPts val="600"/>
+              </a:spcAft>
+              <a:buFont typeface="Arial" panose="020B0604020202020204" pitchFamily="34" charset="0"/>
+              <a:buChar char="●"/>
+              <a:defRPr sz="1600">
+                <a:solidFill>
+                  <a:srgbClr val="595959"/>
+                </a:solidFill>
+                <a:latin typeface="Arial" panose="020B0604020202020204" pitchFamily="34" charset="0"/>
+                <a:ea typeface="Microsoft YaHei" panose="020B0503020204020204" pitchFamily="34" charset="-122"/>
+              </a:defRPr>
+            </a:lvl3pPr>
+            <a:lvl4pPr marL="1600200" indent="-228600">
+              <a:lnSpc>
+                <a:spcPct val="120000"/>
+              </a:lnSpc>
+              <a:spcAft>
+                <a:spcPts val="300"/>
+              </a:spcAft>
+              <a:buFont typeface="Wingdings" pitchFamily="2" charset="2"/>
+              <a:buChar char=""/>
+              <a:defRPr sz="1400">
+                <a:solidFill>
+                  <a:srgbClr val="595959"/>
+                </a:solidFill>
+                <a:latin typeface="Arial" panose="020B0604020202020204" pitchFamily="34" charset="0"/>
+                <a:ea typeface="Microsoft YaHei" panose="020B0503020204020204" pitchFamily="34" charset="-122"/>
+              </a:defRPr>
+            </a:lvl4pPr>
+            <a:lvl5pPr marL="2057400" indent="-228600">
+              <a:lnSpc>
+                <a:spcPct val="120000"/>
+              </a:lnSpc>
+              <a:spcAft>
+                <a:spcPts val="300"/>
+              </a:spcAft>
+              <a:buFont typeface="Arial" panose="020B0604020202020204" pitchFamily="34" charset="0"/>
+              <a:buChar char="•"/>
+              <a:defRPr sz="1400">
+                <a:solidFill>
+                  <a:srgbClr val="595959"/>
+                </a:solidFill>
+                <a:latin typeface="Arial" panose="020B0604020202020204" pitchFamily="34" charset="0"/>
+                <a:ea typeface="Microsoft YaHei" panose="020B0503020204020204" pitchFamily="34" charset="-122"/>
+              </a:defRPr>
+            </a:lvl5pPr>
+            <a:lvl6pPr marL="2514600" indent="-228600" eaLnBrk="0" fontAlgn="base" hangingPunct="0">
+              <a:lnSpc>
+                <a:spcPct val="120000"/>
+              </a:lnSpc>
+              <a:spcBef>
+                <a:spcPct val="0"/>
+              </a:spcBef>
+              <a:spcAft>
+                <a:spcPts val="300"/>
+              </a:spcAft>
+              <a:buFont typeface="Arial" panose="020B0604020202020204" pitchFamily="34" charset="0"/>
+              <a:buChar char="•"/>
+              <a:defRPr sz="1400">
+                <a:solidFill>
+                  <a:srgbClr val="595959"/>
+                </a:solidFill>
+                <a:latin typeface="Arial" panose="020B0604020202020204" pitchFamily="34" charset="0"/>
+                <a:ea typeface="Microsoft YaHei" panose="020B0503020204020204" pitchFamily="34" charset="-122"/>
+              </a:defRPr>
+            </a:lvl6pPr>
+            <a:lvl7pPr marL="2971800" indent="-228600" eaLnBrk="0" fontAlgn="base" hangingPunct="0">
+              <a:lnSpc>
+                <a:spcPct val="120000"/>
+              </a:lnSpc>
+              <a:spcBef>
+                <a:spcPct val="0"/>
+              </a:spcBef>
+              <a:spcAft>
+                <a:spcPts val="300"/>
+              </a:spcAft>
+              <a:buFont typeface="Arial" panose="020B0604020202020204" pitchFamily="34" charset="0"/>
+              <a:buChar char="•"/>
+              <a:defRPr sz="1400">
+                <a:solidFill>
+                  <a:srgbClr val="595959"/>
+                </a:solidFill>
+                <a:latin typeface="Arial" panose="020B0604020202020204" pitchFamily="34" charset="0"/>
+                <a:ea typeface="Microsoft YaHei" panose="020B0503020204020204" pitchFamily="34" charset="-122"/>
+              </a:defRPr>
+            </a:lvl7pPr>
+            <a:lvl8pPr marL="3429000" indent="-228600" eaLnBrk="0" fontAlgn="base" hangingPunct="0">
+              <a:lnSpc>
+                <a:spcPct val="120000"/>
+              </a:lnSpc>
+              <a:spcBef>
+                <a:spcPct val="0"/>
+              </a:spcBef>
+              <a:spcAft>
+                <a:spcPts val="300"/>
+              </a:spcAft>
+              <a:buFont typeface="Arial" panose="020B0604020202020204" pitchFamily="34" charset="0"/>
+              <a:buChar char="•"/>
+              <a:defRPr sz="1400">
+                <a:solidFill>
+                  <a:srgbClr val="595959"/>
+                </a:solidFill>
+                <a:latin typeface="Arial" panose="020B0604020202020204" pitchFamily="34" charset="0"/>
+                <a:ea typeface="Microsoft YaHei" panose="020B0503020204020204" pitchFamily="34" charset="-122"/>
+              </a:defRPr>
+            </a:lvl8pPr>
+            <a:lvl9pPr marL="3886200" indent="-228600" eaLnBrk="0" fontAlgn="base" hangingPunct="0">
+              <a:lnSpc>
+                <a:spcPct val="120000"/>
+              </a:lnSpc>
+              <a:spcBef>
+                <a:spcPct val="0"/>
+              </a:spcBef>
+              <a:spcAft>
+                <a:spcPts val="300"/>
+              </a:spcAft>
+              <a:buFont typeface="Arial" panose="020B0604020202020204" pitchFamily="34" charset="0"/>
+              <a:buChar char="•"/>
+              <a:defRPr sz="1400">
+                <a:solidFill>
+                  <a:srgbClr val="595959"/>
+                </a:solidFill>
+                <a:latin typeface="Arial" panose="020B0604020202020204" pitchFamily="34" charset="0"/>
+                <a:ea typeface="Microsoft YaHei" panose="020B0503020204020204" pitchFamily="34" charset="-122"/>
+              </a:defRPr>
+            </a:lvl9pPr>
+          </a:lstStyle>
+          <a:p>
+            <a:pPr algn="r">
+              <a:lnSpc>
+                <a:spcPct val="100000"/>
+              </a:lnSpc>
+              <a:spcAft>
+                <a:spcPct val="0"/>
+              </a:spcAft>
+              <a:buFontTx/>
+              <a:buNone/>
+            </a:pPr>
+            <a:r>
+              <a:rPr lang="ko-KR" altLang="en-US" sz="1000">
+                <a:solidFill>
+                  <a:srgbClr val="898989"/>
+                </a:solidFill>
+                <a:cs typeface="Arial" panose="020B0604020202020204" pitchFamily="34" charset="0"/>
+              </a:rPr>
+              <a:t>3</a:t>
+            </a:r>
+          </a:p>
+        </p:txBody>
+      </p:sp>
+      <p:sp>
+        <p:nvSpPr>
+          <p:cNvPr id="16389" name="Rectangle 8">
+            <a:extLst>
+              <a:ext uri="{FF2B5EF4-FFF2-40B4-BE49-F238E27FC236}">
+                <a16:creationId xmlns:a16="http://schemas.microsoft.com/office/drawing/2014/main" id="{D2CA6A0E-8DDC-391D-9F37-ACF971E153E6}"/>
+              </a:ext>
+            </a:extLst>
+          </p:cNvPr>
+          <p:cNvSpPr>
+            <a:spLocks/>
+          </p:cNvSpPr>
+          <p:nvPr/>
+        </p:nvSpPr>
+        <p:spPr bwMode="auto">
+          <a:xfrm>
+            <a:off x="208864" y="837791"/>
+            <a:ext cx="10958802" cy="5391150"/>
+          </a:xfrm>
+          <a:prstGeom prst="rect">
+            <a:avLst/>
+          </a:prstGeom>
+          <a:noFill/>
+          <a:ln w="12700">
+            <a:solidFill>
+              <a:srgbClr val="FFFFFF"/>
+            </a:solidFill>
+            <a:miter lim="800000"/>
+            <a:headEnd/>
+            <a:tailEnd/>
+          </a:ln>
+        </p:spPr>
+        <p:txBody>
+          <a:bodyPr/>
+          <a:lstStyle>
+            <a:lvl1pPr>
+              <a:lnSpc>
+                <a:spcPct val="130000"/>
+              </a:lnSpc>
+              <a:spcAft>
+                <a:spcPts val="1000"/>
+              </a:spcAft>
+              <a:buFont typeface="Arial" panose="020B0604020202020204" pitchFamily="34" charset="0"/>
+              <a:buChar char="●"/>
+              <a:defRPr>
+                <a:solidFill>
+                  <a:srgbClr val="595959"/>
+                </a:solidFill>
+                <a:latin typeface="Arial" panose="020B0604020202020204" pitchFamily="34" charset="0"/>
+                <a:ea typeface="Microsoft YaHei" panose="020B0503020204020204" pitchFamily="34" charset="-122"/>
+              </a:defRPr>
+            </a:lvl1pPr>
+            <a:lvl2pPr marL="742950" indent="-285750">
+              <a:lnSpc>
+                <a:spcPct val="120000"/>
+              </a:lnSpc>
+              <a:spcAft>
+                <a:spcPts val="600"/>
+              </a:spcAft>
+              <a:buFont typeface="Arial" panose="020B0604020202020204" pitchFamily="34" charset="0"/>
+              <a:buChar char="●"/>
+              <a:tabLst>
+                <a:tab pos="1609725" algn="l"/>
+              </a:tabLst>
+              <a:defRPr sz="1600">
+                <a:solidFill>
+                  <a:srgbClr val="595959"/>
+                </a:solidFill>
+                <a:latin typeface="Arial" panose="020B0604020202020204" pitchFamily="34" charset="0"/>
+                <a:ea typeface="Microsoft YaHei" panose="020B0503020204020204" pitchFamily="34" charset="-122"/>
+              </a:defRPr>
+            </a:lvl2pPr>
+            <a:lvl3pPr marL="1143000" indent="-228600">
+              <a:lnSpc>
+                <a:spcPct val="120000"/>
+              </a:lnSpc>
+              <a:spcAft>
+                <a:spcPts val="600"/>
+              </a:spcAft>
+              <a:buFont typeface="Arial" panose="020B0604020202020204" pitchFamily="34" charset="0"/>
+              <a:buChar char="●"/>
+              <a:defRPr sz="1600">
+                <a:solidFill>
+                  <a:srgbClr val="595959"/>
+                </a:solidFill>
+                <a:latin typeface="Arial" panose="020B0604020202020204" pitchFamily="34" charset="0"/>
+                <a:ea typeface="Microsoft YaHei" panose="020B0503020204020204" pitchFamily="34" charset="-122"/>
+              </a:defRPr>
+            </a:lvl3pPr>
+            <a:lvl4pPr marL="1600200" indent="-228600">
+              <a:lnSpc>
+                <a:spcPct val="120000"/>
+              </a:lnSpc>
+              <a:spcAft>
+                <a:spcPts val="300"/>
+              </a:spcAft>
+              <a:buFont typeface="Wingdings" pitchFamily="2" charset="2"/>
+              <a:buChar char=""/>
+              <a:defRPr sz="1400">
+                <a:solidFill>
+                  <a:srgbClr val="595959"/>
+                </a:solidFill>
+                <a:latin typeface="Arial" panose="020B0604020202020204" pitchFamily="34" charset="0"/>
+                <a:ea typeface="Microsoft YaHei" panose="020B0503020204020204" pitchFamily="34" charset="-122"/>
+              </a:defRPr>
+            </a:lvl4pPr>
+            <a:lvl5pPr marL="2057400" indent="-228600">
+              <a:lnSpc>
+                <a:spcPct val="120000"/>
+              </a:lnSpc>
+              <a:spcAft>
+                <a:spcPts val="300"/>
+              </a:spcAft>
+              <a:buFont typeface="Arial" panose="020B0604020202020204" pitchFamily="34" charset="0"/>
+              <a:buChar char="•"/>
+              <a:defRPr sz="1400">
+                <a:solidFill>
+                  <a:srgbClr val="595959"/>
+                </a:solidFill>
+                <a:latin typeface="Arial" panose="020B0604020202020204" pitchFamily="34" charset="0"/>
+                <a:ea typeface="Microsoft YaHei" panose="020B0503020204020204" pitchFamily="34" charset="-122"/>
+              </a:defRPr>
+            </a:lvl5pPr>
+            <a:lvl6pPr marL="2514600" indent="-228600" eaLnBrk="0" fontAlgn="base" hangingPunct="0">
+              <a:lnSpc>
+                <a:spcPct val="120000"/>
+              </a:lnSpc>
+              <a:spcBef>
+                <a:spcPct val="0"/>
+              </a:spcBef>
+              <a:spcAft>
+                <a:spcPts val="300"/>
+              </a:spcAft>
+              <a:buFont typeface="Arial" panose="020B0604020202020204" pitchFamily="34" charset="0"/>
+              <a:buChar char="•"/>
+              <a:defRPr sz="1400">
+                <a:solidFill>
+                  <a:srgbClr val="595959"/>
+                </a:solidFill>
+                <a:latin typeface="Arial" panose="020B0604020202020204" pitchFamily="34" charset="0"/>
+                <a:ea typeface="Microsoft YaHei" panose="020B0503020204020204" pitchFamily="34" charset="-122"/>
+              </a:defRPr>
+            </a:lvl6pPr>
+            <a:lvl7pPr marL="2971800" indent="-228600" eaLnBrk="0" fontAlgn="base" hangingPunct="0">
+              <a:lnSpc>
+                <a:spcPct val="120000"/>
+              </a:lnSpc>
+              <a:spcBef>
+                <a:spcPct val="0"/>
+              </a:spcBef>
+              <a:spcAft>
+                <a:spcPts val="300"/>
+              </a:spcAft>
+              <a:buFont typeface="Arial" panose="020B0604020202020204" pitchFamily="34" charset="0"/>
+              <a:buChar char="•"/>
+              <a:defRPr sz="1400">
+                <a:solidFill>
+                  <a:srgbClr val="595959"/>
+                </a:solidFill>
+                <a:latin typeface="Arial" panose="020B0604020202020204" pitchFamily="34" charset="0"/>
+                <a:ea typeface="Microsoft YaHei" panose="020B0503020204020204" pitchFamily="34" charset="-122"/>
+              </a:defRPr>
+            </a:lvl7pPr>
+            <a:lvl8pPr marL="3429000" indent="-228600" eaLnBrk="0" fontAlgn="base" hangingPunct="0">
+              <a:lnSpc>
+                <a:spcPct val="120000"/>
+              </a:lnSpc>
+              <a:spcBef>
+                <a:spcPct val="0"/>
+              </a:spcBef>
+              <a:spcAft>
+                <a:spcPts val="300"/>
+              </a:spcAft>
+              <a:buFont typeface="Arial" panose="020B0604020202020204" pitchFamily="34" charset="0"/>
+              <a:buChar char="•"/>
+              <a:defRPr sz="1400">
+                <a:solidFill>
+                  <a:srgbClr val="595959"/>
+                </a:solidFill>
+                <a:latin typeface="Arial" panose="020B0604020202020204" pitchFamily="34" charset="0"/>
+                <a:ea typeface="Microsoft YaHei" panose="020B0503020204020204" pitchFamily="34" charset="-122"/>
+              </a:defRPr>
+            </a:lvl8pPr>
+            <a:lvl9pPr marL="3886200" indent="-228600" eaLnBrk="0" fontAlgn="base" hangingPunct="0">
+              <a:lnSpc>
+                <a:spcPct val="120000"/>
+              </a:lnSpc>
+              <a:spcBef>
+                <a:spcPct val="0"/>
+              </a:spcBef>
+              <a:spcAft>
+                <a:spcPts val="300"/>
+              </a:spcAft>
+              <a:buFont typeface="Arial" panose="020B0604020202020204" pitchFamily="34" charset="0"/>
+              <a:buChar char="•"/>
+              <a:defRPr sz="1400">
+                <a:solidFill>
+                  <a:srgbClr val="595959"/>
+                </a:solidFill>
+                <a:latin typeface="Arial" panose="020B0604020202020204" pitchFamily="34" charset="0"/>
+                <a:ea typeface="Microsoft YaHei" panose="020B0503020204020204" pitchFamily="34" charset="-122"/>
+              </a:defRPr>
+            </a:lvl9pPr>
+          </a:lstStyle>
+          <a:p>
+            <a:pPr marL="342900" indent="-342900" algn="just">
+              <a:lnSpc>
+                <a:spcPct val="110000"/>
+              </a:lnSpc>
+              <a:buClr>
+                <a:srgbClr val="595959"/>
+              </a:buClr>
+              <a:buAutoNum type="arabicPeriod"/>
+              <a:defRPr/>
+            </a:pPr>
+            <a:r>
+              <a:rPr lang="ko-KR" altLang="en-US" b="1" dirty="0">
+                <a:cs typeface="Arial" panose="020B0604020202020204" pitchFamily="34" charset="0"/>
+              </a:rPr>
+              <a:t>이상한 점 </a:t>
+            </a:r>
+            <a:r>
+              <a:rPr lang="en-US" altLang="ko-KR" b="1" dirty="0">
+                <a:cs typeface="Arial" panose="020B0604020202020204" pitchFamily="34" charset="0"/>
+              </a:rPr>
+              <a:t>: N_SPLITS = 1 </a:t>
+            </a:r>
+            <a:r>
+              <a:rPr lang="ko-KR" altLang="en-US" b="1" dirty="0">
+                <a:cs typeface="Arial" panose="020B0604020202020204" pitchFamily="34" charset="0"/>
+              </a:rPr>
+              <a:t>이라면</a:t>
+            </a:r>
+            <a:r>
+              <a:rPr lang="en-US" altLang="ko-KR" b="1" dirty="0">
+                <a:cs typeface="Arial" panose="020B0604020202020204" pitchFamily="34" charset="0"/>
+              </a:rPr>
+              <a:t>, </a:t>
+            </a:r>
+            <a:r>
+              <a:rPr lang="ko-KR" altLang="en-US" b="1" dirty="0">
+                <a:cs typeface="Arial" panose="020B0604020202020204" pitchFamily="34" charset="0"/>
+              </a:rPr>
+              <a:t>기존 </a:t>
+            </a:r>
+            <a:r>
+              <a:rPr lang="ko-KR" altLang="en-US" b="1" dirty="0" err="1">
+                <a:cs typeface="Arial" panose="020B0604020202020204" pitchFamily="34" charset="0"/>
+              </a:rPr>
+              <a:t>시간순</a:t>
+            </a:r>
+            <a:r>
+              <a:rPr lang="ko-KR" altLang="en-US" b="1" dirty="0">
+                <a:cs typeface="Arial" panose="020B0604020202020204" pitchFamily="34" charset="0"/>
+              </a:rPr>
+              <a:t> </a:t>
+            </a:r>
+            <a:r>
+              <a:rPr lang="en-US" altLang="ko-KR" b="1" dirty="0">
+                <a:cs typeface="Arial" panose="020B0604020202020204" pitchFamily="34" charset="0"/>
+              </a:rPr>
+              <a:t>8:2 </a:t>
+            </a:r>
+            <a:r>
+              <a:rPr lang="ko-KR" altLang="en-US" b="1" dirty="0">
+                <a:cs typeface="Arial" panose="020B0604020202020204" pitchFamily="34" charset="0"/>
+              </a:rPr>
+              <a:t>학습</a:t>
+            </a:r>
+            <a:r>
+              <a:rPr lang="en-US" altLang="ko-KR" b="1" dirty="0">
+                <a:cs typeface="Arial" panose="020B0604020202020204" pitchFamily="34" charset="0"/>
+              </a:rPr>
+              <a:t>/</a:t>
+            </a:r>
+            <a:r>
+              <a:rPr lang="ko-KR" altLang="en-US" b="1" dirty="0">
+                <a:cs typeface="Arial" panose="020B0604020202020204" pitchFamily="34" charset="0"/>
+              </a:rPr>
+              <a:t>검증 분할과 다를 바가 없음</a:t>
+            </a:r>
+            <a:endParaRPr lang="en-US" altLang="ko-KR" b="1" dirty="0">
+              <a:cs typeface="Arial" panose="020B0604020202020204" pitchFamily="34" charset="0"/>
+            </a:endParaRPr>
+          </a:p>
+          <a:p>
+            <a:pPr marL="342900" indent="-342900" algn="just">
+              <a:lnSpc>
+                <a:spcPct val="110000"/>
+              </a:lnSpc>
+              <a:buClr>
+                <a:srgbClr val="595959"/>
+              </a:buClr>
+              <a:buAutoNum type="arabicPeriod"/>
+              <a:defRPr/>
+            </a:pPr>
+            <a:r>
+              <a:rPr lang="ko-KR" altLang="en-US" dirty="0">
+                <a:cs typeface="Arial" panose="020B0604020202020204" pitchFamily="34" charset="0"/>
+              </a:rPr>
+              <a:t>그런데 </a:t>
+            </a:r>
+            <a:r>
+              <a:rPr lang="en-US" altLang="ko-KR" dirty="0">
+                <a:cs typeface="Arial" panose="020B0604020202020204" pitchFamily="34" charset="0"/>
+              </a:rPr>
+              <a:t>SOH </a:t>
+            </a:r>
+            <a:r>
+              <a:rPr lang="ko-KR" altLang="en-US" dirty="0">
+                <a:cs typeface="Arial" panose="020B0604020202020204" pitchFamily="34" charset="0"/>
+              </a:rPr>
+              <a:t>예측력이 우수함</a:t>
+            </a:r>
+            <a:r>
+              <a:rPr lang="en-US" altLang="ko-KR" dirty="0">
+                <a:cs typeface="Arial" panose="020B0604020202020204" pitchFamily="34" charset="0"/>
+              </a:rPr>
+              <a:t>. </a:t>
+            </a:r>
+          </a:p>
+          <a:p>
+            <a:pPr marL="1085850" lvl="1" indent="-342900" algn="just">
+              <a:lnSpc>
+                <a:spcPct val="110000"/>
+              </a:lnSpc>
+              <a:buClr>
+                <a:srgbClr val="595959"/>
+              </a:buClr>
+              <a:buAutoNum type="arabicPeriod"/>
+              <a:defRPr/>
+            </a:pPr>
+            <a:r>
+              <a:rPr lang="ko-KR" altLang="en-US" dirty="0">
+                <a:cs typeface="Arial" panose="020B0604020202020204" pitchFamily="34" charset="0"/>
+              </a:rPr>
+              <a:t>지난 주 </a:t>
+            </a:r>
+            <a:r>
+              <a:rPr lang="en-US" altLang="ko-KR" dirty="0">
+                <a:cs typeface="Arial" panose="020B0604020202020204" pitchFamily="34" charset="0"/>
+              </a:rPr>
+              <a:t>target</a:t>
+            </a:r>
+            <a:r>
+              <a:rPr lang="ko-KR" altLang="en-US" dirty="0">
+                <a:cs typeface="Arial" panose="020B0604020202020204" pitchFamily="34" charset="0"/>
+              </a:rPr>
+              <a:t>을 데이터셋의 측정이 끝난 시점을 기준으로 </a:t>
+            </a:r>
+            <a:r>
+              <a:rPr lang="en-US" altLang="ko-KR" dirty="0" err="1">
+                <a:cs typeface="Arial" panose="020B0604020202020204" pitchFamily="34" charset="0"/>
+              </a:rPr>
+              <a:t>rul_cycle</a:t>
+            </a:r>
+            <a:r>
+              <a:rPr lang="ko-KR" altLang="en-US" dirty="0">
+                <a:cs typeface="Arial" panose="020B0604020202020204" pitchFamily="34" charset="0"/>
+              </a:rPr>
+              <a:t>을 설정했음</a:t>
+            </a:r>
+            <a:endParaRPr lang="en-US" altLang="ko-KR" dirty="0">
+              <a:cs typeface="Arial" panose="020B0604020202020204" pitchFamily="34" charset="0"/>
+            </a:endParaRPr>
+          </a:p>
+          <a:p>
+            <a:pPr marL="1085850" lvl="1" indent="-342900" algn="just">
+              <a:lnSpc>
+                <a:spcPct val="110000"/>
+              </a:lnSpc>
+              <a:buClr>
+                <a:srgbClr val="595959"/>
+              </a:buClr>
+              <a:buAutoNum type="arabicPeriod"/>
+              <a:defRPr/>
+            </a:pPr>
+            <a:r>
+              <a:rPr lang="ko-KR" altLang="en-US" dirty="0">
+                <a:cs typeface="Arial" panose="020B0604020202020204" pitchFamily="34" charset="0"/>
+              </a:rPr>
+              <a:t>이 접근 자체가 잘못되었다는 것을 의미함</a:t>
+            </a:r>
+            <a:endParaRPr lang="en-US" altLang="ko-KR" dirty="0">
+              <a:cs typeface="Arial" panose="020B0604020202020204" pitchFamily="34" charset="0"/>
+            </a:endParaRPr>
+          </a:p>
+          <a:p>
+            <a:pPr marL="342900" indent="-342900" algn="just">
+              <a:lnSpc>
+                <a:spcPct val="110000"/>
+              </a:lnSpc>
+              <a:buClr>
+                <a:srgbClr val="595959"/>
+              </a:buClr>
+              <a:buAutoNum type="arabicPeriod"/>
+              <a:defRPr/>
+            </a:pPr>
+            <a:r>
+              <a:rPr lang="ko-KR" altLang="en-US" dirty="0">
+                <a:cs typeface="Arial" panose="020B0604020202020204" pitchFamily="34" charset="0"/>
+              </a:rPr>
+              <a:t>그렇다면 시계열 데이터를 </a:t>
+            </a:r>
+            <a:r>
+              <a:rPr lang="en-US" altLang="ko-KR" dirty="0">
+                <a:cs typeface="Arial" panose="020B0604020202020204" pitchFamily="34" charset="0"/>
+              </a:rPr>
+              <a:t>N</a:t>
+            </a:r>
+            <a:r>
+              <a:rPr lang="ko-KR" altLang="en-US" dirty="0">
+                <a:cs typeface="Arial" panose="020B0604020202020204" pitchFamily="34" charset="0"/>
+              </a:rPr>
+              <a:t>개의 구간으로 나누는 것이 여전히 유의미한 지 확인해야 함</a:t>
+            </a:r>
+            <a:endParaRPr lang="en-US" altLang="ko-KR" dirty="0">
+              <a:cs typeface="Arial" panose="020B0604020202020204" pitchFamily="34" charset="0"/>
+            </a:endParaRPr>
+          </a:p>
+          <a:p>
+            <a:pPr marL="342900" indent="-342900" algn="just">
+              <a:lnSpc>
+                <a:spcPct val="110000"/>
+              </a:lnSpc>
+              <a:buClr>
+                <a:srgbClr val="595959"/>
+              </a:buClr>
+              <a:buAutoNum type="arabicPeriod"/>
+              <a:defRPr/>
+            </a:pPr>
+            <a:r>
+              <a:rPr lang="en-US" altLang="ko-KR" dirty="0">
+                <a:cs typeface="Arial" panose="020B0604020202020204" pitchFamily="34" charset="0"/>
+              </a:rPr>
+              <a:t>6</a:t>
+            </a:r>
+            <a:r>
+              <a:rPr lang="ko-KR" altLang="en-US" dirty="0">
+                <a:cs typeface="Arial" panose="020B0604020202020204" pitchFamily="34" charset="0"/>
+              </a:rPr>
+              <a:t>번 배터리 외의 배터리에 대해서 확인하였음</a:t>
+            </a:r>
+            <a:endParaRPr lang="en-US" altLang="ko-KR" dirty="0">
+              <a:cs typeface="Arial" panose="020B0604020202020204" pitchFamily="34" charset="0"/>
+            </a:endParaRPr>
+          </a:p>
+          <a:p>
+            <a:pPr marL="342900" indent="-342900" algn="just">
+              <a:lnSpc>
+                <a:spcPct val="110000"/>
+              </a:lnSpc>
+              <a:buClr>
+                <a:srgbClr val="595959"/>
+              </a:buClr>
+              <a:buAutoNum type="arabicPeriod"/>
+              <a:defRPr/>
+            </a:pPr>
+            <a:endParaRPr lang="en-US" altLang="ko-KR" dirty="0">
+              <a:cs typeface="Arial" panose="020B0604020202020204" pitchFamily="34" charset="0"/>
+            </a:endParaRPr>
+          </a:p>
+          <a:p>
+            <a:pPr marL="342900" indent="-342900" algn="just">
+              <a:lnSpc>
+                <a:spcPct val="110000"/>
+              </a:lnSpc>
+              <a:buClr>
+                <a:srgbClr val="595959"/>
+              </a:buClr>
+              <a:buAutoNum type="arabicPeriod"/>
+              <a:defRPr/>
+            </a:pPr>
+            <a:endParaRPr lang="en-US" altLang="ko-KR" dirty="0">
+              <a:cs typeface="Arial" panose="020B0604020202020204" pitchFamily="34" charset="0"/>
+            </a:endParaRPr>
+          </a:p>
+          <a:p>
+            <a:pPr marL="342900" indent="-342900" algn="just">
+              <a:lnSpc>
+                <a:spcPct val="110000"/>
+              </a:lnSpc>
+              <a:buClr>
+                <a:srgbClr val="595959"/>
+              </a:buClr>
+              <a:buAutoNum type="arabicPeriod"/>
+              <a:defRPr/>
+            </a:pPr>
+            <a:endParaRPr lang="en-US" altLang="ko-KR" dirty="0">
+              <a:cs typeface="Arial" panose="020B0604020202020204" pitchFamily="34" charset="0"/>
+            </a:endParaRPr>
+          </a:p>
+          <a:p>
+            <a:pPr marL="342900" indent="-342900" algn="just">
+              <a:lnSpc>
+                <a:spcPct val="110000"/>
+              </a:lnSpc>
+              <a:buClr>
+                <a:srgbClr val="595959"/>
+              </a:buClr>
+              <a:buAutoNum type="arabicPeriod"/>
+              <a:defRPr/>
+            </a:pPr>
+            <a:endParaRPr lang="en-US" altLang="ko-KR" dirty="0">
+              <a:cs typeface="Arial" panose="020B0604020202020204" pitchFamily="34" charset="0"/>
+            </a:endParaRPr>
+          </a:p>
+          <a:p>
+            <a:pPr marL="342900" indent="-342900" algn="just">
+              <a:lnSpc>
+                <a:spcPct val="110000"/>
+              </a:lnSpc>
+              <a:buClr>
+                <a:srgbClr val="595959"/>
+              </a:buClr>
+              <a:buAutoNum type="arabicPeriod"/>
+              <a:defRPr/>
+            </a:pPr>
+            <a:endParaRPr lang="en-US" altLang="ko-KR" dirty="0">
+              <a:cs typeface="Arial" panose="020B0604020202020204" pitchFamily="34" charset="0"/>
+            </a:endParaRPr>
+          </a:p>
+          <a:p>
+            <a:pPr marL="342900" indent="-342900" algn="just">
+              <a:lnSpc>
+                <a:spcPct val="110000"/>
+              </a:lnSpc>
+              <a:buClr>
+                <a:srgbClr val="595959"/>
+              </a:buClr>
+              <a:buAutoNum type="arabicPeriod"/>
+              <a:defRPr/>
+            </a:pPr>
+            <a:endParaRPr lang="en-US" altLang="ko-KR" dirty="0">
+              <a:cs typeface="Arial" panose="020B0604020202020204" pitchFamily="34" charset="0"/>
+            </a:endParaRPr>
+          </a:p>
+          <a:p>
+            <a:pPr marL="342900" indent="-342900" algn="just">
+              <a:lnSpc>
+                <a:spcPct val="110000"/>
+              </a:lnSpc>
+              <a:buClr>
+                <a:srgbClr val="595959"/>
+              </a:buClr>
+              <a:buAutoNum type="arabicPeriod"/>
+              <a:defRPr/>
+            </a:pPr>
+            <a:endParaRPr lang="en-US" altLang="ko-KR" dirty="0">
+              <a:cs typeface="Arial" panose="020B0604020202020204" pitchFamily="34" charset="0"/>
+            </a:endParaRPr>
+          </a:p>
+          <a:p>
+            <a:pPr marL="342900" indent="-342900" algn="just">
+              <a:lnSpc>
+                <a:spcPct val="110000"/>
+              </a:lnSpc>
+              <a:buClr>
+                <a:srgbClr val="595959"/>
+              </a:buClr>
+              <a:buAutoNum type="arabicPeriod"/>
+              <a:defRPr/>
+            </a:pPr>
+            <a:endParaRPr lang="en-US" altLang="ko-KR" dirty="0">
+              <a:cs typeface="Arial" panose="020B0604020202020204" pitchFamily="34" charset="0"/>
+            </a:endParaRPr>
+          </a:p>
+          <a:p>
+            <a:pPr marL="342900" indent="-342900" algn="just">
+              <a:lnSpc>
+                <a:spcPct val="110000"/>
+              </a:lnSpc>
+              <a:buClr>
+                <a:srgbClr val="595959"/>
+              </a:buClr>
+              <a:buAutoNum type="arabicPeriod"/>
+              <a:defRPr/>
+            </a:pPr>
+            <a:endParaRPr lang="en-US" altLang="ko-KR" dirty="0">
+              <a:cs typeface="Arial" panose="020B0604020202020204" pitchFamily="34" charset="0"/>
+            </a:endParaRPr>
+          </a:p>
+          <a:p>
+            <a:pPr marL="342900" indent="-342900" algn="just">
+              <a:lnSpc>
+                <a:spcPct val="110000"/>
+              </a:lnSpc>
+              <a:buClr>
+                <a:srgbClr val="595959"/>
+              </a:buClr>
+              <a:buAutoNum type="arabicPeriod"/>
+              <a:defRPr/>
+            </a:pPr>
+            <a:endParaRPr lang="en-US" altLang="ko-KR" dirty="0">
+              <a:cs typeface="Arial" panose="020B0604020202020204" pitchFamily="34" charset="0"/>
+            </a:endParaRPr>
+          </a:p>
+          <a:p>
+            <a:pPr marL="342900" indent="-342900" algn="just">
+              <a:lnSpc>
+                <a:spcPct val="110000"/>
+              </a:lnSpc>
+              <a:buClr>
+                <a:srgbClr val="595959"/>
+              </a:buClr>
+              <a:buAutoNum type="arabicPeriod"/>
+              <a:defRPr/>
+            </a:pPr>
+            <a:endParaRPr lang="en-US" altLang="ko-KR" dirty="0">
+              <a:cs typeface="Arial" panose="020B0604020202020204" pitchFamily="34" charset="0"/>
+            </a:endParaRPr>
+          </a:p>
+          <a:p>
+            <a:pPr algn="just">
+              <a:lnSpc>
+                <a:spcPct val="110000"/>
+              </a:lnSpc>
+              <a:buClr>
+                <a:srgbClr val="595959"/>
+              </a:buClr>
+              <a:buNone/>
+              <a:defRPr/>
+            </a:pPr>
+            <a:r>
+              <a:rPr lang="en-US" altLang="ko-KR" dirty="0">
+                <a:cs typeface="Arial" panose="020B0604020202020204" pitchFamily="34" charset="0"/>
+              </a:rPr>
+              <a:t>	</a:t>
+            </a:r>
+          </a:p>
+          <a:p>
+            <a:pPr marL="1085850" lvl="1" indent="-342900" algn="just">
+              <a:lnSpc>
+                <a:spcPct val="110000"/>
+              </a:lnSpc>
+              <a:buClr>
+                <a:srgbClr val="595959"/>
+              </a:buClr>
+              <a:buAutoNum type="arabicPeriod"/>
+              <a:defRPr/>
+            </a:pPr>
+            <a:endParaRPr lang="en-US" altLang="ko-KR" dirty="0">
+              <a:cs typeface="Arial" panose="020B0604020202020204" pitchFamily="34" charset="0"/>
+            </a:endParaRPr>
+          </a:p>
+          <a:p>
+            <a:pPr algn="just">
+              <a:lnSpc>
+                <a:spcPct val="110000"/>
+              </a:lnSpc>
+              <a:buNone/>
+              <a:defRPr/>
+            </a:pPr>
+            <a:r>
+              <a:rPr lang="ko-KR" altLang="en-US" dirty="0">
+                <a:cs typeface="Arial" panose="020B0604020202020204" pitchFamily="34" charset="0"/>
+              </a:rPr>
+              <a:t>  </a:t>
+            </a:r>
+            <a:endParaRPr lang="en-US" altLang="ko-KR" sz="1600" dirty="0">
+              <a:cs typeface="Arial" panose="020B0604020202020204" pitchFamily="34" charset="0"/>
+            </a:endParaRPr>
+          </a:p>
+          <a:p>
+            <a:pPr algn="just">
+              <a:lnSpc>
+                <a:spcPct val="110000"/>
+              </a:lnSpc>
+              <a:buFontTx/>
+              <a:buNone/>
+              <a:defRPr/>
+            </a:pPr>
+            <a:endParaRPr lang="ko-KR" altLang="en-US" sz="1600" dirty="0">
+              <a:cs typeface="Arial" panose="020B0604020202020204" pitchFamily="34" charset="0"/>
+            </a:endParaRPr>
+          </a:p>
+          <a:p>
+            <a:pPr algn="just">
+              <a:lnSpc>
+                <a:spcPct val="110000"/>
+              </a:lnSpc>
+              <a:buFontTx/>
+              <a:buNone/>
+              <a:defRPr/>
+            </a:pPr>
+            <a:endParaRPr lang="ko-KR" altLang="en-US" sz="1600" dirty="0">
+              <a:cs typeface="Arial" panose="020B0604020202020204" pitchFamily="34" charset="0"/>
+            </a:endParaRPr>
+          </a:p>
+          <a:p>
+            <a:pPr algn="just">
+              <a:lnSpc>
+                <a:spcPct val="110000"/>
+              </a:lnSpc>
+              <a:buFontTx/>
+              <a:buNone/>
+              <a:defRPr/>
+            </a:pPr>
+            <a:endParaRPr lang="ko-KR" altLang="en-US" sz="1600" dirty="0">
+              <a:cs typeface="Arial" panose="020B0604020202020204" pitchFamily="34" charset="0"/>
+            </a:endParaRPr>
+          </a:p>
+          <a:p>
+            <a:pPr algn="just">
+              <a:lnSpc>
+                <a:spcPct val="110000"/>
+              </a:lnSpc>
+              <a:buFontTx/>
+              <a:buNone/>
+              <a:defRPr/>
+            </a:pPr>
+            <a:endParaRPr lang="ko-KR" altLang="en-US" sz="1600" dirty="0">
+              <a:cs typeface="Arial" panose="020B0604020202020204" pitchFamily="34" charset="0"/>
+            </a:endParaRPr>
+          </a:p>
+          <a:p>
+            <a:pPr algn="just">
+              <a:lnSpc>
+                <a:spcPct val="110000"/>
+              </a:lnSpc>
+              <a:buFontTx/>
+              <a:buNone/>
+              <a:defRPr/>
+            </a:pPr>
+            <a:endParaRPr lang="ko-KR" altLang="en-US" sz="1600" dirty="0">
+              <a:cs typeface="Arial" panose="020B0604020202020204" pitchFamily="34" charset="0"/>
+            </a:endParaRPr>
+          </a:p>
+          <a:p>
+            <a:pPr algn="just">
+              <a:lnSpc>
+                <a:spcPct val="120000"/>
+              </a:lnSpc>
+              <a:spcAft>
+                <a:spcPts val="600"/>
+              </a:spcAft>
+              <a:buFontTx/>
+              <a:buNone/>
+              <a:defRPr/>
+            </a:pPr>
+            <a:r>
+              <a:rPr lang="ko-KR" altLang="en-US" sz="1300" i="1" u="sng" dirty="0">
+                <a:cs typeface="Arial" panose="020B0604020202020204" pitchFamily="34" charset="0"/>
+              </a:rPr>
+              <a:t> </a:t>
+            </a:r>
+          </a:p>
+        </p:txBody>
+      </p:sp>
+    </p:spTree>
+    <p:extLst>
+      <p:ext uri="{BB962C8B-B14F-4D97-AF65-F5344CB8AC3E}">
+        <p14:creationId xmlns:p14="http://schemas.microsoft.com/office/powerpoint/2010/main" val="3017269014"/>
       </p:ext>
     </p:extLst>
   </p:cSld>

--- a/ppt/251112_최대한.pptx
+++ b/ppt/251112_최대한.pptx
@@ -7070,6 +7070,21 @@
               <a:buNone/>
               <a:defRPr/>
             </a:pPr>
+            <a:endParaRPr lang="en-US" altLang="ko-KR" dirty="0">
+              <a:cs typeface="Arial" panose="020B0604020202020204" pitchFamily="34" charset="0"/>
+            </a:endParaRPr>
+          </a:p>
+          <a:p>
+            <a:pPr algn="just">
+              <a:lnSpc>
+                <a:spcPct val="110000"/>
+              </a:lnSpc>
+              <a:buClr>
+                <a:srgbClr val="595959"/>
+              </a:buClr>
+              <a:buNone/>
+              <a:defRPr/>
+            </a:pPr>
             <a:r>
               <a:rPr lang="en-US" altLang="ko-KR" dirty="0">
                 <a:cs typeface="Arial" panose="020B0604020202020204" pitchFamily="34" charset="0"/>
@@ -7436,6 +7451,93 @@
           </a:prstGeom>
         </p:spPr>
       </p:pic>
+      <p:sp>
+        <p:nvSpPr>
+          <p:cNvPr id="8" name="TextBox 7">
+            <a:extLst>
+              <a:ext uri="{FF2B5EF4-FFF2-40B4-BE49-F238E27FC236}">
+                <a16:creationId xmlns:a16="http://schemas.microsoft.com/office/drawing/2014/main" id="{4346FC31-870A-45D2-B5FC-83C9C64AC20B}"/>
+              </a:ext>
+            </a:extLst>
+          </p:cNvPr>
+          <p:cNvSpPr txBox="1"/>
+          <p:nvPr/>
+        </p:nvSpPr>
+        <p:spPr>
+          <a:xfrm>
+            <a:off x="2652176" y="5025601"/>
+            <a:ext cx="4524336" cy="246221"/>
+          </a:xfrm>
+          <a:prstGeom prst="rect">
+            <a:avLst/>
+          </a:prstGeom>
+          <a:noFill/>
+        </p:spPr>
+        <p:txBody>
+          <a:bodyPr wrap="square" rtlCol="0">
+            <a:spAutoFit/>
+          </a:bodyPr>
+          <a:lstStyle/>
+          <a:p>
+            <a:r>
+              <a:rPr lang="en-US" altLang="ko-KR" sz="1000" dirty="0"/>
+              <a:t>graph</a:t>
+            </a:r>
+            <a:r>
+              <a:rPr lang="ko-KR" altLang="en-US" sz="1000" dirty="0"/>
+              <a:t> </a:t>
+            </a:r>
+            <a:r>
+              <a:rPr lang="en-US" altLang="ko-KR" sz="1000" dirty="0"/>
+              <a:t>8. 5</a:t>
+            </a:r>
+            <a:r>
+              <a:rPr lang="ko-KR" altLang="en-US" sz="1000" dirty="0"/>
+              <a:t>번</a:t>
+            </a:r>
+            <a:r>
+              <a:rPr lang="en-US" altLang="ko-KR" sz="1000" dirty="0"/>
+              <a:t>, 7</a:t>
+            </a:r>
+            <a:r>
+              <a:rPr lang="ko-KR" altLang="en-US" sz="1000" dirty="0"/>
+              <a:t>번 </a:t>
+            </a:r>
+            <a:r>
+              <a:rPr lang="en-US" altLang="ko-KR" sz="1000" dirty="0"/>
+              <a:t>6</a:t>
+            </a:r>
+            <a:r>
+              <a:rPr lang="ko-KR" altLang="en-US" sz="1000" dirty="0"/>
+              <a:t>번</a:t>
+            </a:r>
+            <a:r>
+              <a:rPr lang="en-US" altLang="ko-KR" sz="1000" dirty="0"/>
+              <a:t>, 18</a:t>
+            </a:r>
+            <a:r>
+              <a:rPr lang="ko-KR" altLang="en-US" sz="1000" dirty="0"/>
+              <a:t>번 배터리의 </a:t>
+            </a:r>
+            <a:r>
+              <a:rPr lang="en-US" altLang="ko-KR" sz="1000" dirty="0"/>
+              <a:t>cycle</a:t>
+            </a:r>
+            <a:r>
+              <a:rPr lang="ko-KR" altLang="en-US" sz="1000" dirty="0"/>
+              <a:t>에 따른 </a:t>
+            </a:r>
+            <a:r>
+              <a:rPr lang="en-US" altLang="ko-KR" sz="1000" dirty="0"/>
+              <a:t>soh </a:t>
+            </a:r>
+            <a:r>
+              <a:rPr lang="ko-KR" altLang="en-US" sz="1000" dirty="0"/>
+              <a:t>변화</a:t>
+            </a:r>
+          </a:p>
+        </p:txBody>
+      </p:sp>
     </p:spTree>
     <p:extLst>
       <p:ext uri="{BB962C8B-B14F-4D97-AF65-F5344CB8AC3E}">
@@ -8736,6 +8838,77 @@
           </a:prstGeom>
         </p:spPr>
       </p:pic>
+      <p:sp>
+        <p:nvSpPr>
+          <p:cNvPr id="8" name="TextBox 7">
+            <a:extLst>
+              <a:ext uri="{FF2B5EF4-FFF2-40B4-BE49-F238E27FC236}">
+                <a16:creationId xmlns:a16="http://schemas.microsoft.com/office/drawing/2014/main" id="{B543FD31-B60F-4D6C-A2BD-52A53E022C0C}"/>
+              </a:ext>
+            </a:extLst>
+          </p:cNvPr>
+          <p:cNvSpPr txBox="1"/>
+          <p:nvPr/>
+        </p:nvSpPr>
+        <p:spPr>
+          <a:xfrm>
+            <a:off x="4045878" y="6390538"/>
+            <a:ext cx="4524336" cy="246221"/>
+          </a:xfrm>
+          <a:prstGeom prst="rect">
+            <a:avLst/>
+          </a:prstGeom>
+          <a:noFill/>
+        </p:spPr>
+        <p:txBody>
+          <a:bodyPr wrap="square" rtlCol="0">
+            <a:spAutoFit/>
+          </a:bodyPr>
+          <a:lstStyle/>
+          <a:p>
+            <a:r>
+              <a:rPr lang="en-US" altLang="ko-KR" sz="1000" dirty="0"/>
+              <a:t>graph</a:t>
+            </a:r>
+            <a:r>
+              <a:rPr lang="ko-KR" altLang="en-US" sz="1000" dirty="0"/>
+              <a:t> </a:t>
+            </a:r>
+            <a:r>
+              <a:rPr lang="en-US" altLang="ko-KR" sz="1000" dirty="0"/>
+              <a:t>9. 5</a:t>
+            </a:r>
+            <a:r>
+              <a:rPr lang="ko-KR" altLang="en-US" sz="1000" dirty="0"/>
+              <a:t>번 배터리의 </a:t>
+            </a:r>
+            <a:r>
+              <a:rPr lang="en-US" altLang="ko-KR" sz="1000" dirty="0"/>
+              <a:t>N_SPLITS </a:t>
+            </a:r>
+            <a:r>
+              <a:rPr lang="ko-KR" altLang="en-US" sz="1000" dirty="0"/>
+              <a:t>값에 따른 </a:t>
+            </a:r>
+            <a:r>
+              <a:rPr lang="en-US" altLang="ko-KR" sz="1000" dirty="0"/>
+              <a:t>cycle</a:t>
+            </a:r>
+            <a:r>
+              <a:rPr lang="ko-KR" altLang="en-US" sz="1000" dirty="0"/>
+              <a:t>에 따른 </a:t>
+            </a:r>
+            <a:r>
+              <a:rPr lang="en-US" altLang="ko-KR" sz="1000" dirty="0"/>
+              <a:t>SOH</a:t>
+            </a:r>
+            <a:r>
+              <a:rPr lang="ko-KR" altLang="en-US" sz="1000" dirty="0"/>
+              <a:t> 변화</a:t>
+            </a:r>
+          </a:p>
+        </p:txBody>
+      </p:sp>
     </p:spTree>
     <p:extLst>
       <p:ext uri="{BB962C8B-B14F-4D97-AF65-F5344CB8AC3E}">
@@ -10036,6 +10209,77 @@
           </a:prstGeom>
         </p:spPr>
       </p:pic>
+      <p:sp>
+        <p:nvSpPr>
+          <p:cNvPr id="8" name="TextBox 7">
+            <a:extLst>
+              <a:ext uri="{FF2B5EF4-FFF2-40B4-BE49-F238E27FC236}">
+                <a16:creationId xmlns:a16="http://schemas.microsoft.com/office/drawing/2014/main" id="{0753CF9E-4DCB-46E5-B219-6B1CB871059A}"/>
+              </a:ext>
+            </a:extLst>
+          </p:cNvPr>
+          <p:cNvSpPr txBox="1"/>
+          <p:nvPr/>
+        </p:nvSpPr>
+        <p:spPr>
+          <a:xfrm>
+            <a:off x="4017949" y="6473031"/>
+            <a:ext cx="4524336" cy="246221"/>
+          </a:xfrm>
+          <a:prstGeom prst="rect">
+            <a:avLst/>
+          </a:prstGeom>
+          <a:noFill/>
+        </p:spPr>
+        <p:txBody>
+          <a:bodyPr wrap="square" rtlCol="0">
+            <a:spAutoFit/>
+          </a:bodyPr>
+          <a:lstStyle/>
+          <a:p>
+            <a:r>
+              <a:rPr lang="en-US" altLang="ko-KR" sz="1000" dirty="0"/>
+              <a:t>graph</a:t>
+            </a:r>
+            <a:r>
+              <a:rPr lang="ko-KR" altLang="en-US" sz="1000" dirty="0"/>
+              <a:t> </a:t>
+            </a:r>
+            <a:r>
+              <a:rPr lang="en-US" altLang="ko-KR" sz="1000" dirty="0"/>
+              <a:t>10. 6</a:t>
+            </a:r>
+            <a:r>
+              <a:rPr lang="ko-KR" altLang="en-US" sz="1000" dirty="0"/>
+              <a:t>번 배터리의 </a:t>
+            </a:r>
+            <a:r>
+              <a:rPr lang="en-US" altLang="ko-KR" sz="1000" dirty="0"/>
+              <a:t>N_SPLITS </a:t>
+            </a:r>
+            <a:r>
+              <a:rPr lang="ko-KR" altLang="en-US" sz="1000" dirty="0"/>
+              <a:t>값에 따른 </a:t>
+            </a:r>
+            <a:r>
+              <a:rPr lang="en-US" altLang="ko-KR" sz="1000" dirty="0"/>
+              <a:t>cycle</a:t>
+            </a:r>
+            <a:r>
+              <a:rPr lang="ko-KR" altLang="en-US" sz="1000" dirty="0"/>
+              <a:t>에 따른 </a:t>
+            </a:r>
+            <a:r>
+              <a:rPr lang="en-US" altLang="ko-KR" sz="1000" dirty="0"/>
+              <a:t>SOH</a:t>
+            </a:r>
+            <a:r>
+              <a:rPr lang="ko-KR" altLang="en-US" sz="1000" dirty="0"/>
+              <a:t> 변화</a:t>
+            </a:r>
+          </a:p>
+        </p:txBody>
+      </p:sp>
     </p:spTree>
     <p:extLst>
       <p:ext uri="{BB962C8B-B14F-4D97-AF65-F5344CB8AC3E}">
@@ -11336,6 +11580,77 @@
           </a:prstGeom>
         </p:spPr>
       </p:pic>
+      <p:sp>
+        <p:nvSpPr>
+          <p:cNvPr id="8" name="TextBox 7">
+            <a:extLst>
+              <a:ext uri="{FF2B5EF4-FFF2-40B4-BE49-F238E27FC236}">
+                <a16:creationId xmlns:a16="http://schemas.microsoft.com/office/drawing/2014/main" id="{EDB5E7F9-808A-4937-8F3B-739C29C01E52}"/>
+              </a:ext>
+            </a:extLst>
+          </p:cNvPr>
+          <p:cNvSpPr txBox="1"/>
+          <p:nvPr/>
+        </p:nvSpPr>
+        <p:spPr>
+          <a:xfrm>
+            <a:off x="4008801" y="6446654"/>
+            <a:ext cx="4524336" cy="246221"/>
+          </a:xfrm>
+          <a:prstGeom prst="rect">
+            <a:avLst/>
+          </a:prstGeom>
+          <a:noFill/>
+        </p:spPr>
+        <p:txBody>
+          <a:bodyPr wrap="square" rtlCol="0">
+            <a:spAutoFit/>
+          </a:bodyPr>
+          <a:lstStyle/>
+          <a:p>
+            <a:r>
+              <a:rPr lang="en-US" altLang="ko-KR" sz="1000" dirty="0"/>
+              <a:t>graph</a:t>
+            </a:r>
+            <a:r>
+              <a:rPr lang="ko-KR" altLang="en-US" sz="1000" dirty="0"/>
+              <a:t> </a:t>
+            </a:r>
+            <a:r>
+              <a:rPr lang="en-US" altLang="ko-KR" sz="1000" dirty="0"/>
+              <a:t>11. 7</a:t>
+            </a:r>
+            <a:r>
+              <a:rPr lang="ko-KR" altLang="en-US" sz="1000" dirty="0"/>
+              <a:t>번 배터리의 </a:t>
+            </a:r>
+            <a:r>
+              <a:rPr lang="en-US" altLang="ko-KR" sz="1000" dirty="0"/>
+              <a:t>N_SPLITS </a:t>
+            </a:r>
+            <a:r>
+              <a:rPr lang="ko-KR" altLang="en-US" sz="1000" dirty="0"/>
+              <a:t>값에 따른 </a:t>
+            </a:r>
+            <a:r>
+              <a:rPr lang="en-US" altLang="ko-KR" sz="1000" dirty="0"/>
+              <a:t>cycle</a:t>
+            </a:r>
+            <a:r>
+              <a:rPr lang="ko-KR" altLang="en-US" sz="1000" dirty="0"/>
+              <a:t>에 따른 </a:t>
+            </a:r>
+            <a:r>
+              <a:rPr lang="en-US" altLang="ko-KR" sz="1000" dirty="0"/>
+              <a:t>SOH</a:t>
+            </a:r>
+            <a:r>
+              <a:rPr lang="ko-KR" altLang="en-US" sz="1000" dirty="0"/>
+              <a:t> 변화</a:t>
+            </a:r>
+          </a:p>
+        </p:txBody>
+      </p:sp>
     </p:spTree>
     <p:extLst>
       <p:ext uri="{BB962C8B-B14F-4D97-AF65-F5344CB8AC3E}">
@@ -12625,7 +12940,7 @@
         </p:blipFill>
         <p:spPr>
           <a:xfrm>
-            <a:off x="1304925" y="1281906"/>
+            <a:off x="1108075" y="1255529"/>
             <a:ext cx="9582150" cy="5191125"/>
           </a:xfrm>
           <a:prstGeom prst="rect">
@@ -12633,6 +12948,77 @@
           </a:prstGeom>
         </p:spPr>
       </p:pic>
+      <p:sp>
+        <p:nvSpPr>
+          <p:cNvPr id="8" name="TextBox 7">
+            <a:extLst>
+              <a:ext uri="{FF2B5EF4-FFF2-40B4-BE49-F238E27FC236}">
+                <a16:creationId xmlns:a16="http://schemas.microsoft.com/office/drawing/2014/main" id="{4E681224-A5A0-414E-A4DC-85824D99DFA7}"/>
+              </a:ext>
+            </a:extLst>
+          </p:cNvPr>
+          <p:cNvSpPr txBox="1"/>
+          <p:nvPr/>
+        </p:nvSpPr>
+        <p:spPr>
+          <a:xfrm>
+            <a:off x="4008801" y="6446654"/>
+            <a:ext cx="4524336" cy="246221"/>
+          </a:xfrm>
+          <a:prstGeom prst="rect">
+            <a:avLst/>
+          </a:prstGeom>
+          <a:noFill/>
+        </p:spPr>
+        <p:txBody>
+          <a:bodyPr wrap="square" rtlCol="0">
+            <a:spAutoFit/>
+          </a:bodyPr>
+          <a:lstStyle/>
+          <a:p>
+            <a:r>
+              <a:rPr lang="en-US" altLang="ko-KR" sz="1000" dirty="0"/>
+              <a:t>graph</a:t>
+            </a:r>
+            <a:r>
+              <a:rPr lang="ko-KR" altLang="en-US" sz="1000" dirty="0"/>
+              <a:t> </a:t>
+            </a:r>
+            <a:r>
+              <a:rPr lang="en-US" altLang="ko-KR" sz="1000" dirty="0"/>
+              <a:t>12. 18</a:t>
+            </a:r>
+            <a:r>
+              <a:rPr lang="ko-KR" altLang="en-US" sz="1000" dirty="0"/>
+              <a:t>번 배터리의 </a:t>
+            </a:r>
+            <a:r>
+              <a:rPr lang="en-US" altLang="ko-KR" sz="1000" dirty="0"/>
+              <a:t>N_SPLITS </a:t>
+            </a:r>
+            <a:r>
+              <a:rPr lang="ko-KR" altLang="en-US" sz="1000" dirty="0"/>
+              <a:t>값에 따른 </a:t>
+            </a:r>
+            <a:r>
+              <a:rPr lang="en-US" altLang="ko-KR" sz="1000" dirty="0"/>
+              <a:t>cycle</a:t>
+            </a:r>
+            <a:r>
+              <a:rPr lang="ko-KR" altLang="en-US" sz="1000" dirty="0"/>
+              <a:t>에 따른 </a:t>
+            </a:r>
+            <a:r>
+              <a:rPr lang="en-US" altLang="ko-KR" sz="1000" dirty="0"/>
+              <a:t>SOH</a:t>
+            </a:r>
+            <a:r>
+              <a:rPr lang="ko-KR" altLang="en-US" sz="1000" dirty="0"/>
+              <a:t> 변화</a:t>
+            </a:r>
+          </a:p>
+        </p:txBody>
+      </p:sp>
     </p:spTree>
     <p:extLst>
       <p:ext uri="{BB962C8B-B14F-4D97-AF65-F5344CB8AC3E}">
@@ -13939,6 +14325,66 @@
           </a:prstGeom>
         </p:spPr>
       </p:pic>
+      <p:sp>
+        <p:nvSpPr>
+          <p:cNvPr id="8" name="TextBox 7">
+            <a:extLst>
+              <a:ext uri="{FF2B5EF4-FFF2-40B4-BE49-F238E27FC236}">
+                <a16:creationId xmlns:a16="http://schemas.microsoft.com/office/drawing/2014/main" id="{41809BD1-8FCF-4596-A38D-C0A36D472718}"/>
+              </a:ext>
+            </a:extLst>
+          </p:cNvPr>
+          <p:cNvSpPr txBox="1"/>
+          <p:nvPr/>
+        </p:nvSpPr>
+        <p:spPr>
+          <a:xfrm>
+            <a:off x="3920878" y="5440139"/>
+            <a:ext cx="4524336" cy="246221"/>
+          </a:xfrm>
+          <a:prstGeom prst="rect">
+            <a:avLst/>
+          </a:prstGeom>
+          <a:noFill/>
+        </p:spPr>
+        <p:txBody>
+          <a:bodyPr wrap="square" rtlCol="0">
+            <a:spAutoFit/>
+          </a:bodyPr>
+          <a:lstStyle/>
+          <a:p>
+            <a:r>
+              <a:rPr lang="en-US" altLang="ko-KR" sz="1000" dirty="0"/>
+              <a:t>graph</a:t>
+            </a:r>
+            <a:r>
+              <a:rPr lang="ko-KR" altLang="en-US" sz="1000" dirty="0"/>
+              <a:t> </a:t>
+            </a:r>
+            <a:r>
+              <a:rPr lang="en-US" altLang="ko-KR" sz="1000" dirty="0"/>
+              <a:t>13. 5, 6, 7, 18</a:t>
+            </a:r>
+            <a:r>
+              <a:rPr lang="ko-KR" altLang="en-US" sz="1000" dirty="0"/>
+              <a:t>번 배터리의 </a:t>
+            </a:r>
+            <a:r>
+              <a:rPr lang="en-US" altLang="ko-KR" sz="1000" dirty="0"/>
+              <a:t>N_SPLITS </a:t>
+            </a:r>
+            <a:r>
+              <a:rPr lang="ko-KR" altLang="en-US" sz="1000" dirty="0"/>
+              <a:t>값에 따른 검증 </a:t>
+            </a:r>
+            <a:r>
+              <a:rPr lang="en-US" altLang="ko-KR" sz="1000" dirty="0"/>
+              <a:t>RMSE</a:t>
+            </a:r>
+            <a:endParaRPr lang="ko-KR" altLang="en-US" sz="1000" dirty="0"/>
+          </a:p>
+        </p:txBody>
+      </p:sp>
     </p:spTree>
     <p:extLst>
       <p:ext uri="{BB962C8B-B14F-4D97-AF65-F5344CB8AC3E}">
@@ -18257,6 +18703,69 @@
           </a:prstGeom>
         </p:spPr>
       </p:pic>
+      <p:sp>
+        <p:nvSpPr>
+          <p:cNvPr id="2" name="TextBox 1">
+            <a:extLst>
+              <a:ext uri="{FF2B5EF4-FFF2-40B4-BE49-F238E27FC236}">
+                <a16:creationId xmlns:a16="http://schemas.microsoft.com/office/drawing/2014/main" id="{1CA157A1-BA6B-462F-AADF-8C52C037E27F}"/>
+              </a:ext>
+            </a:extLst>
+          </p:cNvPr>
+          <p:cNvSpPr txBox="1"/>
+          <p:nvPr/>
+        </p:nvSpPr>
+        <p:spPr>
+          <a:xfrm>
+            <a:off x="3484685" y="6408622"/>
+            <a:ext cx="3181272" cy="246221"/>
+          </a:xfrm>
+          <a:prstGeom prst="rect">
+            <a:avLst/>
+          </a:prstGeom>
+          <a:noFill/>
+        </p:spPr>
+        <p:txBody>
+          <a:bodyPr wrap="square" rtlCol="0">
+            <a:spAutoFit/>
+          </a:bodyPr>
+          <a:lstStyle/>
+          <a:p>
+            <a:r>
+              <a:rPr lang="en-US" altLang="ko-KR" sz="1000" dirty="0"/>
+              <a:t>graph</a:t>
+            </a:r>
+            <a:r>
+              <a:rPr lang="ko-KR" altLang="en-US" sz="1000" dirty="0"/>
+              <a:t> </a:t>
+            </a:r>
+            <a:r>
+              <a:rPr lang="en-US" altLang="ko-KR" sz="1000" dirty="0"/>
+              <a:t>1. 6</a:t>
+            </a:r>
+            <a:r>
+              <a:rPr lang="ko-KR" altLang="en-US" sz="1000" dirty="0"/>
+              <a:t>번 배터리의 </a:t>
+            </a:r>
+            <a:r>
+              <a:rPr lang="en-US" altLang="ko-KR" sz="1000" dirty="0"/>
+              <a:t>cycle</a:t>
+            </a:r>
+            <a:r>
+              <a:rPr lang="ko-KR" altLang="en-US" sz="1000" dirty="0"/>
+              <a:t>에 따른 </a:t>
+            </a:r>
+            <a:r>
+              <a:rPr lang="en-US" altLang="ko-KR" sz="1000" dirty="0"/>
+              <a:t>Capacity </a:t>
+            </a:r>
+            <a:r>
+              <a:rPr lang="ko-KR" altLang="en-US" sz="1000" dirty="0"/>
+              <a:t>변화</a:t>
+            </a:r>
+          </a:p>
+        </p:txBody>
+      </p:sp>
     </p:spTree>
     <p:extLst>
       <p:ext uri="{BB962C8B-B14F-4D97-AF65-F5344CB8AC3E}">
@@ -21982,6 +22491,53 @@
           </a:prstGeom>
         </p:spPr>
       </p:pic>
+      <p:sp>
+        <p:nvSpPr>
+          <p:cNvPr id="8" name="TextBox 7">
+            <a:extLst>
+              <a:ext uri="{FF2B5EF4-FFF2-40B4-BE49-F238E27FC236}">
+                <a16:creationId xmlns:a16="http://schemas.microsoft.com/office/drawing/2014/main" id="{B26022FC-6CCC-4E16-9ECA-950E901CFEA9}"/>
+              </a:ext>
+            </a:extLst>
+          </p:cNvPr>
+          <p:cNvSpPr txBox="1"/>
+          <p:nvPr/>
+        </p:nvSpPr>
+        <p:spPr>
+          <a:xfrm>
+            <a:off x="4821887" y="6106990"/>
+            <a:ext cx="2183422" cy="246221"/>
+          </a:xfrm>
+          <a:prstGeom prst="rect">
+            <a:avLst/>
+          </a:prstGeom>
+          <a:noFill/>
+        </p:spPr>
+        <p:txBody>
+          <a:bodyPr wrap="square" rtlCol="0">
+            <a:spAutoFit/>
+          </a:bodyPr>
+          <a:lstStyle/>
+          <a:p>
+            <a:r>
+              <a:rPr lang="en-US" altLang="ko-KR" sz="1000" dirty="0"/>
+              <a:t>graph</a:t>
+            </a:r>
+            <a:r>
+              <a:rPr lang="ko-KR" altLang="en-US" sz="1000" dirty="0"/>
+              <a:t> </a:t>
+            </a:r>
+            <a:r>
+              <a:rPr lang="en-US" altLang="ko-KR" sz="1000" dirty="0"/>
+              <a:t>2. LSTM </a:t>
+            </a:r>
+            <a:r>
+              <a:rPr lang="ko-KR" altLang="en-US" sz="1000" dirty="0"/>
+              <a:t>모델의 학습 그래프</a:t>
+            </a:r>
+          </a:p>
+        </p:txBody>
+      </p:sp>
     </p:spTree>
     <p:extLst>
       <p:ext uri="{BB962C8B-B14F-4D97-AF65-F5344CB8AC3E}">
@@ -23264,6 +23820,69 @@
           </a:prstGeom>
         </p:spPr>
       </p:pic>
+      <p:sp>
+        <p:nvSpPr>
+          <p:cNvPr id="10" name="TextBox 9">
+            <a:extLst>
+              <a:ext uri="{FF2B5EF4-FFF2-40B4-BE49-F238E27FC236}">
+                <a16:creationId xmlns:a16="http://schemas.microsoft.com/office/drawing/2014/main" id="{AAD82716-B903-4875-AE9B-5D1D385DCFFD}"/>
+              </a:ext>
+            </a:extLst>
+          </p:cNvPr>
+          <p:cNvSpPr txBox="1"/>
+          <p:nvPr/>
+        </p:nvSpPr>
+        <p:spPr>
+          <a:xfrm>
+            <a:off x="4821887" y="6106990"/>
+            <a:ext cx="2801044" cy="246221"/>
+          </a:xfrm>
+          <a:prstGeom prst="rect">
+            <a:avLst/>
+          </a:prstGeom>
+          <a:noFill/>
+        </p:spPr>
+        <p:txBody>
+          <a:bodyPr wrap="square" rtlCol="0">
+            <a:spAutoFit/>
+          </a:bodyPr>
+          <a:lstStyle/>
+          <a:p>
+            <a:r>
+              <a:rPr lang="en-US" altLang="ko-KR" sz="1000" dirty="0"/>
+              <a:t>graph</a:t>
+            </a:r>
+            <a:r>
+              <a:rPr lang="ko-KR" altLang="en-US" sz="1000" dirty="0"/>
+              <a:t> </a:t>
+            </a:r>
+            <a:r>
+              <a:rPr lang="en-US" altLang="ko-KR" sz="1000" dirty="0"/>
+              <a:t>3. </a:t>
+            </a:r>
+            <a:r>
+              <a:rPr lang="ko-KR" altLang="en-US" sz="1000" dirty="0"/>
+              <a:t>실제 </a:t>
+            </a:r>
+            <a:r>
+              <a:rPr lang="en-US" altLang="ko-KR" sz="1000" dirty="0"/>
+              <a:t>soh </a:t>
+            </a:r>
+            <a:r>
+              <a:rPr lang="ko-KR" altLang="en-US" sz="1000" dirty="0"/>
+              <a:t>값과 예측 </a:t>
+            </a:r>
+            <a:r>
+              <a:rPr lang="en-US" altLang="ko-KR" sz="1000" dirty="0"/>
+              <a:t>soh </a:t>
+            </a:r>
+            <a:r>
+              <a:rPr lang="ko-KR" altLang="en-US" sz="1000" dirty="0"/>
+              <a:t>값의 차이</a:t>
+            </a:r>
+          </a:p>
+        </p:txBody>
+      </p:sp>
     </p:spTree>
     <p:extLst>
       <p:ext uri="{BB962C8B-B14F-4D97-AF65-F5344CB8AC3E}">
@@ -24567,6 +25186,278 @@
           </a:prstGeom>
         </p:spPr>
       </p:pic>
+      <p:sp>
+        <p:nvSpPr>
+          <p:cNvPr id="11" name="TextBox 10">
+            <a:extLst>
+              <a:ext uri="{FF2B5EF4-FFF2-40B4-BE49-F238E27FC236}">
+                <a16:creationId xmlns:a16="http://schemas.microsoft.com/office/drawing/2014/main" id="{4C6EFB31-9D8B-4271-80F2-757111494008}"/>
+              </a:ext>
+            </a:extLst>
+          </p:cNvPr>
+          <p:cNvSpPr txBox="1"/>
+          <p:nvPr/>
+        </p:nvSpPr>
+        <p:spPr>
+          <a:xfrm>
+            <a:off x="1944711" y="3429000"/>
+            <a:ext cx="4524336" cy="246221"/>
+          </a:xfrm>
+          <a:prstGeom prst="rect">
+            <a:avLst/>
+          </a:prstGeom>
+          <a:noFill/>
+        </p:spPr>
+        <p:txBody>
+          <a:bodyPr wrap="square" rtlCol="0">
+            <a:spAutoFit/>
+          </a:bodyPr>
+          <a:lstStyle/>
+          <a:p>
+            <a:r>
+              <a:rPr lang="en-US" altLang="ko-KR" sz="1000" dirty="0"/>
+              <a:t>graph</a:t>
+            </a:r>
+            <a:r>
+              <a:rPr lang="ko-KR" altLang="en-US" sz="1000" dirty="0"/>
+              <a:t> </a:t>
+            </a:r>
+            <a:r>
+              <a:rPr lang="en-US" altLang="ko-KR" sz="1000" dirty="0"/>
+              <a:t>4. </a:t>
+            </a:r>
+            <a:r>
+              <a:rPr lang="ko-KR" altLang="en-US" sz="1000" dirty="0"/>
+              <a:t>실제 </a:t>
+            </a:r>
+            <a:r>
+              <a:rPr lang="en-US" altLang="ko-KR" sz="1000" dirty="0"/>
+              <a:t>soh </a:t>
+            </a:r>
+            <a:r>
+              <a:rPr lang="ko-KR" altLang="en-US" sz="1000" dirty="0"/>
+              <a:t>값과 예측 </a:t>
+            </a:r>
+            <a:r>
+              <a:rPr lang="en-US" altLang="ko-KR" sz="1000" dirty="0"/>
+              <a:t>soh </a:t>
+            </a:r>
+            <a:r>
+              <a:rPr lang="ko-KR" altLang="en-US" sz="1000" dirty="0"/>
+              <a:t>값의 차이</a:t>
+            </a:r>
+            <a:r>
+              <a:rPr lang="en-US" altLang="ko-KR" sz="1000" dirty="0"/>
+              <a:t>(N_SPLITS = 1)</a:t>
+            </a:r>
+            <a:endParaRPr lang="ko-KR" altLang="en-US" sz="1000" dirty="0"/>
+          </a:p>
+        </p:txBody>
+      </p:sp>
+      <p:sp>
+        <p:nvSpPr>
+          <p:cNvPr id="12" name="TextBox 11">
+            <a:extLst>
+              <a:ext uri="{FF2B5EF4-FFF2-40B4-BE49-F238E27FC236}">
+                <a16:creationId xmlns:a16="http://schemas.microsoft.com/office/drawing/2014/main" id="{264DF18D-4ACD-4FAB-9D3A-6FD78922F54E}"/>
+              </a:ext>
+            </a:extLst>
+          </p:cNvPr>
+          <p:cNvSpPr txBox="1"/>
+          <p:nvPr/>
+        </p:nvSpPr>
+        <p:spPr>
+          <a:xfrm>
+            <a:off x="6747510" y="3410255"/>
+            <a:ext cx="4524336" cy="246221"/>
+          </a:xfrm>
+          <a:prstGeom prst="rect">
+            <a:avLst/>
+          </a:prstGeom>
+          <a:noFill/>
+        </p:spPr>
+        <p:txBody>
+          <a:bodyPr wrap="square" rtlCol="0">
+            <a:spAutoFit/>
+          </a:bodyPr>
+          <a:lstStyle/>
+          <a:p>
+            <a:r>
+              <a:rPr lang="en-US" altLang="ko-KR" sz="1000" dirty="0"/>
+              <a:t>graph</a:t>
+            </a:r>
+            <a:r>
+              <a:rPr lang="ko-KR" altLang="en-US" sz="1000" dirty="0"/>
+              <a:t> </a:t>
+            </a:r>
+            <a:r>
+              <a:rPr lang="en-US" altLang="ko-KR" sz="1000" dirty="0"/>
+              <a:t>5. </a:t>
+            </a:r>
+            <a:r>
+              <a:rPr lang="ko-KR" altLang="en-US" sz="1000" dirty="0"/>
+              <a:t>실제 </a:t>
+            </a:r>
+            <a:r>
+              <a:rPr lang="en-US" altLang="ko-KR" sz="1000" dirty="0"/>
+              <a:t>soh </a:t>
+            </a:r>
+            <a:r>
+              <a:rPr lang="ko-KR" altLang="en-US" sz="1000" dirty="0"/>
+              <a:t>값과 예측 </a:t>
+            </a:r>
+            <a:r>
+              <a:rPr lang="en-US" altLang="ko-KR" sz="1000" dirty="0"/>
+              <a:t>soh </a:t>
+            </a:r>
+            <a:r>
+              <a:rPr lang="ko-KR" altLang="en-US" sz="1000" dirty="0"/>
+              <a:t>값의 차이</a:t>
+            </a:r>
+            <a:r>
+              <a:rPr lang="en-US" altLang="ko-KR" sz="1000" dirty="0"/>
+              <a:t>(N_SPLITS = 5)</a:t>
+            </a:r>
+            <a:endParaRPr lang="ko-KR" altLang="en-US" sz="1000" dirty="0"/>
+          </a:p>
+        </p:txBody>
+      </p:sp>
+      <p:sp>
+        <p:nvSpPr>
+          <p:cNvPr id="13" name="TextBox 12">
+            <a:extLst>
+              <a:ext uri="{FF2B5EF4-FFF2-40B4-BE49-F238E27FC236}">
+                <a16:creationId xmlns:a16="http://schemas.microsoft.com/office/drawing/2014/main" id="{0672567B-67DE-42F4-B66E-763E32C5ADEA}"/>
+              </a:ext>
+            </a:extLst>
+          </p:cNvPr>
+          <p:cNvSpPr txBox="1"/>
+          <p:nvPr/>
+        </p:nvSpPr>
+        <p:spPr>
+          <a:xfrm>
+            <a:off x="1944711" y="6025787"/>
+            <a:ext cx="4524336" cy="246221"/>
+          </a:xfrm>
+          <a:prstGeom prst="rect">
+            <a:avLst/>
+          </a:prstGeom>
+          <a:noFill/>
+        </p:spPr>
+        <p:txBody>
+          <a:bodyPr wrap="square" rtlCol="0">
+            <a:spAutoFit/>
+          </a:bodyPr>
+          <a:lstStyle/>
+          <a:p>
+            <a:r>
+              <a:rPr lang="en-US" altLang="ko-KR" sz="1000" dirty="0"/>
+              <a:t>graph</a:t>
+            </a:r>
+            <a:r>
+              <a:rPr lang="ko-KR" altLang="en-US" sz="1000" dirty="0"/>
+              <a:t> </a:t>
+            </a:r>
+            <a:r>
+              <a:rPr lang="en-US" altLang="ko-KR" sz="1000" dirty="0"/>
+              <a:t>6. </a:t>
+            </a:r>
+            <a:r>
+              <a:rPr lang="ko-KR" altLang="en-US" sz="1000" dirty="0"/>
+              <a:t>실제 </a:t>
+            </a:r>
+            <a:r>
+              <a:rPr lang="en-US" altLang="ko-KR" sz="1000" dirty="0"/>
+              <a:t>soh </a:t>
+            </a:r>
+            <a:r>
+              <a:rPr lang="ko-KR" altLang="en-US" sz="1000" dirty="0"/>
+              <a:t>값과 예측 </a:t>
+            </a:r>
+            <a:r>
+              <a:rPr lang="en-US" altLang="ko-KR" sz="1000" dirty="0"/>
+              <a:t>soh </a:t>
+            </a:r>
+            <a:r>
+              <a:rPr lang="ko-KR" altLang="en-US" sz="1000" dirty="0"/>
+              <a:t>값의 차이</a:t>
+            </a:r>
+            <a:r>
+              <a:rPr lang="en-US" altLang="ko-KR" sz="1000" dirty="0"/>
+              <a:t>(N_SPLITS = 10)</a:t>
+            </a:r>
+            <a:endParaRPr lang="ko-KR" altLang="en-US" sz="1000" dirty="0"/>
+          </a:p>
+        </p:txBody>
+      </p:sp>
+      <p:sp>
+        <p:nvSpPr>
+          <p:cNvPr id="14" name="TextBox 13">
+            <a:extLst>
+              <a:ext uri="{FF2B5EF4-FFF2-40B4-BE49-F238E27FC236}">
+                <a16:creationId xmlns:a16="http://schemas.microsoft.com/office/drawing/2014/main" id="{32B52303-FA3C-454E-8163-3BCD10FCC105}"/>
+              </a:ext>
+            </a:extLst>
+          </p:cNvPr>
+          <p:cNvSpPr txBox="1"/>
+          <p:nvPr/>
+        </p:nvSpPr>
+        <p:spPr>
+          <a:xfrm>
+            <a:off x="6810937" y="5998209"/>
+            <a:ext cx="4524336" cy="246221"/>
+          </a:xfrm>
+          <a:prstGeom prst="rect">
+            <a:avLst/>
+          </a:prstGeom>
+          <a:noFill/>
+        </p:spPr>
+        <p:txBody>
+          <a:bodyPr wrap="square" rtlCol="0">
+            <a:spAutoFit/>
+          </a:bodyPr>
+          <a:lstStyle/>
+          <a:p>
+            <a:r>
+              <a:rPr lang="en-US" altLang="ko-KR" sz="1000" dirty="0"/>
+              <a:t>graph</a:t>
+            </a:r>
+            <a:r>
+              <a:rPr lang="ko-KR" altLang="en-US" sz="1000" dirty="0"/>
+              <a:t> </a:t>
+            </a:r>
+            <a:r>
+              <a:rPr lang="en-US" altLang="ko-KR" sz="1000" dirty="0"/>
+              <a:t>7. </a:t>
+            </a:r>
+            <a:r>
+              <a:rPr lang="ko-KR" altLang="en-US" sz="1000" dirty="0"/>
+              <a:t>실제 </a:t>
+            </a:r>
+            <a:r>
+              <a:rPr lang="en-US" altLang="ko-KR" sz="1000" dirty="0"/>
+              <a:t>soh </a:t>
+            </a:r>
+            <a:r>
+              <a:rPr lang="ko-KR" altLang="en-US" sz="1000" dirty="0"/>
+              <a:t>값과 예측 </a:t>
+            </a:r>
+            <a:r>
+              <a:rPr lang="en-US" altLang="ko-KR" sz="1000" dirty="0"/>
+              <a:t>soh </a:t>
+            </a:r>
+            <a:r>
+              <a:rPr lang="ko-KR" altLang="en-US" sz="1000" dirty="0"/>
+              <a:t>값의 차이</a:t>
+            </a:r>
+            <a:r>
+              <a:rPr lang="en-US" altLang="ko-KR" sz="1000" dirty="0"/>
+              <a:t>(N_SPLITS = 20)</a:t>
+            </a:r>
+            <a:endParaRPr lang="ko-KR" altLang="en-US" sz="1000" dirty="0"/>
+          </a:p>
+        </p:txBody>
+      </p:sp>
     </p:spTree>
     <p:extLst>
       <p:ext uri="{BB962C8B-B14F-4D97-AF65-F5344CB8AC3E}">
